--- a/Cap3_Olist_Brazilian_Ecommerce.pptx
+++ b/Cap3_Olist_Brazilian_Ecommerce.pptx
@@ -7,12 +7,14 @@
   <p:sldIdLst>
     <p:sldId id="265" r:id="rId2"/>
     <p:sldId id="256" r:id="rId3"/>
-    <p:sldId id="258" r:id="rId4"/>
-    <p:sldId id="259" r:id="rId5"/>
-    <p:sldId id="262" r:id="rId6"/>
-    <p:sldId id="260" r:id="rId7"/>
-    <p:sldId id="264" r:id="rId8"/>
-    <p:sldId id="257" r:id="rId9"/>
+    <p:sldId id="266" r:id="rId4"/>
+    <p:sldId id="258" r:id="rId5"/>
+    <p:sldId id="259" r:id="rId6"/>
+    <p:sldId id="262" r:id="rId7"/>
+    <p:sldId id="267" r:id="rId8"/>
+    <p:sldId id="260" r:id="rId9"/>
+    <p:sldId id="264" r:id="rId10"/>
+    <p:sldId id="257" r:id="rId11"/>
   </p:sldIdLst>
   <p:sldSz cx="12192000" cy="6858000"/>
   <p:notesSz cx="6858000" cy="9144000"/>
@@ -114,12 +116,12 @@
   <p:extLst>
     <p:ext uri="{EFAFB233-063F-42B5-8137-9DF3F51BA10A}">
       <p15:sldGuideLst xmlns:p15="http://schemas.microsoft.com/office/powerpoint/2012/main">
-        <p15:guide id="1" orient="horz" pos="3744" userDrawn="1">
+        <p15:guide id="1" orient="horz" pos="528" userDrawn="1">
           <p15:clr>
             <a:srgbClr val="A4A3A4"/>
           </p15:clr>
         </p15:guide>
-        <p15:guide id="2" pos="3840" userDrawn="1">
+        <p15:guide id="2" pos="2808" userDrawn="1">
           <p15:clr>
             <a:srgbClr val="A4A3A4"/>
           </p15:clr>
@@ -353,7 +355,7 @@
           <a:lstStyle/>
           <a:p>
             <a:fld id="{5586B75A-687E-405C-8A0B-8D00578BA2C3}" type="datetimeFigureOut">
-              <a:rPr lang="en-US" dirty="0"/>
+              <a:rPr lang="en-US"/>
               <a:pPr/>
               <a:t>12/9/19</a:t>
             </a:fld>
@@ -396,7 +398,7 @@
           <a:lstStyle/>
           <a:p>
             <a:fld id="{4FAB73BC-B049-4115-A692-8D63A059BFB8}" type="slidenum">
-              <a:rPr lang="en-US" dirty="0"/>
+              <a:rPr lang="en-US"/>
               <a:pPr/>
               <a:t>‹#›</a:t>
             </a:fld>
@@ -520,7 +522,7 @@
           <a:lstStyle/>
           <a:p>
             <a:fld id="{5586B75A-687E-405C-8A0B-8D00578BA2C3}" type="datetimeFigureOut">
-              <a:rPr lang="en-US" dirty="0"/>
+              <a:rPr lang="en-US"/>
               <a:pPr/>
               <a:t>12/9/19</a:t>
             </a:fld>
@@ -563,7 +565,7 @@
           <a:lstStyle/>
           <a:p>
             <a:fld id="{4FAB73BC-B049-4115-A692-8D63A059BFB8}" type="slidenum">
-              <a:rPr lang="en-US" dirty="0"/>
+              <a:rPr lang="en-US"/>
               <a:pPr/>
               <a:t>‹#›</a:t>
             </a:fld>
@@ -697,7 +699,7 @@
           <a:lstStyle/>
           <a:p>
             <a:fld id="{5586B75A-687E-405C-8A0B-8D00578BA2C3}" type="datetimeFigureOut">
-              <a:rPr lang="en-US" dirty="0"/>
+              <a:rPr lang="en-US"/>
               <a:pPr/>
               <a:t>12/9/19</a:t>
             </a:fld>
@@ -740,7 +742,7 @@
           <a:lstStyle/>
           <a:p>
             <a:fld id="{4FAB73BC-B049-4115-A692-8D63A059BFB8}" type="slidenum">
-              <a:rPr lang="en-US" dirty="0"/>
+              <a:rPr lang="en-US"/>
               <a:pPr/>
               <a:t>‹#›</a:t>
             </a:fld>
@@ -864,7 +866,7 @@
           <a:lstStyle/>
           <a:p>
             <a:fld id="{5586B75A-687E-405C-8A0B-8D00578BA2C3}" type="datetimeFigureOut">
-              <a:rPr lang="en-US" dirty="0"/>
+              <a:rPr lang="en-US"/>
               <a:pPr/>
               <a:t>12/9/19</a:t>
             </a:fld>
@@ -907,7 +909,7 @@
           <a:lstStyle/>
           <a:p>
             <a:fld id="{4FAB73BC-B049-4115-A692-8D63A059BFB8}" type="slidenum">
-              <a:rPr lang="en-US" dirty="0"/>
+              <a:rPr lang="en-US"/>
               <a:pPr/>
               <a:t>‹#›</a:t>
             </a:fld>
@@ -1119,7 +1121,7 @@
           <a:lstStyle/>
           <a:p>
             <a:fld id="{5586B75A-687E-405C-8A0B-8D00578BA2C3}" type="datetimeFigureOut">
-              <a:rPr lang="en-US" dirty="0"/>
+              <a:rPr lang="en-US"/>
               <a:pPr/>
               <a:t>12/9/19</a:t>
             </a:fld>
@@ -1162,7 +1164,7 @@
           <a:lstStyle/>
           <a:p>
             <a:fld id="{4FAB73BC-B049-4115-A692-8D63A059BFB8}" type="slidenum">
-              <a:rPr lang="en-US" dirty="0"/>
+              <a:rPr lang="en-US"/>
               <a:pPr/>
               <a:t>‹#›</a:t>
             </a:fld>
@@ -1404,7 +1406,7 @@
           <a:lstStyle/>
           <a:p>
             <a:fld id="{5586B75A-687E-405C-8A0B-8D00578BA2C3}" type="datetimeFigureOut">
-              <a:rPr lang="en-US" dirty="0"/>
+              <a:rPr lang="en-US"/>
               <a:pPr/>
               <a:t>12/9/19</a:t>
             </a:fld>
@@ -1447,7 +1449,7 @@
           <a:lstStyle/>
           <a:p>
             <a:fld id="{4FAB73BC-B049-4115-A692-8D63A059BFB8}" type="slidenum">
-              <a:rPr lang="en-US" dirty="0"/>
+              <a:rPr lang="en-US"/>
               <a:pPr/>
               <a:t>‹#›</a:t>
             </a:fld>
@@ -1843,7 +1845,7 @@
           <a:lstStyle/>
           <a:p>
             <a:fld id="{5586B75A-687E-405C-8A0B-8D00578BA2C3}" type="datetimeFigureOut">
-              <a:rPr lang="en-US" dirty="0"/>
+              <a:rPr lang="en-US"/>
               <a:pPr/>
               <a:t>12/9/19</a:t>
             </a:fld>
@@ -1886,7 +1888,7 @@
           <a:lstStyle/>
           <a:p>
             <a:fld id="{4FAB73BC-B049-4115-A692-8D63A059BFB8}" type="slidenum">
-              <a:rPr lang="en-US" dirty="0"/>
+              <a:rPr lang="en-US"/>
               <a:pPr/>
               <a:t>‹#›</a:t>
             </a:fld>
@@ -1958,7 +1960,7 @@
           <a:lstStyle/>
           <a:p>
             <a:fld id="{5586B75A-687E-405C-8A0B-8D00578BA2C3}" type="datetimeFigureOut">
-              <a:rPr lang="en-US" dirty="0"/>
+              <a:rPr lang="en-US"/>
               <a:pPr/>
               <a:t>12/9/19</a:t>
             </a:fld>
@@ -2001,7 +2003,7 @@
           <a:lstStyle/>
           <a:p>
             <a:fld id="{4FAB73BC-B049-4115-A692-8D63A059BFB8}" type="slidenum">
-              <a:rPr lang="en-US" dirty="0"/>
+              <a:rPr lang="en-US"/>
               <a:pPr/>
               <a:t>‹#›</a:t>
             </a:fld>
@@ -2050,7 +2052,7 @@
           <a:lstStyle/>
           <a:p>
             <a:fld id="{5586B75A-687E-405C-8A0B-8D00578BA2C3}" type="datetimeFigureOut">
-              <a:rPr lang="en-US" dirty="0"/>
+              <a:rPr lang="en-US"/>
               <a:pPr/>
               <a:t>12/9/19</a:t>
             </a:fld>
@@ -2093,7 +2095,7 @@
           <a:lstStyle/>
           <a:p>
             <a:fld id="{4FAB73BC-B049-4115-A692-8D63A059BFB8}" type="slidenum">
-              <a:rPr lang="en-US" dirty="0"/>
+              <a:rPr lang="en-US"/>
               <a:pPr/>
               <a:t>‹#›</a:t>
             </a:fld>
@@ -2335,7 +2337,7 @@
           <a:lstStyle/>
           <a:p>
             <a:fld id="{5586B75A-687E-405C-8A0B-8D00578BA2C3}" type="datetimeFigureOut">
-              <a:rPr lang="en-US" dirty="0"/>
+              <a:rPr lang="en-US"/>
               <a:pPr/>
               <a:t>12/9/19</a:t>
             </a:fld>
@@ -2378,7 +2380,7 @@
           <a:lstStyle/>
           <a:p>
             <a:fld id="{4FAB73BC-B049-4115-A692-8D63A059BFB8}" type="slidenum">
-              <a:rPr lang="en-US" dirty="0"/>
+              <a:rPr lang="en-US"/>
               <a:pPr/>
               <a:t>‹#›</a:t>
             </a:fld>
@@ -2508,10 +2510,9 @@
           </a:lstStyle>
           <a:p>
             <a:r>
-              <a:rPr lang="en-US"/>
+              <a:rPr lang="en-US" dirty="0"/>
               <a:t>Click icon to add picture</a:t>
             </a:r>
-            <a:endParaRPr lang="en-US" dirty="0"/>
           </a:p>
         </p:txBody>
       </p:sp>
@@ -2605,7 +2606,7 @@
           <a:lstStyle/>
           <a:p>
             <a:fld id="{5586B75A-687E-405C-8A0B-8D00578BA2C3}" type="datetimeFigureOut">
-              <a:rPr lang="en-US" dirty="0"/>
+              <a:rPr lang="en-US"/>
               <a:pPr/>
               <a:t>12/9/19</a:t>
             </a:fld>
@@ -2653,7 +2654,7 @@
           <a:lstStyle/>
           <a:p>
             <a:fld id="{4FAB73BC-B049-4115-A692-8D63A059BFB8}" type="slidenum">
-              <a:rPr lang="en-US" dirty="0"/>
+              <a:rPr lang="en-US"/>
               <a:pPr/>
               <a:t>‹#›</a:t>
             </a:fld>
@@ -2899,7 +2900,7 @@
           </a:lstStyle>
           <a:p>
             <a:fld id="{5586B75A-687E-405C-8A0B-8D00578BA2C3}" type="datetimeFigureOut">
-              <a:rPr lang="en-US" dirty="0"/>
+              <a:rPr lang="en-US"/>
               <a:pPr/>
               <a:t>12/9/19</a:t>
             </a:fld>
@@ -2977,7 +2978,7 @@
           </a:lstStyle>
           <a:p>
             <a:fld id="{4FAB73BC-B049-4115-A692-8D63A059BFB8}" type="slidenum">
-              <a:rPr lang="en-US" dirty="0"/>
+              <a:rPr lang="en-US"/>
               <a:pPr/>
               <a:t>‹#›</a:t>
             </a:fld>
@@ -3425,7 +3426,7 @@
           <a:lstStyle/>
           <a:p>
             <a:pPr algn="ctr"/>
-            <a:endParaRPr lang="en-US"/>
+            <a:endParaRPr lang="en-US" dirty="0"/>
           </a:p>
         </p:txBody>
       </p:sp>
@@ -3479,1827 +3480,22 @@
   <p:clrMapOvr>
     <a:masterClrMapping/>
   </p:clrMapOvr>
+  <mc:AlternateContent xmlns:mc="http://schemas.openxmlformats.org/markup-compatibility/2006">
+    <mc:Choice xmlns:p14="http://schemas.microsoft.com/office/powerpoint/2010/main" Requires="p14">
+      <p:transition spd="med" p14:dur="700">
+        <p:fade/>
+      </p:transition>
+    </mc:Choice>
+    <mc:Fallback>
+      <p:transition spd="med">
+        <p:fade/>
+      </p:transition>
+    </mc:Fallback>
+  </mc:AlternateContent>
 </p:sld>
 </file>
 
-<file path=ppt/slides/slide2.xml><?xml version="1.0" encoding="utf-8"?>
-<p:sld xmlns:a="http://schemas.openxmlformats.org/drawingml/2006/main" xmlns:r="http://schemas.openxmlformats.org/officeDocument/2006/relationships" xmlns:p="http://schemas.openxmlformats.org/presentationml/2006/main">
-  <p:cSld>
-    <p:bg>
-      <p:bgPr>
-        <a:solidFill>
-          <a:schemeClr val="bg1"/>
-        </a:solidFill>
-        <a:effectLst/>
-      </p:bgPr>
-    </p:bg>
-    <p:spTree>
-      <p:nvGrpSpPr>
-        <p:cNvPr id="1" name=""/>
-        <p:cNvGrpSpPr/>
-        <p:nvPr/>
-      </p:nvGrpSpPr>
-      <p:grpSpPr>
-        <a:xfrm>
-          <a:off x="0" y="0"/>
-          <a:ext cx="0" cy="0"/>
-          <a:chOff x="0" y="0"/>
-          <a:chExt cx="0" cy="0"/>
-        </a:xfrm>
-      </p:grpSpPr>
-      <p:sp useBgFill="1">
-        <p:nvSpPr>
-          <p:cNvPr id="17" name="Rectangle 16">
-            <a:extLst>
-              <a:ext uri="{FF2B5EF4-FFF2-40B4-BE49-F238E27FC236}">
-                <a16:creationId xmlns:a16="http://schemas.microsoft.com/office/drawing/2014/main" id="{69373E92-F88D-4F0A-94DF-393703E7DA7D}"/>
-              </a:ext>
-              <a:ext uri="{C183D7F6-B498-43B3-948B-1728B52AA6E4}">
-                <adec:decorative xmlns:adec="http://schemas.microsoft.com/office/drawing/2017/decorative" val="1"/>
-              </a:ext>
-            </a:extLst>
-          </p:cNvPr>
-          <p:cNvSpPr>
-            <a:spLocks noGrp="1" noRot="1" noChangeAspect="1" noMove="1" noResize="1" noEditPoints="1" noAdjustHandles="1" noChangeArrowheads="1" noChangeShapeType="1" noTextEdit="1"/>
-          </p:cNvSpPr>
-          <p:nvPr>
-            <p:extLst>
-              <p:ext uri="{386F3935-93C4-4BCD-93E2-E3B085C9AB24}">
-                <p16:designElem xmlns:p16="http://schemas.microsoft.com/office/powerpoint/2015/main" val="1"/>
-              </p:ext>
-            </p:extLst>
-          </p:nvPr>
-        </p:nvSpPr>
-        <p:spPr>
-          <a:xfrm>
-            <a:off x="26938" y="466531"/>
-            <a:ext cx="12191999" cy="6858000"/>
-          </a:xfrm>
-          <a:prstGeom prst="rect">
-            <a:avLst/>
-          </a:prstGeom>
-          <a:ln>
-            <a:noFill/>
-          </a:ln>
-        </p:spPr>
-        <p:style>
-          <a:lnRef idx="2">
-            <a:schemeClr val="accent1">
-              <a:shade val="50000"/>
-            </a:schemeClr>
-          </a:lnRef>
-          <a:fillRef idx="1">
-            <a:schemeClr val="accent1"/>
-          </a:fillRef>
-          <a:effectRef idx="0">
-            <a:schemeClr val="accent1"/>
-          </a:effectRef>
-          <a:fontRef idx="minor">
-            <a:schemeClr val="lt1"/>
-          </a:fontRef>
-        </p:style>
-        <p:txBody>
-          <a:bodyPr rtlCol="0" anchor="ctr"/>
-          <a:lstStyle/>
-          <a:p>
-            <a:pPr algn="ctr"/>
-            <a:endParaRPr lang="en-US"/>
-          </a:p>
-        </p:txBody>
-      </p:sp>
-      <p:sp>
-        <p:nvSpPr>
-          <p:cNvPr id="19" name="Rectangle 18">
-            <a:extLst>
-              <a:ext uri="{FF2B5EF4-FFF2-40B4-BE49-F238E27FC236}">
-                <a16:creationId xmlns:a16="http://schemas.microsoft.com/office/drawing/2014/main" id="{C629DAA0-ADF6-43FD-9C99-483F722B56E2}"/>
-              </a:ext>
-              <a:ext uri="{C183D7F6-B498-43B3-948B-1728B52AA6E4}">
-                <adec:decorative xmlns:adec="http://schemas.microsoft.com/office/drawing/2017/decorative" val="1"/>
-              </a:ext>
-            </a:extLst>
-          </p:cNvPr>
-          <p:cNvSpPr>
-            <a:spLocks noGrp="1" noRot="1" noChangeAspect="1" noMove="1" noResize="1" noEditPoints="1" noAdjustHandles="1" noChangeArrowheads="1" noChangeShapeType="1" noTextEdit="1"/>
-          </p:cNvSpPr>
-          <p:nvPr>
-            <p:extLst>
-              <p:ext uri="{386F3935-93C4-4BCD-93E2-E3B085C9AB24}">
-                <p16:designElem xmlns:p16="http://schemas.microsoft.com/office/powerpoint/2015/main" val="1"/>
-              </p:ext>
-            </p:extLst>
-          </p:nvPr>
-        </p:nvSpPr>
-        <p:spPr>
-          <a:xfrm>
-            <a:off x="0" y="761999"/>
-            <a:ext cx="6092889" cy="5334001"/>
-          </a:xfrm>
-          <a:prstGeom prst="rect">
-            <a:avLst/>
-          </a:prstGeom>
-          <a:solidFill>
-            <a:schemeClr val="accent1"/>
-          </a:solidFill>
-          <a:ln>
-            <a:noFill/>
-          </a:ln>
-        </p:spPr>
-        <p:style>
-          <a:lnRef idx="2">
-            <a:schemeClr val="accent1">
-              <a:shade val="50000"/>
-            </a:schemeClr>
-          </a:lnRef>
-          <a:fillRef idx="1">
-            <a:schemeClr val="accent1"/>
-          </a:fillRef>
-          <a:effectRef idx="0">
-            <a:schemeClr val="accent1"/>
-          </a:effectRef>
-          <a:fontRef idx="minor">
-            <a:schemeClr val="lt1"/>
-          </a:fontRef>
-        </p:style>
-      </p:sp>
-      <p:sp>
-        <p:nvSpPr>
-          <p:cNvPr id="2" name="Title 1">
-            <a:extLst>
-              <a:ext uri="{FF2B5EF4-FFF2-40B4-BE49-F238E27FC236}">
-                <a16:creationId xmlns:a16="http://schemas.microsoft.com/office/drawing/2014/main" id="{DCBAE2E5-53F6-1C40-B4CA-A81C838A98FB}"/>
-              </a:ext>
-            </a:extLst>
-          </p:cNvPr>
-          <p:cNvSpPr>
-            <a:spLocks noGrp="1"/>
-          </p:cNvSpPr>
-          <p:nvPr>
-            <p:ph type="ctrTitle"/>
-          </p:nvPr>
-        </p:nvSpPr>
-        <p:spPr>
-          <a:xfrm>
-            <a:off x="984545" y="1898039"/>
-            <a:ext cx="5476723" cy="3255264"/>
-          </a:xfrm>
-        </p:spPr>
-        <p:txBody>
-          <a:bodyPr>
-            <a:normAutofit fontScale="90000"/>
-          </a:bodyPr>
-          <a:lstStyle/>
-          <a:p>
-            <a:r>
-              <a:rPr lang="en-US" dirty="0"/>
-              <a:t>Brazilian</a:t>
-            </a:r>
-            <a:br>
-              <a:rPr lang="en-US" dirty="0"/>
-            </a:br>
-            <a:r>
-              <a:rPr lang="en-US" dirty="0"/>
-              <a:t>E-Commerce Purchase Trend</a:t>
-            </a:r>
-            <a:br>
-              <a:rPr lang="en-US" dirty="0"/>
-            </a:br>
-            <a:endParaRPr lang="en-US" dirty="0"/>
-          </a:p>
-        </p:txBody>
-      </p:sp>
-      <p:sp>
-        <p:nvSpPr>
-          <p:cNvPr id="3" name="Subtitle 2">
-            <a:extLst>
-              <a:ext uri="{FF2B5EF4-FFF2-40B4-BE49-F238E27FC236}">
-                <a16:creationId xmlns:a16="http://schemas.microsoft.com/office/drawing/2014/main" id="{E0E4D395-CD96-3A47-B364-DA32E719A1D2}"/>
-              </a:ext>
-            </a:extLst>
-          </p:cNvPr>
-          <p:cNvSpPr>
-            <a:spLocks noGrp="1"/>
-          </p:cNvSpPr>
-          <p:nvPr>
-            <p:ph type="subTitle" idx="1"/>
-          </p:nvPr>
-        </p:nvSpPr>
-        <p:spPr>
-          <a:xfrm>
-            <a:off x="1003242" y="1184362"/>
-            <a:ext cx="4675634" cy="914400"/>
-          </a:xfrm>
-        </p:spPr>
-        <p:txBody>
-          <a:bodyPr>
-            <a:normAutofit/>
-          </a:bodyPr>
-          <a:lstStyle/>
-          <a:p>
-            <a:r>
-              <a:rPr lang="en-US" dirty="0"/>
-              <a:t>Capstone Three</a:t>
-            </a:r>
-          </a:p>
-        </p:txBody>
-      </p:sp>
-      <p:pic>
-        <p:nvPicPr>
-          <p:cNvPr id="5" name="Picture 4" descr="A close up of a logo&#10;&#10;Description automatically generated">
-            <a:extLst>
-              <a:ext uri="{FF2B5EF4-FFF2-40B4-BE49-F238E27FC236}">
-                <a16:creationId xmlns:a16="http://schemas.microsoft.com/office/drawing/2014/main" id="{833219D2-820C-1E47-BE03-C109BBBE7FFE}"/>
-              </a:ext>
-            </a:extLst>
-          </p:cNvPr>
-          <p:cNvPicPr>
-            <a:picLocks noChangeAspect="1"/>
-          </p:cNvPicPr>
-          <p:nvPr/>
-        </p:nvPicPr>
-        <p:blipFill rotWithShape="1">
-          <a:blip r:embed="rId2"/>
-          <a:srcRect l="4878" t="20279" r="4759" b="21742"/>
-          <a:stretch/>
-        </p:blipFill>
-        <p:spPr>
-          <a:xfrm>
-            <a:off x="6963139" y="1002857"/>
-            <a:ext cx="3976255" cy="1995054"/>
-          </a:xfrm>
-          <a:prstGeom prst="rect">
-            <a:avLst/>
-          </a:prstGeom>
-        </p:spPr>
-      </p:pic>
-      <p:sp>
-        <p:nvSpPr>
-          <p:cNvPr id="21" name="Rectangle 20">
-            <a:extLst>
-              <a:ext uri="{FF2B5EF4-FFF2-40B4-BE49-F238E27FC236}">
-                <a16:creationId xmlns:a16="http://schemas.microsoft.com/office/drawing/2014/main" id="{F32C8C35-BF44-4CFB-9754-81F07C9812A7}"/>
-              </a:ext>
-              <a:ext uri="{C183D7F6-B498-43B3-948B-1728B52AA6E4}">
-                <adec:decorative xmlns:adec="http://schemas.microsoft.com/office/drawing/2017/decorative" val="1"/>
-              </a:ext>
-            </a:extLst>
-          </p:cNvPr>
-          <p:cNvSpPr>
-            <a:spLocks noGrp="1" noRot="1" noChangeAspect="1" noMove="1" noResize="1" noEditPoints="1" noAdjustHandles="1" noChangeArrowheads="1" noChangeShapeType="1" noTextEdit="1"/>
-          </p:cNvSpPr>
-          <p:nvPr>
-            <p:extLst>
-              <p:ext uri="{386F3935-93C4-4BCD-93E2-E3B085C9AB24}">
-                <p16:designElem xmlns:p16="http://schemas.microsoft.com/office/powerpoint/2015/main" val="1"/>
-              </p:ext>
-            </p:extLst>
-          </p:nvPr>
-        </p:nvSpPr>
-        <p:spPr>
-          <a:xfrm>
-            <a:off x="11815864" y="758952"/>
-            <a:ext cx="384048" cy="5330952"/>
-          </a:xfrm>
-          <a:prstGeom prst="rect">
-            <a:avLst/>
-          </a:prstGeom>
-          <a:solidFill>
-            <a:srgbClr val="C8C8C8">
-              <a:alpha val="49804"/>
-            </a:srgbClr>
-          </a:solidFill>
-          <a:ln>
-            <a:noFill/>
-          </a:ln>
-        </p:spPr>
-        <p:style>
-          <a:lnRef idx="2">
-            <a:schemeClr val="accent1">
-              <a:shade val="50000"/>
-            </a:schemeClr>
-          </a:lnRef>
-          <a:fillRef idx="1">
-            <a:schemeClr val="accent1"/>
-          </a:fillRef>
-          <a:effectRef idx="0">
-            <a:schemeClr val="accent1"/>
-          </a:effectRef>
-          <a:fontRef idx="minor">
-            <a:schemeClr val="lt1"/>
-          </a:fontRef>
-        </p:style>
-      </p:sp>
-      <p:pic>
-        <p:nvPicPr>
-          <p:cNvPr id="11" name="Picture 10" descr="A picture containing indoor, toy, sitting, table&#10;&#10;Description automatically generated">
-            <a:extLst>
-              <a:ext uri="{FF2B5EF4-FFF2-40B4-BE49-F238E27FC236}">
-                <a16:creationId xmlns:a16="http://schemas.microsoft.com/office/drawing/2014/main" id="{D56043C1-12B0-ED4B-B259-B3EBE4CC35D9}"/>
-              </a:ext>
-            </a:extLst>
-          </p:cNvPr>
-          <p:cNvPicPr>
-            <a:picLocks noChangeAspect="1"/>
-          </p:cNvPicPr>
-          <p:nvPr/>
-        </p:nvPicPr>
-        <p:blipFill rotWithShape="1">
-          <a:blip r:embed="rId3"/>
-          <a:srcRect l="9664" t="35000" r="9077"/>
-          <a:stretch/>
-        </p:blipFill>
-        <p:spPr>
-          <a:xfrm>
-            <a:off x="6092889" y="3316566"/>
-            <a:ext cx="5602803" cy="2485688"/>
-          </a:xfrm>
-          <a:prstGeom prst="rect">
-            <a:avLst/>
-          </a:prstGeom>
-        </p:spPr>
-      </p:pic>
-      <p:sp>
-        <p:nvSpPr>
-          <p:cNvPr id="22" name="Subtitle 2">
-            <a:extLst>
-              <a:ext uri="{FF2B5EF4-FFF2-40B4-BE49-F238E27FC236}">
-                <a16:creationId xmlns:a16="http://schemas.microsoft.com/office/drawing/2014/main" id="{605D9564-4631-594E-80E7-52E3C0EF3AAE}"/>
-              </a:ext>
-            </a:extLst>
-          </p:cNvPr>
-          <p:cNvSpPr txBox="1">
-            <a:spLocks/>
-          </p:cNvSpPr>
-          <p:nvPr/>
-        </p:nvSpPr>
-        <p:spPr>
-          <a:xfrm>
-            <a:off x="1077774" y="5391430"/>
-            <a:ext cx="4675634" cy="914400"/>
-          </a:xfrm>
-          <a:prstGeom prst="rect">
-            <a:avLst/>
-          </a:prstGeom>
-        </p:spPr>
-        <p:txBody>
-          <a:bodyPr vert="horz" lIns="91440" tIns="45720" rIns="91440" bIns="45720" rtlCol="0" anchor="t">
-            <a:normAutofit/>
-          </a:bodyPr>
-          <a:lstStyle>
-            <a:lvl1pPr marL="0" indent="0" algn="l" defTabSz="914400" rtl="0" eaLnBrk="1" latinLnBrk="0" hangingPunct="1">
-              <a:lnSpc>
-                <a:spcPct val="90000"/>
-              </a:lnSpc>
-              <a:spcBef>
-                <a:spcPts val="1200"/>
-              </a:spcBef>
-              <a:buClr>
-                <a:schemeClr val="accent1"/>
-              </a:buClr>
-              <a:buFont typeface="Wingdings 2" pitchFamily="18" charset="2"/>
-              <a:buNone/>
-              <a:defRPr sz="2200" kern="1200" cap="none" spc="0" baseline="0">
-                <a:solidFill>
-                  <a:schemeClr val="accent1">
-                    <a:lumMod val="20000"/>
-                    <a:lumOff val="80000"/>
-                  </a:schemeClr>
-                </a:solidFill>
-                <a:latin typeface="+mn-lt"/>
-                <a:ea typeface="+mn-ea"/>
-                <a:cs typeface="+mn-cs"/>
-              </a:defRPr>
-            </a:lvl1pPr>
-            <a:lvl2pPr marL="457200" indent="0" algn="ctr" defTabSz="914400" rtl="0" eaLnBrk="1" latinLnBrk="0" hangingPunct="1">
-              <a:lnSpc>
-                <a:spcPct val="90000"/>
-              </a:lnSpc>
-              <a:spcBef>
-                <a:spcPts val="250"/>
-              </a:spcBef>
-              <a:spcAft>
-                <a:spcPts val="250"/>
-              </a:spcAft>
-              <a:buClr>
-                <a:schemeClr val="accent1"/>
-              </a:buClr>
-              <a:buFont typeface="Wingdings 2" pitchFamily="18" charset="2"/>
-              <a:buNone/>
-              <a:defRPr sz="2200" kern="1200">
-                <a:solidFill>
-                  <a:schemeClr val="tx1">
-                    <a:lumMod val="65000"/>
-                    <a:lumOff val="35000"/>
-                  </a:schemeClr>
-                </a:solidFill>
-                <a:latin typeface="+mn-lt"/>
-                <a:ea typeface="+mn-ea"/>
-                <a:cs typeface="+mn-cs"/>
-              </a:defRPr>
-            </a:lvl2pPr>
-            <a:lvl3pPr marL="914400" indent="0" algn="ctr" defTabSz="914400" rtl="0" eaLnBrk="1" latinLnBrk="0" hangingPunct="1">
-              <a:lnSpc>
-                <a:spcPct val="90000"/>
-              </a:lnSpc>
-              <a:spcBef>
-                <a:spcPts val="250"/>
-              </a:spcBef>
-              <a:spcAft>
-                <a:spcPts val="250"/>
-              </a:spcAft>
-              <a:buClr>
-                <a:schemeClr val="accent1"/>
-              </a:buClr>
-              <a:buFont typeface="Wingdings 2" pitchFamily="18" charset="2"/>
-              <a:buNone/>
-              <a:defRPr sz="2200" kern="1200">
-                <a:solidFill>
-                  <a:schemeClr val="tx1">
-                    <a:lumMod val="65000"/>
-                    <a:lumOff val="35000"/>
-                  </a:schemeClr>
-                </a:solidFill>
-                <a:latin typeface="+mn-lt"/>
-                <a:ea typeface="+mn-ea"/>
-                <a:cs typeface="+mn-cs"/>
-              </a:defRPr>
-            </a:lvl3pPr>
-            <a:lvl4pPr marL="1371600" indent="0" algn="ctr" defTabSz="914400" rtl="0" eaLnBrk="1" latinLnBrk="0" hangingPunct="1">
-              <a:lnSpc>
-                <a:spcPct val="90000"/>
-              </a:lnSpc>
-              <a:spcBef>
-                <a:spcPts val="250"/>
-              </a:spcBef>
-              <a:spcAft>
-                <a:spcPts val="250"/>
-              </a:spcAft>
-              <a:buClr>
-                <a:schemeClr val="accent1"/>
-              </a:buClr>
-              <a:buFont typeface="Wingdings 2" pitchFamily="18" charset="2"/>
-              <a:buNone/>
-              <a:defRPr sz="2000" kern="1200">
-                <a:solidFill>
-                  <a:schemeClr val="tx1">
-                    <a:lumMod val="65000"/>
-                    <a:lumOff val="35000"/>
-                  </a:schemeClr>
-                </a:solidFill>
-                <a:latin typeface="+mn-lt"/>
-                <a:ea typeface="+mn-ea"/>
-                <a:cs typeface="+mn-cs"/>
-              </a:defRPr>
-            </a:lvl4pPr>
-            <a:lvl5pPr marL="1828800" indent="0" algn="ctr" defTabSz="914400" rtl="0" eaLnBrk="1" latinLnBrk="0" hangingPunct="1">
-              <a:lnSpc>
-                <a:spcPct val="90000"/>
-              </a:lnSpc>
-              <a:spcBef>
-                <a:spcPts val="250"/>
-              </a:spcBef>
-              <a:spcAft>
-                <a:spcPts val="250"/>
-              </a:spcAft>
-              <a:buClr>
-                <a:schemeClr val="accent1"/>
-              </a:buClr>
-              <a:buFont typeface="Wingdings 2" pitchFamily="18" charset="2"/>
-              <a:buNone/>
-              <a:defRPr sz="2000" kern="1200">
-                <a:solidFill>
-                  <a:schemeClr val="tx1">
-                    <a:lumMod val="65000"/>
-                    <a:lumOff val="35000"/>
-                  </a:schemeClr>
-                </a:solidFill>
-                <a:latin typeface="+mn-lt"/>
-                <a:ea typeface="+mn-ea"/>
-                <a:cs typeface="+mn-cs"/>
-              </a:defRPr>
-            </a:lvl5pPr>
-            <a:lvl6pPr marL="2286000" indent="0" algn="ctr" defTabSz="914400" rtl="0" eaLnBrk="1" latinLnBrk="0" hangingPunct="1">
-              <a:lnSpc>
-                <a:spcPct val="90000"/>
-              </a:lnSpc>
-              <a:spcBef>
-                <a:spcPts val="250"/>
-              </a:spcBef>
-              <a:spcAft>
-                <a:spcPts val="250"/>
-              </a:spcAft>
-              <a:buClr>
-                <a:schemeClr val="accent1"/>
-              </a:buClr>
-              <a:buFont typeface="Wingdings 2" pitchFamily="18" charset="2"/>
-              <a:buNone/>
-              <a:defRPr sz="2000" kern="1200">
-                <a:solidFill>
-                  <a:schemeClr val="tx1">
-                    <a:lumMod val="65000"/>
-                    <a:lumOff val="35000"/>
-                  </a:schemeClr>
-                </a:solidFill>
-                <a:latin typeface="+mn-lt"/>
-                <a:ea typeface="+mn-ea"/>
-                <a:cs typeface="+mn-cs"/>
-              </a:defRPr>
-            </a:lvl6pPr>
-            <a:lvl7pPr marL="2743200" indent="0" algn="ctr" defTabSz="914400" rtl="0" eaLnBrk="1" latinLnBrk="0" hangingPunct="1">
-              <a:lnSpc>
-                <a:spcPct val="90000"/>
-              </a:lnSpc>
-              <a:spcBef>
-                <a:spcPts val="250"/>
-              </a:spcBef>
-              <a:spcAft>
-                <a:spcPts val="250"/>
-              </a:spcAft>
-              <a:buClr>
-                <a:schemeClr val="accent1"/>
-              </a:buClr>
-              <a:buFont typeface="Wingdings 2" pitchFamily="18" charset="2"/>
-              <a:buNone/>
-              <a:defRPr sz="2000" kern="1200">
-                <a:solidFill>
-                  <a:schemeClr val="tx1">
-                    <a:lumMod val="65000"/>
-                    <a:lumOff val="35000"/>
-                  </a:schemeClr>
-                </a:solidFill>
-                <a:latin typeface="+mn-lt"/>
-                <a:ea typeface="+mn-ea"/>
-                <a:cs typeface="+mn-cs"/>
-              </a:defRPr>
-            </a:lvl7pPr>
-            <a:lvl8pPr marL="3200400" indent="0" algn="ctr" defTabSz="914400" rtl="0" eaLnBrk="1" latinLnBrk="0" hangingPunct="1">
-              <a:lnSpc>
-                <a:spcPct val="90000"/>
-              </a:lnSpc>
-              <a:spcBef>
-                <a:spcPts val="250"/>
-              </a:spcBef>
-              <a:spcAft>
-                <a:spcPts val="250"/>
-              </a:spcAft>
-              <a:buClr>
-                <a:schemeClr val="accent1"/>
-              </a:buClr>
-              <a:buFont typeface="Wingdings 2" pitchFamily="18" charset="2"/>
-              <a:buNone/>
-              <a:defRPr sz="2000" kern="1200">
-                <a:solidFill>
-                  <a:schemeClr val="tx1">
-                    <a:lumMod val="65000"/>
-                    <a:lumOff val="35000"/>
-                  </a:schemeClr>
-                </a:solidFill>
-                <a:latin typeface="+mn-lt"/>
-                <a:ea typeface="+mn-ea"/>
-                <a:cs typeface="+mn-cs"/>
-              </a:defRPr>
-            </a:lvl8pPr>
-            <a:lvl9pPr marL="3657600" indent="0" algn="ctr" defTabSz="914400" rtl="0" eaLnBrk="1" latinLnBrk="0" hangingPunct="1">
-              <a:lnSpc>
-                <a:spcPct val="90000"/>
-              </a:lnSpc>
-              <a:spcBef>
-                <a:spcPts val="250"/>
-              </a:spcBef>
-              <a:spcAft>
-                <a:spcPts val="250"/>
-              </a:spcAft>
-              <a:buClr>
-                <a:schemeClr val="accent1"/>
-              </a:buClr>
-              <a:buFont typeface="Wingdings 2" pitchFamily="18" charset="2"/>
-              <a:buNone/>
-              <a:defRPr sz="2000" kern="1200">
-                <a:solidFill>
-                  <a:schemeClr val="tx1">
-                    <a:lumMod val="65000"/>
-                    <a:lumOff val="35000"/>
-                  </a:schemeClr>
-                </a:solidFill>
-                <a:latin typeface="+mn-lt"/>
-                <a:ea typeface="+mn-ea"/>
-                <a:cs typeface="+mn-cs"/>
-              </a:defRPr>
-            </a:lvl9pPr>
-          </a:lstStyle>
-          <a:p>
-            <a:r>
-              <a:rPr lang="en-US" dirty="0"/>
-              <a:t>Rose Mary Perez</a:t>
-            </a:r>
-          </a:p>
-        </p:txBody>
-      </p:sp>
-    </p:spTree>
-    <p:extLst>
-      <p:ext uri="{BB962C8B-B14F-4D97-AF65-F5344CB8AC3E}">
-        <p14:creationId xmlns:p14="http://schemas.microsoft.com/office/powerpoint/2010/main" val="4278117266"/>
-      </p:ext>
-    </p:extLst>
-  </p:cSld>
-  <p:clrMapOvr>
-    <a:masterClrMapping/>
-  </p:clrMapOvr>
-</p:sld>
-</file>
-
-<file path=ppt/slides/slide3.xml><?xml version="1.0" encoding="utf-8"?>
-<p:sld xmlns:a="http://schemas.openxmlformats.org/drawingml/2006/main" xmlns:r="http://schemas.openxmlformats.org/officeDocument/2006/relationships" xmlns:p="http://schemas.openxmlformats.org/presentationml/2006/main">
-  <p:cSld>
-    <p:spTree>
-      <p:nvGrpSpPr>
-        <p:cNvPr id="1" name=""/>
-        <p:cNvGrpSpPr/>
-        <p:nvPr/>
-      </p:nvGrpSpPr>
-      <p:grpSpPr>
-        <a:xfrm>
-          <a:off x="0" y="0"/>
-          <a:ext cx="0" cy="0"/>
-          <a:chOff x="0" y="0"/>
-          <a:chExt cx="0" cy="0"/>
-        </a:xfrm>
-      </p:grpSpPr>
-      <p:sp>
-        <p:nvSpPr>
-          <p:cNvPr id="2" name="Title 1">
-            <a:extLst>
-              <a:ext uri="{FF2B5EF4-FFF2-40B4-BE49-F238E27FC236}">
-                <a16:creationId xmlns:a16="http://schemas.microsoft.com/office/drawing/2014/main" id="{FF3F2891-89B6-DA42-A91C-342498B167A2}"/>
-              </a:ext>
-            </a:extLst>
-          </p:cNvPr>
-          <p:cNvSpPr>
-            <a:spLocks noGrp="1"/>
-          </p:cNvSpPr>
-          <p:nvPr>
-            <p:ph type="title"/>
-          </p:nvPr>
-        </p:nvSpPr>
-        <p:spPr/>
-        <p:txBody>
-          <a:bodyPr/>
-          <a:lstStyle/>
-          <a:p>
-            <a:r>
-              <a:rPr lang="en-US" dirty="0"/>
-              <a:t>Overview</a:t>
-            </a:r>
-          </a:p>
-        </p:txBody>
-      </p:sp>
-      <p:sp>
-        <p:nvSpPr>
-          <p:cNvPr id="3" name="Content Placeholder 2">
-            <a:extLst>
-              <a:ext uri="{FF2B5EF4-FFF2-40B4-BE49-F238E27FC236}">
-                <a16:creationId xmlns:a16="http://schemas.microsoft.com/office/drawing/2014/main" id="{52AB0B0D-057B-BD4C-93D4-033F1A9AC34B}"/>
-              </a:ext>
-            </a:extLst>
-          </p:cNvPr>
-          <p:cNvSpPr>
-            <a:spLocks noGrp="1"/>
-          </p:cNvSpPr>
-          <p:nvPr>
-            <p:ph idx="1"/>
-          </p:nvPr>
-        </p:nvSpPr>
-        <p:spPr/>
-        <p:txBody>
-          <a:bodyPr/>
-          <a:lstStyle/>
-          <a:p>
-            <a:pPr marL="0" indent="0">
-              <a:buNone/>
-            </a:pPr>
-            <a:r>
-              <a:rPr lang="en-US" dirty="0"/>
-              <a:t>The startup was founded in 2015. </a:t>
-            </a:r>
-            <a:r>
-              <a:rPr lang="en-US" dirty="0" err="1"/>
-              <a:t>Olist</a:t>
-            </a:r>
-            <a:r>
-              <a:rPr lang="en-US" dirty="0"/>
-              <a:t> is an online marketplace that enables small brick-and-mortar retailers to sell their products.</a:t>
-            </a:r>
-          </a:p>
-          <a:p>
-            <a:pPr marL="0" indent="0">
-              <a:buNone/>
-            </a:pPr>
-            <a:r>
-              <a:rPr lang="en-US" dirty="0" err="1"/>
-              <a:t>Olist</a:t>
-            </a:r>
-            <a:r>
-              <a:rPr lang="en-US" dirty="0"/>
-              <a:t> as an estimated annual revenue of $1.8m in US dollars.</a:t>
-            </a:r>
-          </a:p>
-          <a:p>
-            <a:pPr marL="0" indent="0">
-              <a:buNone/>
-            </a:pPr>
-            <a:r>
-              <a:rPr lang="en-US" dirty="0"/>
-              <a:t>The goals of the project is to predict the customer Lifetime Value for the first six-moth of their initial sign on.</a:t>
-            </a:r>
-          </a:p>
-          <a:p>
-            <a:pPr marL="0" indent="0">
-              <a:buNone/>
-            </a:pPr>
-            <a:r>
-              <a:rPr lang="en-US" dirty="0"/>
-              <a:t>Tasks:</a:t>
-            </a:r>
-          </a:p>
-          <a:p>
-            <a:pPr lvl="0"/>
-            <a:r>
-              <a:rPr lang="en-US" dirty="0"/>
-              <a:t>Distinguish active customers from inactive customers.</a:t>
-            </a:r>
-          </a:p>
-          <a:p>
-            <a:pPr lvl="0"/>
-            <a:r>
-              <a:rPr lang="en-US" dirty="0"/>
-              <a:t>Generate transaction forecasts for individual customers.</a:t>
-            </a:r>
-          </a:p>
-          <a:p>
-            <a:pPr lvl="0"/>
-            <a:r>
-              <a:rPr lang="en-US" dirty="0"/>
-              <a:t>Predict the purchase volume of the entire customer base.</a:t>
-            </a:r>
-          </a:p>
-          <a:p>
-            <a:pPr marL="0" indent="0">
-              <a:buNone/>
-            </a:pPr>
-            <a:endParaRPr lang="en-US" dirty="0"/>
-          </a:p>
-        </p:txBody>
-      </p:sp>
-    </p:spTree>
-    <p:extLst>
-      <p:ext uri="{BB962C8B-B14F-4D97-AF65-F5344CB8AC3E}">
-        <p14:creationId xmlns:p14="http://schemas.microsoft.com/office/powerpoint/2010/main" val="1019605462"/>
-      </p:ext>
-    </p:extLst>
-  </p:cSld>
-  <p:clrMapOvr>
-    <a:masterClrMapping/>
-  </p:clrMapOvr>
-</p:sld>
-</file>
-
-<file path=ppt/slides/slide4.xml><?xml version="1.0" encoding="utf-8"?>
-<p:sld xmlns:a="http://schemas.openxmlformats.org/drawingml/2006/main" xmlns:r="http://schemas.openxmlformats.org/officeDocument/2006/relationships" xmlns:p="http://schemas.openxmlformats.org/presentationml/2006/main">
-  <p:cSld>
-    <p:spTree>
-      <p:nvGrpSpPr>
-        <p:cNvPr id="1" name=""/>
-        <p:cNvGrpSpPr/>
-        <p:nvPr/>
-      </p:nvGrpSpPr>
-      <p:grpSpPr>
-        <a:xfrm>
-          <a:off x="0" y="0"/>
-          <a:ext cx="0" cy="0"/>
-          <a:chOff x="0" y="0"/>
-          <a:chExt cx="0" cy="0"/>
-        </a:xfrm>
-      </p:grpSpPr>
-      <p:sp>
-        <p:nvSpPr>
-          <p:cNvPr id="2" name="Title 1">
-            <a:extLst>
-              <a:ext uri="{FF2B5EF4-FFF2-40B4-BE49-F238E27FC236}">
-                <a16:creationId xmlns:a16="http://schemas.microsoft.com/office/drawing/2014/main" id="{B8C8704F-D9DD-0940-8675-4866834479BC}"/>
-              </a:ext>
-            </a:extLst>
-          </p:cNvPr>
-          <p:cNvSpPr>
-            <a:spLocks noGrp="1"/>
-          </p:cNvSpPr>
-          <p:nvPr>
-            <p:ph type="title"/>
-          </p:nvPr>
-        </p:nvSpPr>
-        <p:spPr/>
-        <p:txBody>
-          <a:bodyPr/>
-          <a:lstStyle/>
-          <a:p>
-            <a:r>
-              <a:rPr lang="en-US" dirty="0"/>
-              <a:t>The Data</a:t>
-            </a:r>
-          </a:p>
-        </p:txBody>
-      </p:sp>
-      <p:pic>
-        <p:nvPicPr>
-          <p:cNvPr id="5" name="Content Placeholder 4" descr="A screenshot of a cell phone&#10;&#10;Description automatically generated">
-            <a:extLst>
-              <a:ext uri="{FF2B5EF4-FFF2-40B4-BE49-F238E27FC236}">
-                <a16:creationId xmlns:a16="http://schemas.microsoft.com/office/drawing/2014/main" id="{575C783A-E8C7-1A4C-B9F9-6B3648993B2D}"/>
-              </a:ext>
-            </a:extLst>
-          </p:cNvPr>
-          <p:cNvPicPr>
-            <a:picLocks noGrp="1" noChangeAspect="1"/>
-          </p:cNvPicPr>
-          <p:nvPr>
-            <p:ph idx="1"/>
-          </p:nvPr>
-        </p:nvPicPr>
-        <p:blipFill>
-          <a:blip r:embed="rId2"/>
-          <a:stretch>
-            <a:fillRect/>
-          </a:stretch>
-        </p:blipFill>
-        <p:spPr>
-          <a:xfrm>
-            <a:off x="4456789" y="2112101"/>
-            <a:ext cx="6249391" cy="3836122"/>
-          </a:xfrm>
-          <a:ln>
-            <a:solidFill>
-              <a:schemeClr val="tx1"/>
-            </a:solidFill>
-          </a:ln>
-        </p:spPr>
-      </p:pic>
-      <p:sp>
-        <p:nvSpPr>
-          <p:cNvPr id="6" name="Oval 5">
-            <a:extLst>
-              <a:ext uri="{FF2B5EF4-FFF2-40B4-BE49-F238E27FC236}">
-                <a16:creationId xmlns:a16="http://schemas.microsoft.com/office/drawing/2014/main" id="{60DB6FE2-3AC8-F444-950F-E9E48C7E9B1A}"/>
-              </a:ext>
-            </a:extLst>
-          </p:cNvPr>
-          <p:cNvSpPr/>
-          <p:nvPr/>
-        </p:nvSpPr>
-        <p:spPr>
-          <a:xfrm>
-            <a:off x="5760415" y="5116947"/>
-            <a:ext cx="152400" cy="152400"/>
-          </a:xfrm>
-          <a:prstGeom prst="ellipse">
-            <a:avLst/>
-          </a:prstGeom>
-          <a:solidFill>
-            <a:srgbClr val="00B050"/>
-          </a:solidFill>
-        </p:spPr>
-        <p:style>
-          <a:lnRef idx="2">
-            <a:schemeClr val="accent1">
-              <a:shade val="50000"/>
-            </a:schemeClr>
-          </a:lnRef>
-          <a:fillRef idx="1">
-            <a:schemeClr val="accent1"/>
-          </a:fillRef>
-          <a:effectRef idx="0">
-            <a:schemeClr val="accent1"/>
-          </a:effectRef>
-          <a:fontRef idx="minor">
-            <a:schemeClr val="lt1"/>
-          </a:fontRef>
-        </p:style>
-        <p:txBody>
-          <a:bodyPr rtlCol="0" anchor="ctr"/>
-          <a:lstStyle/>
-          <a:p>
-            <a:pPr algn="ctr"/>
-            <a:endParaRPr lang="en-US" dirty="0"/>
-          </a:p>
-        </p:txBody>
-      </p:sp>
-      <p:sp>
-        <p:nvSpPr>
-          <p:cNvPr id="7" name="Oval 6">
-            <a:extLst>
-              <a:ext uri="{FF2B5EF4-FFF2-40B4-BE49-F238E27FC236}">
-                <a16:creationId xmlns:a16="http://schemas.microsoft.com/office/drawing/2014/main" id="{34181741-32DF-7A4B-B01C-7DC821B5B0EA}"/>
-              </a:ext>
-            </a:extLst>
-          </p:cNvPr>
-          <p:cNvSpPr/>
-          <p:nvPr/>
-        </p:nvSpPr>
-        <p:spPr>
-          <a:xfrm>
-            <a:off x="6799508" y="4271814"/>
-            <a:ext cx="152400" cy="152400"/>
-          </a:xfrm>
-          <a:prstGeom prst="ellipse">
-            <a:avLst/>
-          </a:prstGeom>
-          <a:solidFill>
-            <a:srgbClr val="00B050"/>
-          </a:solidFill>
-        </p:spPr>
-        <p:style>
-          <a:lnRef idx="2">
-            <a:schemeClr val="accent1">
-              <a:shade val="50000"/>
-            </a:schemeClr>
-          </a:lnRef>
-          <a:fillRef idx="1">
-            <a:schemeClr val="accent1"/>
-          </a:fillRef>
-          <a:effectRef idx="0">
-            <a:schemeClr val="accent1"/>
-          </a:effectRef>
-          <a:fontRef idx="minor">
-            <a:schemeClr val="lt1"/>
-          </a:fontRef>
-        </p:style>
-        <p:txBody>
-          <a:bodyPr rtlCol="0" anchor="ctr"/>
-          <a:lstStyle/>
-          <a:p>
-            <a:pPr algn="ctr"/>
-            <a:endParaRPr lang="en-US" dirty="0"/>
-          </a:p>
-        </p:txBody>
-      </p:sp>
-      <p:sp>
-        <p:nvSpPr>
-          <p:cNvPr id="8" name="Oval 7">
-            <a:extLst>
-              <a:ext uri="{FF2B5EF4-FFF2-40B4-BE49-F238E27FC236}">
-                <a16:creationId xmlns:a16="http://schemas.microsoft.com/office/drawing/2014/main" id="{E0E3B5B3-3BEF-5F43-87BB-42EF6AD87E86}"/>
-              </a:ext>
-            </a:extLst>
-          </p:cNvPr>
-          <p:cNvSpPr/>
-          <p:nvPr/>
-        </p:nvSpPr>
-        <p:spPr>
-          <a:xfrm>
-            <a:off x="7851883" y="3094187"/>
-            <a:ext cx="152400" cy="152400"/>
-          </a:xfrm>
-          <a:prstGeom prst="ellipse">
-            <a:avLst/>
-          </a:prstGeom>
-          <a:solidFill>
-            <a:srgbClr val="00B050"/>
-          </a:solidFill>
-        </p:spPr>
-        <p:style>
-          <a:lnRef idx="2">
-            <a:schemeClr val="accent1">
-              <a:shade val="50000"/>
-            </a:schemeClr>
-          </a:lnRef>
-          <a:fillRef idx="1">
-            <a:schemeClr val="accent1"/>
-          </a:fillRef>
-          <a:effectRef idx="0">
-            <a:schemeClr val="accent1"/>
-          </a:effectRef>
-          <a:fontRef idx="minor">
-            <a:schemeClr val="lt1"/>
-          </a:fontRef>
-        </p:style>
-        <p:txBody>
-          <a:bodyPr rtlCol="0" anchor="ctr"/>
-          <a:lstStyle/>
-          <a:p>
-            <a:pPr algn="ctr"/>
-            <a:endParaRPr lang="en-US" dirty="0"/>
-          </a:p>
-        </p:txBody>
-      </p:sp>
-      <p:sp>
-        <p:nvSpPr>
-          <p:cNvPr id="9" name="Oval 8">
-            <a:extLst>
-              <a:ext uri="{FF2B5EF4-FFF2-40B4-BE49-F238E27FC236}">
-                <a16:creationId xmlns:a16="http://schemas.microsoft.com/office/drawing/2014/main" id="{2A7D9C74-C630-A24C-BB01-7AC976818288}"/>
-              </a:ext>
-            </a:extLst>
-          </p:cNvPr>
-          <p:cNvSpPr/>
-          <p:nvPr/>
-        </p:nvSpPr>
-        <p:spPr>
-          <a:xfrm>
-            <a:off x="9944496" y="4271825"/>
-            <a:ext cx="152400" cy="152400"/>
-          </a:xfrm>
-          <a:prstGeom prst="ellipse">
-            <a:avLst/>
-          </a:prstGeom>
-          <a:solidFill>
-            <a:srgbClr val="00B050"/>
-          </a:solidFill>
-        </p:spPr>
-        <p:style>
-          <a:lnRef idx="2">
-            <a:schemeClr val="accent1">
-              <a:shade val="50000"/>
-            </a:schemeClr>
-          </a:lnRef>
-          <a:fillRef idx="1">
-            <a:schemeClr val="accent1"/>
-          </a:fillRef>
-          <a:effectRef idx="0">
-            <a:schemeClr val="accent1"/>
-          </a:effectRef>
-          <a:fontRef idx="minor">
-            <a:schemeClr val="lt1"/>
-          </a:fontRef>
-        </p:style>
-        <p:txBody>
-          <a:bodyPr rtlCol="0" anchor="ctr"/>
-          <a:lstStyle/>
-          <a:p>
-            <a:pPr algn="ctr"/>
-            <a:endParaRPr lang="en-US" dirty="0"/>
-          </a:p>
-        </p:txBody>
-      </p:sp>
-      <p:sp>
-        <p:nvSpPr>
-          <p:cNvPr id="10" name="Oval 9">
-            <a:extLst>
-              <a:ext uri="{FF2B5EF4-FFF2-40B4-BE49-F238E27FC236}">
-                <a16:creationId xmlns:a16="http://schemas.microsoft.com/office/drawing/2014/main" id="{87169995-3295-8046-A2D2-CAA2B8807DB1}"/>
-              </a:ext>
-            </a:extLst>
-          </p:cNvPr>
-          <p:cNvSpPr/>
-          <p:nvPr/>
-        </p:nvSpPr>
-        <p:spPr>
-          <a:xfrm>
-            <a:off x="8892126" y="2415306"/>
-            <a:ext cx="152400" cy="152400"/>
-          </a:xfrm>
-          <a:prstGeom prst="ellipse">
-            <a:avLst/>
-          </a:prstGeom>
-          <a:solidFill>
-            <a:srgbClr val="00B050"/>
-          </a:solidFill>
-        </p:spPr>
-        <p:style>
-          <a:lnRef idx="2">
-            <a:schemeClr val="accent1">
-              <a:shade val="50000"/>
-            </a:schemeClr>
-          </a:lnRef>
-          <a:fillRef idx="1">
-            <a:schemeClr val="accent1"/>
-          </a:fillRef>
-          <a:effectRef idx="0">
-            <a:schemeClr val="accent1"/>
-          </a:effectRef>
-          <a:fontRef idx="minor">
-            <a:schemeClr val="lt1"/>
-          </a:fontRef>
-        </p:style>
-        <p:txBody>
-          <a:bodyPr rtlCol="0" anchor="ctr"/>
-          <a:lstStyle/>
-          <a:p>
-            <a:pPr algn="ctr"/>
-            <a:endParaRPr lang="en-US" dirty="0"/>
-          </a:p>
-        </p:txBody>
-      </p:sp>
-      <p:sp>
-        <p:nvSpPr>
-          <p:cNvPr id="11" name="Title 1">
-            <a:extLst>
-              <a:ext uri="{FF2B5EF4-FFF2-40B4-BE49-F238E27FC236}">
-                <a16:creationId xmlns:a16="http://schemas.microsoft.com/office/drawing/2014/main" id="{BD037A27-581C-9F48-8B83-44CC8AA54256}"/>
-              </a:ext>
-            </a:extLst>
-          </p:cNvPr>
-          <p:cNvSpPr txBox="1">
-            <a:spLocks/>
-          </p:cNvSpPr>
-          <p:nvPr/>
-        </p:nvSpPr>
-        <p:spPr>
-          <a:xfrm>
-            <a:off x="3663398" y="775534"/>
-            <a:ext cx="7836172" cy="1024006"/>
-          </a:xfrm>
-          <a:prstGeom prst="rect">
-            <a:avLst/>
-          </a:prstGeom>
-        </p:spPr>
-        <p:txBody>
-          <a:bodyPr vert="horz" lIns="91440" tIns="45720" rIns="91440" bIns="45720" rtlCol="0" anchor="ctr">
-            <a:normAutofit lnSpcReduction="10000"/>
-          </a:bodyPr>
-          <a:lstStyle>
-            <a:lvl1pPr algn="l" defTabSz="914400" rtl="0" eaLnBrk="1" latinLnBrk="0" hangingPunct="1">
-              <a:lnSpc>
-                <a:spcPct val="90000"/>
-              </a:lnSpc>
-              <a:spcBef>
-                <a:spcPct val="0"/>
-              </a:spcBef>
-              <a:buNone/>
-              <a:defRPr sz="3600" kern="1200" spc="-60" baseline="0">
-                <a:solidFill>
-                  <a:srgbClr val="FFFFFF"/>
-                </a:solidFill>
-                <a:latin typeface="+mj-lt"/>
-                <a:ea typeface="+mj-ea"/>
-                <a:cs typeface="+mj-cs"/>
-              </a:defRPr>
-            </a:lvl1pPr>
-          </a:lstStyle>
-          <a:p>
-            <a:r>
-              <a:rPr lang="en-US" dirty="0">
-                <a:solidFill>
-                  <a:srgbClr val="4DBBD3"/>
-                </a:solidFill>
-              </a:rPr>
-              <a:t>There is only two years worth of data and not a true place to start the calculation</a:t>
-            </a:r>
-          </a:p>
-        </p:txBody>
-      </p:sp>
-    </p:spTree>
-    <p:extLst>
-      <p:ext uri="{BB962C8B-B14F-4D97-AF65-F5344CB8AC3E}">
-        <p14:creationId xmlns:p14="http://schemas.microsoft.com/office/powerpoint/2010/main" val="3408455883"/>
-      </p:ext>
-    </p:extLst>
-  </p:cSld>
-  <p:clrMapOvr>
-    <a:masterClrMapping/>
-  </p:clrMapOvr>
-</p:sld>
-</file>
-
-<file path=ppt/slides/slide5.xml><?xml version="1.0" encoding="utf-8"?>
-<p:sld xmlns:a="http://schemas.openxmlformats.org/drawingml/2006/main" xmlns:r="http://schemas.openxmlformats.org/officeDocument/2006/relationships" xmlns:p="http://schemas.openxmlformats.org/presentationml/2006/main">
-  <p:cSld>
-    <p:spTree>
-      <p:nvGrpSpPr>
-        <p:cNvPr id="1" name=""/>
-        <p:cNvGrpSpPr/>
-        <p:nvPr/>
-      </p:nvGrpSpPr>
-      <p:grpSpPr>
-        <a:xfrm>
-          <a:off x="0" y="0"/>
-          <a:ext cx="0" cy="0"/>
-          <a:chOff x="0" y="0"/>
-          <a:chExt cx="0" cy="0"/>
-        </a:xfrm>
-      </p:grpSpPr>
-      <p:sp>
-        <p:nvSpPr>
-          <p:cNvPr id="2" name="Title 1">
-            <a:extLst>
-              <a:ext uri="{FF2B5EF4-FFF2-40B4-BE49-F238E27FC236}">
-                <a16:creationId xmlns:a16="http://schemas.microsoft.com/office/drawing/2014/main" id="{B8C8704F-D9DD-0940-8675-4866834479BC}"/>
-              </a:ext>
-            </a:extLst>
-          </p:cNvPr>
-          <p:cNvSpPr>
-            <a:spLocks noGrp="1"/>
-          </p:cNvSpPr>
-          <p:nvPr>
-            <p:ph type="title"/>
-          </p:nvPr>
-        </p:nvSpPr>
-        <p:spPr/>
-        <p:txBody>
-          <a:bodyPr/>
-          <a:lstStyle/>
-          <a:p>
-            <a:r>
-              <a:rPr lang="en-US" dirty="0"/>
-              <a:t>The Data</a:t>
-            </a:r>
-          </a:p>
-        </p:txBody>
-      </p:sp>
-      <p:sp>
-        <p:nvSpPr>
-          <p:cNvPr id="11" name="Title 1">
-            <a:extLst>
-              <a:ext uri="{FF2B5EF4-FFF2-40B4-BE49-F238E27FC236}">
-                <a16:creationId xmlns:a16="http://schemas.microsoft.com/office/drawing/2014/main" id="{BD037A27-581C-9F48-8B83-44CC8AA54256}"/>
-              </a:ext>
-            </a:extLst>
-          </p:cNvPr>
-          <p:cNvSpPr txBox="1">
-            <a:spLocks/>
-          </p:cNvSpPr>
-          <p:nvPr/>
-        </p:nvSpPr>
-        <p:spPr>
-          <a:xfrm>
-            <a:off x="3663398" y="775534"/>
-            <a:ext cx="7836172" cy="1024006"/>
-          </a:xfrm>
-          <a:prstGeom prst="rect">
-            <a:avLst/>
-          </a:prstGeom>
-        </p:spPr>
-        <p:txBody>
-          <a:bodyPr vert="horz" lIns="91440" tIns="45720" rIns="91440" bIns="45720" rtlCol="0" anchor="ctr">
-            <a:normAutofit/>
-          </a:bodyPr>
-          <a:lstStyle>
-            <a:lvl1pPr algn="l" defTabSz="914400" rtl="0" eaLnBrk="1" latinLnBrk="0" hangingPunct="1">
-              <a:lnSpc>
-                <a:spcPct val="90000"/>
-              </a:lnSpc>
-              <a:spcBef>
-                <a:spcPct val="0"/>
-              </a:spcBef>
-              <a:buNone/>
-              <a:defRPr sz="3600" kern="1200" spc="-60" baseline="0">
-                <a:solidFill>
-                  <a:srgbClr val="FFFFFF"/>
-                </a:solidFill>
-                <a:latin typeface="+mj-lt"/>
-                <a:ea typeface="+mj-ea"/>
-                <a:cs typeface="+mj-cs"/>
-              </a:defRPr>
-            </a:lvl1pPr>
-          </a:lstStyle>
-          <a:p>
-            <a:r>
-              <a:rPr lang="en-US" dirty="0">
-                <a:solidFill>
-                  <a:srgbClr val="4DBBD3"/>
-                </a:solidFill>
-              </a:rPr>
-              <a:t>Testing top sale by state.</a:t>
-            </a:r>
-          </a:p>
-        </p:txBody>
-      </p:sp>
-      <p:pic>
-        <p:nvPicPr>
-          <p:cNvPr id="13" name="Content Placeholder 12" descr="A screenshot of a cell phone&#10;&#10;Description automatically generated">
-            <a:extLst>
-              <a:ext uri="{FF2B5EF4-FFF2-40B4-BE49-F238E27FC236}">
-                <a16:creationId xmlns:a16="http://schemas.microsoft.com/office/drawing/2014/main" id="{79A3B748-7D44-164E-B010-18D5D4710D92}"/>
-              </a:ext>
-            </a:extLst>
-          </p:cNvPr>
-          <p:cNvPicPr>
-            <a:picLocks noGrp="1" noChangeAspect="1"/>
-          </p:cNvPicPr>
-          <p:nvPr>
-            <p:ph idx="1"/>
-          </p:nvPr>
-        </p:nvPicPr>
-        <p:blipFill>
-          <a:blip r:embed="rId2"/>
-          <a:stretch>
-            <a:fillRect/>
-          </a:stretch>
-        </p:blipFill>
-        <p:spPr>
-          <a:xfrm>
-            <a:off x="4495799" y="2032000"/>
-            <a:ext cx="6169399" cy="3911600"/>
-          </a:xfrm>
-          <a:ln>
-            <a:solidFill>
-              <a:schemeClr val="tx1"/>
-            </a:solidFill>
-          </a:ln>
-        </p:spPr>
-      </p:pic>
-    </p:spTree>
-    <p:extLst>
-      <p:ext uri="{BB962C8B-B14F-4D97-AF65-F5344CB8AC3E}">
-        <p14:creationId xmlns:p14="http://schemas.microsoft.com/office/powerpoint/2010/main" val="1294379657"/>
-      </p:ext>
-    </p:extLst>
-  </p:cSld>
-  <p:clrMapOvr>
-    <a:masterClrMapping/>
-  </p:clrMapOvr>
-</p:sld>
-</file>
-
-<file path=ppt/slides/slide6.xml><?xml version="1.0" encoding="utf-8"?>
-<p:sld xmlns:a="http://schemas.openxmlformats.org/drawingml/2006/main" xmlns:r="http://schemas.openxmlformats.org/officeDocument/2006/relationships" xmlns:p="http://schemas.openxmlformats.org/presentationml/2006/main">
-  <p:cSld>
-    <p:spTree>
-      <p:nvGrpSpPr>
-        <p:cNvPr id="1" name=""/>
-        <p:cNvGrpSpPr/>
-        <p:nvPr/>
-      </p:nvGrpSpPr>
-      <p:grpSpPr>
-        <a:xfrm>
-          <a:off x="0" y="0"/>
-          <a:ext cx="0" cy="0"/>
-          <a:chOff x="0" y="0"/>
-          <a:chExt cx="0" cy="0"/>
-        </a:xfrm>
-      </p:grpSpPr>
-      <p:sp>
-        <p:nvSpPr>
-          <p:cNvPr id="2" name="Title 1">
-            <a:extLst>
-              <a:ext uri="{FF2B5EF4-FFF2-40B4-BE49-F238E27FC236}">
-                <a16:creationId xmlns:a16="http://schemas.microsoft.com/office/drawing/2014/main" id="{7D8DAA9F-0E41-3447-A703-0E0EDDA38927}"/>
-              </a:ext>
-            </a:extLst>
-          </p:cNvPr>
-          <p:cNvSpPr>
-            <a:spLocks noGrp="1"/>
-          </p:cNvSpPr>
-          <p:nvPr>
-            <p:ph type="title"/>
-          </p:nvPr>
-        </p:nvSpPr>
-        <p:spPr>
-          <a:xfrm>
-            <a:off x="252919" y="1123837"/>
-            <a:ext cx="2947482" cy="4601183"/>
-          </a:xfrm>
-        </p:spPr>
-        <p:txBody>
-          <a:bodyPr/>
-          <a:lstStyle/>
-          <a:p>
-            <a:r>
-              <a:rPr lang="en-US" b="1" dirty="0"/>
-              <a:t>Regression Models</a:t>
-            </a:r>
-            <a:endParaRPr lang="en-US" dirty="0"/>
-          </a:p>
-        </p:txBody>
-      </p:sp>
-      <p:sp>
-        <p:nvSpPr>
-          <p:cNvPr id="3" name="Title 1">
-            <a:extLst>
-              <a:ext uri="{FF2B5EF4-FFF2-40B4-BE49-F238E27FC236}">
-                <a16:creationId xmlns:a16="http://schemas.microsoft.com/office/drawing/2014/main" id="{7174218C-78CD-D741-B2D3-C0D23B91E6F7}"/>
-              </a:ext>
-            </a:extLst>
-          </p:cNvPr>
-          <p:cNvSpPr txBox="1">
-            <a:spLocks/>
-          </p:cNvSpPr>
-          <p:nvPr/>
-        </p:nvSpPr>
-        <p:spPr>
-          <a:xfrm>
-            <a:off x="3663398" y="775534"/>
-            <a:ext cx="7836172" cy="1024006"/>
-          </a:xfrm>
-          <a:prstGeom prst="rect">
-            <a:avLst/>
-          </a:prstGeom>
-        </p:spPr>
-        <p:txBody>
-          <a:bodyPr vert="horz" lIns="91440" tIns="45720" rIns="91440" bIns="45720" rtlCol="0" anchor="ctr">
-            <a:normAutofit lnSpcReduction="10000"/>
-          </a:bodyPr>
-          <a:lstStyle>
-            <a:lvl1pPr algn="l" defTabSz="914400" rtl="0" eaLnBrk="1" latinLnBrk="0" hangingPunct="1">
-              <a:lnSpc>
-                <a:spcPct val="90000"/>
-              </a:lnSpc>
-              <a:spcBef>
-                <a:spcPct val="0"/>
-              </a:spcBef>
-              <a:buNone/>
-              <a:defRPr sz="3600" kern="1200" spc="-60" baseline="0">
-                <a:solidFill>
-                  <a:srgbClr val="FFFFFF"/>
-                </a:solidFill>
-                <a:latin typeface="+mj-lt"/>
-                <a:ea typeface="+mj-ea"/>
-                <a:cs typeface="+mj-cs"/>
-              </a:defRPr>
-            </a:lvl1pPr>
-          </a:lstStyle>
-          <a:p>
-            <a:r>
-              <a:rPr lang="en-US" dirty="0">
-                <a:solidFill>
-                  <a:srgbClr val="4DBBD3"/>
-                </a:solidFill>
-              </a:rPr>
-              <a:t>Frist model predicting relation with customer by state</a:t>
-            </a:r>
-          </a:p>
-        </p:txBody>
-      </p:sp>
-      <p:pic>
-        <p:nvPicPr>
-          <p:cNvPr id="10" name="Picture 9" descr="A screenshot of a cell phone&#10;&#10;Description automatically generated">
-            <a:extLst>
-              <a:ext uri="{FF2B5EF4-FFF2-40B4-BE49-F238E27FC236}">
-                <a16:creationId xmlns:a16="http://schemas.microsoft.com/office/drawing/2014/main" id="{8915DB01-2008-CA4F-9CE9-31A4F4100925}"/>
-              </a:ext>
-            </a:extLst>
-          </p:cNvPr>
-          <p:cNvPicPr>
-            <a:picLocks noChangeAspect="1"/>
-          </p:cNvPicPr>
-          <p:nvPr/>
-        </p:nvPicPr>
-        <p:blipFill>
-          <a:blip r:embed="rId2"/>
-          <a:stretch>
-            <a:fillRect/>
-          </a:stretch>
-        </p:blipFill>
-        <p:spPr>
-          <a:xfrm>
-            <a:off x="4089400" y="2116666"/>
-            <a:ext cx="6146800" cy="3302000"/>
-          </a:xfrm>
-          <a:prstGeom prst="rect">
-            <a:avLst/>
-          </a:prstGeom>
-          <a:ln>
-            <a:solidFill>
-              <a:schemeClr val="tx1"/>
-            </a:solidFill>
-          </a:ln>
-        </p:spPr>
-      </p:pic>
-      <p:sp>
-        <p:nvSpPr>
-          <p:cNvPr id="16" name="Title 1">
-            <a:extLst>
-              <a:ext uri="{FF2B5EF4-FFF2-40B4-BE49-F238E27FC236}">
-                <a16:creationId xmlns:a16="http://schemas.microsoft.com/office/drawing/2014/main" id="{24F6DEC8-A932-5342-B4EE-72660EA2C1C6}"/>
-              </a:ext>
-            </a:extLst>
-          </p:cNvPr>
-          <p:cNvSpPr txBox="1">
-            <a:spLocks/>
-          </p:cNvSpPr>
-          <p:nvPr/>
-        </p:nvSpPr>
-        <p:spPr>
-          <a:xfrm>
-            <a:off x="4089400" y="5618165"/>
-            <a:ext cx="7836172" cy="650869"/>
-          </a:xfrm>
-          <a:prstGeom prst="rect">
-            <a:avLst/>
-          </a:prstGeom>
-        </p:spPr>
-        <p:txBody>
-          <a:bodyPr vert="horz" lIns="91440" tIns="45720" rIns="91440" bIns="45720" rtlCol="0" anchor="ctr">
-            <a:normAutofit fontScale="92500" lnSpcReduction="10000"/>
-          </a:bodyPr>
-          <a:lstStyle>
-            <a:lvl1pPr algn="l" defTabSz="914400" rtl="0" eaLnBrk="1" latinLnBrk="0" hangingPunct="1">
-              <a:lnSpc>
-                <a:spcPct val="90000"/>
-              </a:lnSpc>
-              <a:spcBef>
-                <a:spcPct val="0"/>
-              </a:spcBef>
-              <a:buNone/>
-              <a:defRPr sz="3600" kern="1200" spc="-60" baseline="0">
-                <a:solidFill>
-                  <a:srgbClr val="FFFFFF"/>
-                </a:solidFill>
-                <a:latin typeface="+mj-lt"/>
-                <a:ea typeface="+mj-ea"/>
-                <a:cs typeface="+mj-cs"/>
-              </a:defRPr>
-            </a:lvl1pPr>
-          </a:lstStyle>
-          <a:p>
-            <a:r>
-              <a:rPr lang="en-US" sz="1200" dirty="0">
-                <a:solidFill>
-                  <a:schemeClr val="tx1"/>
-                </a:solidFill>
-              </a:rPr>
-              <a:t>formula = '</a:t>
-            </a:r>
-            <a:r>
-              <a:rPr lang="en-US" sz="1200" dirty="0" err="1">
-                <a:solidFill>
-                  <a:schemeClr val="tx1"/>
-                </a:solidFill>
-              </a:rPr>
-              <a:t>payment_value</a:t>
-            </a:r>
-            <a:r>
-              <a:rPr lang="en-US" sz="1200" dirty="0">
-                <a:solidFill>
-                  <a:schemeClr val="tx1"/>
-                </a:solidFill>
-              </a:rPr>
-              <a:t> ~ C(</a:t>
-            </a:r>
-            <a:r>
-              <a:rPr lang="en-US" sz="1200" dirty="0" err="1">
-                <a:solidFill>
-                  <a:schemeClr val="tx1"/>
-                </a:solidFill>
-              </a:rPr>
-              <a:t>customer_state</a:t>
-            </a:r>
-            <a:r>
-              <a:rPr lang="en-US" sz="1200" dirty="0">
-                <a:solidFill>
-                  <a:schemeClr val="tx1"/>
-                </a:solidFill>
-              </a:rPr>
-              <a:t>)'</a:t>
-            </a:r>
-          </a:p>
-          <a:p>
-            <a:endParaRPr lang="en-US" sz="1200" dirty="0">
-              <a:solidFill>
-                <a:schemeClr val="tx1"/>
-              </a:solidFill>
-            </a:endParaRPr>
-          </a:p>
-          <a:p>
-            <a:r>
-              <a:rPr lang="en-US" sz="1200" dirty="0" err="1">
-                <a:solidFill>
-                  <a:schemeClr val="tx1"/>
-                </a:solidFill>
-              </a:rPr>
-              <a:t>fitted_model</a:t>
-            </a:r>
-            <a:r>
-              <a:rPr lang="en-US" sz="1200" dirty="0">
-                <a:solidFill>
-                  <a:schemeClr val="tx1"/>
-                </a:solidFill>
-              </a:rPr>
-              <a:t> = </a:t>
-            </a:r>
-            <a:r>
-              <a:rPr lang="en-US" sz="1200" dirty="0" err="1">
-                <a:solidFill>
-                  <a:schemeClr val="tx1"/>
-                </a:solidFill>
-              </a:rPr>
-              <a:t>smf.ols</a:t>
-            </a:r>
-            <a:r>
-              <a:rPr lang="en-US" sz="1200" dirty="0">
-                <a:solidFill>
-                  <a:schemeClr val="tx1"/>
-                </a:solidFill>
-              </a:rPr>
-              <a:t>(formula=formula, data=</a:t>
-            </a:r>
-            <a:r>
-              <a:rPr lang="en-US" sz="1200" dirty="0" err="1">
-                <a:solidFill>
-                  <a:schemeClr val="tx1"/>
-                </a:solidFill>
-              </a:rPr>
-              <a:t>olist_data</a:t>
-            </a:r>
-            <a:r>
-              <a:rPr lang="en-US" sz="1200" dirty="0">
-                <a:solidFill>
-                  <a:schemeClr val="tx1"/>
-                </a:solidFill>
-              </a:rPr>
-              <a:t>).fit()</a:t>
-            </a:r>
-          </a:p>
-          <a:p>
-            <a:r>
-              <a:rPr lang="en-US" sz="1200" dirty="0" err="1">
-                <a:solidFill>
-                  <a:schemeClr val="tx1"/>
-                </a:solidFill>
-              </a:rPr>
-              <a:t>fitted_model.summary</a:t>
-            </a:r>
-            <a:r>
-              <a:rPr lang="en-US" sz="1200" dirty="0">
-                <a:solidFill>
-                  <a:schemeClr val="tx1"/>
-                </a:solidFill>
-              </a:rPr>
-              <a:t>()</a:t>
-            </a:r>
-          </a:p>
-        </p:txBody>
-      </p:sp>
-    </p:spTree>
-    <p:extLst>
-      <p:ext uri="{BB962C8B-B14F-4D97-AF65-F5344CB8AC3E}">
-        <p14:creationId xmlns:p14="http://schemas.microsoft.com/office/powerpoint/2010/main" val="2095895906"/>
-      </p:ext>
-    </p:extLst>
-  </p:cSld>
-  <p:clrMapOvr>
-    <a:masterClrMapping/>
-  </p:clrMapOvr>
-</p:sld>
-</file>
-
-<file path=ppt/slides/slide7.xml><?xml version="1.0" encoding="utf-8"?>
-<p:sld xmlns:a="http://schemas.openxmlformats.org/drawingml/2006/main" xmlns:r="http://schemas.openxmlformats.org/officeDocument/2006/relationships" xmlns:p="http://schemas.openxmlformats.org/presentationml/2006/main">
-  <p:cSld>
-    <p:spTree>
-      <p:nvGrpSpPr>
-        <p:cNvPr id="1" name=""/>
-        <p:cNvGrpSpPr/>
-        <p:nvPr/>
-      </p:nvGrpSpPr>
-      <p:grpSpPr>
-        <a:xfrm>
-          <a:off x="0" y="0"/>
-          <a:ext cx="0" cy="0"/>
-          <a:chOff x="0" y="0"/>
-          <a:chExt cx="0" cy="0"/>
-        </a:xfrm>
-      </p:grpSpPr>
-      <p:sp>
-        <p:nvSpPr>
-          <p:cNvPr id="2" name="Title 1">
-            <a:extLst>
-              <a:ext uri="{FF2B5EF4-FFF2-40B4-BE49-F238E27FC236}">
-                <a16:creationId xmlns:a16="http://schemas.microsoft.com/office/drawing/2014/main" id="{7D8DAA9F-0E41-3447-A703-0E0EDDA38927}"/>
-              </a:ext>
-            </a:extLst>
-          </p:cNvPr>
-          <p:cNvSpPr>
-            <a:spLocks noGrp="1"/>
-          </p:cNvSpPr>
-          <p:nvPr>
-            <p:ph type="title"/>
-          </p:nvPr>
-        </p:nvSpPr>
-        <p:spPr>
-          <a:xfrm>
-            <a:off x="252919" y="1123837"/>
-            <a:ext cx="2947482" cy="4601183"/>
-          </a:xfrm>
-        </p:spPr>
-        <p:txBody>
-          <a:bodyPr/>
-          <a:lstStyle/>
-          <a:p>
-            <a:r>
-              <a:rPr lang="en-US" b="1" dirty="0"/>
-              <a:t>Conclusion</a:t>
-            </a:r>
-            <a:endParaRPr lang="en-US" dirty="0"/>
-          </a:p>
-        </p:txBody>
-      </p:sp>
-      <p:sp>
-        <p:nvSpPr>
-          <p:cNvPr id="3" name="Title 1">
-            <a:extLst>
-              <a:ext uri="{FF2B5EF4-FFF2-40B4-BE49-F238E27FC236}">
-                <a16:creationId xmlns:a16="http://schemas.microsoft.com/office/drawing/2014/main" id="{7174218C-78CD-D741-B2D3-C0D23B91E6F7}"/>
-              </a:ext>
-            </a:extLst>
-          </p:cNvPr>
-          <p:cNvSpPr txBox="1">
-            <a:spLocks/>
-          </p:cNvSpPr>
-          <p:nvPr/>
-        </p:nvSpPr>
-        <p:spPr>
-          <a:xfrm>
-            <a:off x="3663398" y="778933"/>
-            <a:ext cx="7836172" cy="5164668"/>
-          </a:xfrm>
-          <a:prstGeom prst="rect">
-            <a:avLst/>
-          </a:prstGeom>
-        </p:spPr>
-        <p:txBody>
-          <a:bodyPr vert="horz" lIns="91440" tIns="45720" rIns="91440" bIns="45720" rtlCol="0" anchor="ctr">
-            <a:normAutofit/>
-          </a:bodyPr>
-          <a:lstStyle>
-            <a:lvl1pPr algn="l" defTabSz="914400" rtl="0" eaLnBrk="1" latinLnBrk="0" hangingPunct="1">
-              <a:lnSpc>
-                <a:spcPct val="90000"/>
-              </a:lnSpc>
-              <a:spcBef>
-                <a:spcPct val="0"/>
-              </a:spcBef>
-              <a:buNone/>
-              <a:defRPr sz="3600" kern="1200" spc="-60" baseline="0">
-                <a:solidFill>
-                  <a:srgbClr val="FFFFFF"/>
-                </a:solidFill>
-                <a:latin typeface="+mj-lt"/>
-                <a:ea typeface="+mj-ea"/>
-                <a:cs typeface="+mj-cs"/>
-              </a:defRPr>
-            </a:lvl1pPr>
-          </a:lstStyle>
-          <a:p>
-            <a:pPr marL="574675" indent="-574675">
-              <a:buFont typeface="+mj-lt"/>
-              <a:buAutoNum type="arabicPeriod"/>
-            </a:pPr>
-            <a:r>
-              <a:rPr lang="en-US" dirty="0">
-                <a:solidFill>
-                  <a:schemeClr val="tx1"/>
-                </a:solidFill>
-              </a:rPr>
-              <a:t>The techniques to predict is endless.</a:t>
-            </a:r>
-          </a:p>
-          <a:p>
-            <a:pPr marL="574675" indent="-574675">
-              <a:buFont typeface="+mj-lt"/>
-              <a:buAutoNum type="arabicPeriod"/>
-            </a:pPr>
-            <a:endParaRPr lang="en-US" dirty="0">
-              <a:solidFill>
-                <a:schemeClr val="tx1"/>
-              </a:solidFill>
-            </a:endParaRPr>
-          </a:p>
-          <a:p>
-            <a:pPr marL="574675" indent="-574675">
-              <a:buFont typeface="+mj-lt"/>
-              <a:buAutoNum type="arabicPeriod"/>
-            </a:pPr>
-            <a:r>
-              <a:rPr lang="en-US" dirty="0">
-                <a:solidFill>
-                  <a:schemeClr val="tx1"/>
-                </a:solidFill>
-              </a:rPr>
-              <a:t>Working with 9 tables to figure out what to select  as dependent and independent take practice and selecting  the right Regression model is a matter of how deep you investigate.</a:t>
-            </a:r>
-          </a:p>
-          <a:p>
-            <a:endParaRPr lang="en-US" dirty="0">
-              <a:solidFill>
-                <a:srgbClr val="4DBBD3"/>
-              </a:solidFill>
-            </a:endParaRPr>
-          </a:p>
-          <a:p>
-            <a:pPr marL="571500" indent="-571500">
-              <a:buFont typeface="Arial" panose="020B0604020202020204" pitchFamily="34" charset="0"/>
-              <a:buChar char="•"/>
-            </a:pPr>
-            <a:endParaRPr lang="en-US" dirty="0">
-              <a:solidFill>
-                <a:srgbClr val="4DBBD3"/>
-              </a:solidFill>
-            </a:endParaRPr>
-          </a:p>
-        </p:txBody>
-      </p:sp>
-    </p:spTree>
-    <p:extLst>
-      <p:ext uri="{BB962C8B-B14F-4D97-AF65-F5344CB8AC3E}">
-        <p14:creationId xmlns:p14="http://schemas.microsoft.com/office/powerpoint/2010/main" val="335875077"/>
-      </p:ext>
-    </p:extLst>
-  </p:cSld>
-  <p:clrMapOvr>
-    <a:masterClrMapping/>
-  </p:clrMapOvr>
-</p:sld>
-</file>
-
-<file path=ppt/slides/slide8.xml><?xml version="1.0" encoding="utf-8"?>
+<file path=ppt/slides/slide10.xml><?xml version="1.0" encoding="utf-8"?>
 <p:sld xmlns:a="http://schemas.openxmlformats.org/drawingml/2006/main" xmlns:r="http://schemas.openxmlformats.org/officeDocument/2006/relationships" xmlns:p="http://schemas.openxmlformats.org/presentationml/2006/main">
   <p:cSld>
     <p:bg>
@@ -5702,7 +3898,7 @@
         </p:nvSpPr>
         <p:spPr>
           <a:xfrm>
-            <a:off x="676685" y="1759527"/>
+            <a:off x="855188" y="2640749"/>
             <a:ext cx="7056444" cy="1865930"/>
           </a:xfrm>
         </p:spPr>
@@ -5721,6 +3917,118 @@
               </a:rPr>
               <a:t>Thank you!</a:t>
             </a:r>
+          </a:p>
+        </p:txBody>
+      </p:sp>
+      <p:sp>
+        <p:nvSpPr>
+          <p:cNvPr id="5" name="TextBox 4">
+            <a:extLst>
+              <a:ext uri="{FF2B5EF4-FFF2-40B4-BE49-F238E27FC236}">
+                <a16:creationId xmlns:a16="http://schemas.microsoft.com/office/drawing/2014/main" id="{CCE76FC4-B2AB-7240-AAFB-455E4D2546C5}"/>
+              </a:ext>
+            </a:extLst>
+          </p:cNvPr>
+          <p:cNvSpPr txBox="1"/>
+          <p:nvPr/>
+        </p:nvSpPr>
+        <p:spPr>
+          <a:xfrm>
+            <a:off x="1126545" y="936681"/>
+            <a:ext cx="7538979" cy="2308324"/>
+          </a:xfrm>
+          <a:prstGeom prst="rect">
+            <a:avLst/>
+          </a:prstGeom>
+          <a:noFill/>
+        </p:spPr>
+        <p:txBody>
+          <a:bodyPr wrap="square" rtlCol="0">
+            <a:spAutoFit/>
+          </a:bodyPr>
+          <a:lstStyle/>
+          <a:p>
+            <a:r>
+              <a:rPr lang="en-US" dirty="0"/>
+              <a:t>For more information on this project or other project I’ve worked on visit:</a:t>
+            </a:r>
+          </a:p>
+          <a:p>
+            <a:r>
+              <a:rPr lang="en-US" u="sng" dirty="0">
+                <a:solidFill>
+                  <a:srgbClr val="41A0B7"/>
+                </a:solidFill>
+                <a:hlinkClick r:id="rId2">
+                  <a:extLst>
+                    <a:ext uri="{A12FA001-AC4F-418D-AE19-62706E023703}">
+                      <ahyp:hlinkClr xmlns:ahyp="http://schemas.microsoft.com/office/drawing/2018/hyperlinkcolor" val="tx"/>
+                    </a:ext>
+                  </a:extLst>
+                </a:hlinkClick>
+              </a:rPr>
+              <a:t>https://github.com/perezrm</a:t>
+            </a:r>
+            <a:br>
+              <a:rPr lang="en-US" dirty="0">
+                <a:solidFill>
+                  <a:srgbClr val="41A0B7"/>
+                </a:solidFill>
+              </a:rPr>
+            </a:br>
+            <a:br>
+              <a:rPr lang="en-US" dirty="0">
+                <a:solidFill>
+                  <a:srgbClr val="41A0B7"/>
+                </a:solidFill>
+              </a:rPr>
+            </a:br>
+            <a:r>
+              <a:rPr lang="en-US" dirty="0">
+                <a:solidFill>
+                  <a:srgbClr val="41A0B7"/>
+                </a:solidFill>
+              </a:rPr>
+              <a:t>Cap3_Brazilian_ecommerce</a:t>
+            </a:r>
+          </a:p>
+          <a:p>
+            <a:endParaRPr lang="en-US" dirty="0"/>
+          </a:p>
+          <a:p>
+            <a:r>
+              <a:rPr lang="en-US" dirty="0"/>
+              <a:t>Or let’s connect via:</a:t>
+            </a:r>
+          </a:p>
+          <a:p>
+            <a:r>
+              <a:rPr lang="en-US" u="sng" dirty="0">
+                <a:solidFill>
+                  <a:srgbClr val="41A0B7"/>
+                </a:solidFill>
+                <a:hlinkClick r:id="rId3">
+                  <a:extLst>
+                    <a:ext uri="{A12FA001-AC4F-418D-AE19-62706E023703}">
+                      <ahyp:hlinkClr xmlns:ahyp="http://schemas.microsoft.com/office/drawing/2018/hyperlinkcolor" val="tx"/>
+                    </a:ext>
+                  </a:extLst>
+                </a:hlinkClick>
+              </a:rPr>
+              <a:t>www.linkedin.com/in/perezrosemary</a:t>
+            </a:r>
+            <a:r>
+              <a:rPr lang="en-US" dirty="0">
+                <a:solidFill>
+                  <a:srgbClr val="41A0B7"/>
+                </a:solidFill>
+              </a:rPr>
+              <a:t> </a:t>
+            </a:r>
+            <a:endParaRPr lang="en-US" dirty="0"/>
+          </a:p>
+          <a:p>
+            <a:endParaRPr lang="en-US" dirty="0"/>
           </a:p>
         </p:txBody>
       </p:sp>
@@ -5734,6 +4042,3517 @@
   <p:clrMapOvr>
     <a:masterClrMapping/>
   </p:clrMapOvr>
+  <mc:AlternateContent xmlns:mc="http://schemas.openxmlformats.org/markup-compatibility/2006">
+    <mc:Choice xmlns:p15="http://schemas.microsoft.com/office/powerpoint/2012/main" Requires="p15">
+      <p:transition xmlns:p14="http://schemas.microsoft.com/office/powerpoint/2010/main" spd="slow" p14:dur="1250">
+        <p15:prstTrans prst="pageCurlDouble"/>
+      </p:transition>
+    </mc:Choice>
+    <mc:Fallback>
+      <p:transition spd="slow">
+        <p:fade/>
+      </p:transition>
+    </mc:Fallback>
+  </mc:AlternateContent>
+  <p:timing>
+    <p:tnLst>
+      <p:par>
+        <p:cTn id="1" dur="indefinite" restart="never" nodeType="tmRoot">
+          <p:childTnLst>
+            <p:seq concurrent="1" nextAc="seek">
+              <p:cTn id="2" dur="indefinite" nodeType="mainSeq">
+                <p:childTnLst>
+                  <p:par>
+                    <p:cTn id="3" fill="hold">
+                      <p:stCondLst>
+                        <p:cond delay="indefinite"/>
+                      </p:stCondLst>
+                      <p:childTnLst>
+                        <p:par>
+                          <p:cTn id="4" fill="hold">
+                            <p:stCondLst>
+                              <p:cond delay="0"/>
+                            </p:stCondLst>
+                            <p:childTnLst>
+                              <p:par>
+                                <p:cTn id="5" presetID="10" presetClass="entr" presetSubtype="0" fill="hold" nodeType="clickEffect">
+                                  <p:stCondLst>
+                                    <p:cond delay="0"/>
+                                  </p:stCondLst>
+                                  <p:childTnLst>
+                                    <p:set>
+                                      <p:cBhvr>
+                                        <p:cTn id="6" dur="1" fill="hold">
+                                          <p:stCondLst>
+                                            <p:cond delay="0"/>
+                                          </p:stCondLst>
+                                        </p:cTn>
+                                        <p:tgtEl>
+                                          <p:spTgt spid="5">
+                                            <p:txEl>
+                                              <p:pRg st="0" end="0"/>
+                                            </p:txEl>
+                                          </p:spTgt>
+                                        </p:tgtEl>
+                                        <p:attrNameLst>
+                                          <p:attrName>style.visibility</p:attrName>
+                                        </p:attrNameLst>
+                                      </p:cBhvr>
+                                      <p:to>
+                                        <p:strVal val="visible"/>
+                                      </p:to>
+                                    </p:set>
+                                    <p:animEffect transition="in" filter="fade">
+                                      <p:cBhvr>
+                                        <p:cTn id="7" dur="500"/>
+                                        <p:tgtEl>
+                                          <p:spTgt spid="5">
+                                            <p:txEl>
+                                              <p:pRg st="0" end="0"/>
+                                            </p:txEl>
+                                          </p:spTgt>
+                                        </p:tgtEl>
+                                      </p:cBhvr>
+                                    </p:animEffect>
+                                  </p:childTnLst>
+                                </p:cTn>
+                              </p:par>
+                            </p:childTnLst>
+                          </p:cTn>
+                        </p:par>
+                      </p:childTnLst>
+                    </p:cTn>
+                  </p:par>
+                  <p:par>
+                    <p:cTn id="8" fill="hold">
+                      <p:stCondLst>
+                        <p:cond delay="indefinite"/>
+                      </p:stCondLst>
+                      <p:childTnLst>
+                        <p:par>
+                          <p:cTn id="9" fill="hold">
+                            <p:stCondLst>
+                              <p:cond delay="0"/>
+                            </p:stCondLst>
+                            <p:childTnLst>
+                              <p:par>
+                                <p:cTn id="10" presetID="10" presetClass="entr" presetSubtype="0" fill="hold" nodeType="clickEffect">
+                                  <p:stCondLst>
+                                    <p:cond delay="0"/>
+                                  </p:stCondLst>
+                                  <p:childTnLst>
+                                    <p:set>
+                                      <p:cBhvr>
+                                        <p:cTn id="11" dur="1" fill="hold">
+                                          <p:stCondLst>
+                                            <p:cond delay="0"/>
+                                          </p:stCondLst>
+                                        </p:cTn>
+                                        <p:tgtEl>
+                                          <p:spTgt spid="5">
+                                            <p:txEl>
+                                              <p:pRg st="1" end="1"/>
+                                            </p:txEl>
+                                          </p:spTgt>
+                                        </p:tgtEl>
+                                        <p:attrNameLst>
+                                          <p:attrName>style.visibility</p:attrName>
+                                        </p:attrNameLst>
+                                      </p:cBhvr>
+                                      <p:to>
+                                        <p:strVal val="visible"/>
+                                      </p:to>
+                                    </p:set>
+                                    <p:animEffect transition="in" filter="fade">
+                                      <p:cBhvr>
+                                        <p:cTn id="12" dur="500"/>
+                                        <p:tgtEl>
+                                          <p:spTgt spid="5">
+                                            <p:txEl>
+                                              <p:pRg st="1" end="1"/>
+                                            </p:txEl>
+                                          </p:spTgt>
+                                        </p:tgtEl>
+                                      </p:cBhvr>
+                                    </p:animEffect>
+                                  </p:childTnLst>
+                                </p:cTn>
+                              </p:par>
+                            </p:childTnLst>
+                          </p:cTn>
+                        </p:par>
+                      </p:childTnLst>
+                    </p:cTn>
+                  </p:par>
+                  <p:par>
+                    <p:cTn id="13" fill="hold">
+                      <p:stCondLst>
+                        <p:cond delay="indefinite"/>
+                      </p:stCondLst>
+                      <p:childTnLst>
+                        <p:par>
+                          <p:cTn id="14" fill="hold">
+                            <p:stCondLst>
+                              <p:cond delay="0"/>
+                            </p:stCondLst>
+                            <p:childTnLst>
+                              <p:par>
+                                <p:cTn id="15" presetID="10" presetClass="entr" presetSubtype="0" fill="hold" nodeType="clickEffect">
+                                  <p:stCondLst>
+                                    <p:cond delay="0"/>
+                                  </p:stCondLst>
+                                  <p:childTnLst>
+                                    <p:set>
+                                      <p:cBhvr>
+                                        <p:cTn id="16" dur="1" fill="hold">
+                                          <p:stCondLst>
+                                            <p:cond delay="0"/>
+                                          </p:stCondLst>
+                                        </p:cTn>
+                                        <p:tgtEl>
+                                          <p:spTgt spid="5">
+                                            <p:txEl>
+                                              <p:pRg st="3" end="3"/>
+                                            </p:txEl>
+                                          </p:spTgt>
+                                        </p:tgtEl>
+                                        <p:attrNameLst>
+                                          <p:attrName>style.visibility</p:attrName>
+                                        </p:attrNameLst>
+                                      </p:cBhvr>
+                                      <p:to>
+                                        <p:strVal val="visible"/>
+                                      </p:to>
+                                    </p:set>
+                                    <p:animEffect transition="in" filter="fade">
+                                      <p:cBhvr>
+                                        <p:cTn id="17" dur="500"/>
+                                        <p:tgtEl>
+                                          <p:spTgt spid="5">
+                                            <p:txEl>
+                                              <p:pRg st="3" end="3"/>
+                                            </p:txEl>
+                                          </p:spTgt>
+                                        </p:tgtEl>
+                                      </p:cBhvr>
+                                    </p:animEffect>
+                                  </p:childTnLst>
+                                </p:cTn>
+                              </p:par>
+                            </p:childTnLst>
+                          </p:cTn>
+                        </p:par>
+                      </p:childTnLst>
+                    </p:cTn>
+                  </p:par>
+                  <p:par>
+                    <p:cTn id="18" fill="hold">
+                      <p:stCondLst>
+                        <p:cond delay="indefinite"/>
+                      </p:stCondLst>
+                      <p:childTnLst>
+                        <p:par>
+                          <p:cTn id="19" fill="hold">
+                            <p:stCondLst>
+                              <p:cond delay="0"/>
+                            </p:stCondLst>
+                            <p:childTnLst>
+                              <p:par>
+                                <p:cTn id="20" presetID="10" presetClass="entr" presetSubtype="0" fill="hold" nodeType="clickEffect">
+                                  <p:stCondLst>
+                                    <p:cond delay="0"/>
+                                  </p:stCondLst>
+                                  <p:childTnLst>
+                                    <p:set>
+                                      <p:cBhvr>
+                                        <p:cTn id="21" dur="1" fill="hold">
+                                          <p:stCondLst>
+                                            <p:cond delay="0"/>
+                                          </p:stCondLst>
+                                        </p:cTn>
+                                        <p:tgtEl>
+                                          <p:spTgt spid="5">
+                                            <p:txEl>
+                                              <p:pRg st="4" end="4"/>
+                                            </p:txEl>
+                                          </p:spTgt>
+                                        </p:tgtEl>
+                                        <p:attrNameLst>
+                                          <p:attrName>style.visibility</p:attrName>
+                                        </p:attrNameLst>
+                                      </p:cBhvr>
+                                      <p:to>
+                                        <p:strVal val="visible"/>
+                                      </p:to>
+                                    </p:set>
+                                    <p:animEffect transition="in" filter="fade">
+                                      <p:cBhvr>
+                                        <p:cTn id="22" dur="500"/>
+                                        <p:tgtEl>
+                                          <p:spTgt spid="5">
+                                            <p:txEl>
+                                              <p:pRg st="4" end="4"/>
+                                            </p:txEl>
+                                          </p:spTgt>
+                                        </p:tgtEl>
+                                      </p:cBhvr>
+                                    </p:animEffect>
+                                  </p:childTnLst>
+                                </p:cTn>
+                              </p:par>
+                            </p:childTnLst>
+                          </p:cTn>
+                        </p:par>
+                      </p:childTnLst>
+                    </p:cTn>
+                  </p:par>
+                  <p:par>
+                    <p:cTn id="23" fill="hold">
+                      <p:stCondLst>
+                        <p:cond delay="indefinite"/>
+                      </p:stCondLst>
+                      <p:childTnLst>
+                        <p:par>
+                          <p:cTn id="24" fill="hold">
+                            <p:stCondLst>
+                              <p:cond delay="0"/>
+                            </p:stCondLst>
+                            <p:childTnLst>
+                              <p:par>
+                                <p:cTn id="25" presetID="10" presetClass="entr" presetSubtype="0" fill="hold" grpId="0" nodeType="clickEffect">
+                                  <p:stCondLst>
+                                    <p:cond delay="0"/>
+                                  </p:stCondLst>
+                                  <p:childTnLst>
+                                    <p:set>
+                                      <p:cBhvr>
+                                        <p:cTn id="26" dur="1" fill="hold">
+                                          <p:stCondLst>
+                                            <p:cond delay="0"/>
+                                          </p:stCondLst>
+                                        </p:cTn>
+                                        <p:tgtEl>
+                                          <p:spTgt spid="2"/>
+                                        </p:tgtEl>
+                                        <p:attrNameLst>
+                                          <p:attrName>style.visibility</p:attrName>
+                                        </p:attrNameLst>
+                                      </p:cBhvr>
+                                      <p:to>
+                                        <p:strVal val="visible"/>
+                                      </p:to>
+                                    </p:set>
+                                    <p:animEffect transition="in" filter="fade">
+                                      <p:cBhvr>
+                                        <p:cTn id="27" dur="500"/>
+                                        <p:tgtEl>
+                                          <p:spTgt spid="2"/>
+                                        </p:tgtEl>
+                                      </p:cBhvr>
+                                    </p:animEffect>
+                                  </p:childTnLst>
+                                </p:cTn>
+                              </p:par>
+                            </p:childTnLst>
+                          </p:cTn>
+                        </p:par>
+                      </p:childTnLst>
+                    </p:cTn>
+                  </p:par>
+                </p:childTnLst>
+              </p:cTn>
+              <p:prevCondLst>
+                <p:cond evt="onPrev" delay="0">
+                  <p:tgtEl>
+                    <p:sldTgt/>
+                  </p:tgtEl>
+                </p:cond>
+              </p:prevCondLst>
+              <p:nextCondLst>
+                <p:cond evt="onNext" delay="0">
+                  <p:tgtEl>
+                    <p:sldTgt/>
+                  </p:tgtEl>
+                </p:cond>
+              </p:nextCondLst>
+            </p:seq>
+          </p:childTnLst>
+        </p:cTn>
+      </p:par>
+    </p:tnLst>
+    <p:bldLst>
+      <p:bldP spid="2" grpId="0"/>
+    </p:bldLst>
+  </p:timing>
+</p:sld>
+</file>
+
+<file path=ppt/slides/slide2.xml><?xml version="1.0" encoding="utf-8"?>
+<p:sld xmlns:a="http://schemas.openxmlformats.org/drawingml/2006/main" xmlns:r="http://schemas.openxmlformats.org/officeDocument/2006/relationships" xmlns:p="http://schemas.openxmlformats.org/presentationml/2006/main">
+  <p:cSld>
+    <p:bg>
+      <p:bgPr>
+        <a:solidFill>
+          <a:schemeClr val="bg1"/>
+        </a:solidFill>
+        <a:effectLst/>
+      </p:bgPr>
+    </p:bg>
+    <p:spTree>
+      <p:nvGrpSpPr>
+        <p:cNvPr id="1" name=""/>
+        <p:cNvGrpSpPr/>
+        <p:nvPr/>
+      </p:nvGrpSpPr>
+      <p:grpSpPr>
+        <a:xfrm>
+          <a:off x="0" y="0"/>
+          <a:ext cx="0" cy="0"/>
+          <a:chOff x="0" y="0"/>
+          <a:chExt cx="0" cy="0"/>
+        </a:xfrm>
+      </p:grpSpPr>
+      <p:sp useBgFill="1">
+        <p:nvSpPr>
+          <p:cNvPr id="17" name="Rectangle 16">
+            <a:extLst>
+              <a:ext uri="{FF2B5EF4-FFF2-40B4-BE49-F238E27FC236}">
+                <a16:creationId xmlns:a16="http://schemas.microsoft.com/office/drawing/2014/main" id="{69373E92-F88D-4F0A-94DF-393703E7DA7D}"/>
+              </a:ext>
+              <a:ext uri="{C183D7F6-B498-43B3-948B-1728B52AA6E4}">
+                <adec:decorative xmlns:adec="http://schemas.microsoft.com/office/drawing/2017/decorative" val="1"/>
+              </a:ext>
+            </a:extLst>
+          </p:cNvPr>
+          <p:cNvSpPr>
+            <a:spLocks noGrp="1" noRot="1" noChangeAspect="1" noMove="1" noResize="1" noEditPoints="1" noAdjustHandles="1" noChangeArrowheads="1" noChangeShapeType="1" noTextEdit="1"/>
+          </p:cNvSpPr>
+          <p:nvPr>
+            <p:extLst>
+              <p:ext uri="{386F3935-93C4-4BCD-93E2-E3B085C9AB24}">
+                <p16:designElem xmlns:p16="http://schemas.microsoft.com/office/powerpoint/2015/main" val="1"/>
+              </p:ext>
+            </p:extLst>
+          </p:nvPr>
+        </p:nvSpPr>
+        <p:spPr>
+          <a:xfrm>
+            <a:off x="26938" y="466531"/>
+            <a:ext cx="12191999" cy="6858000"/>
+          </a:xfrm>
+          <a:prstGeom prst="rect">
+            <a:avLst/>
+          </a:prstGeom>
+          <a:ln>
+            <a:noFill/>
+          </a:ln>
+        </p:spPr>
+        <p:style>
+          <a:lnRef idx="2">
+            <a:schemeClr val="accent1">
+              <a:shade val="50000"/>
+            </a:schemeClr>
+          </a:lnRef>
+          <a:fillRef idx="1">
+            <a:schemeClr val="accent1"/>
+          </a:fillRef>
+          <a:effectRef idx="0">
+            <a:schemeClr val="accent1"/>
+          </a:effectRef>
+          <a:fontRef idx="minor">
+            <a:schemeClr val="lt1"/>
+          </a:fontRef>
+        </p:style>
+        <p:txBody>
+          <a:bodyPr rtlCol="0" anchor="ctr"/>
+          <a:lstStyle/>
+          <a:p>
+            <a:pPr algn="ctr"/>
+            <a:endParaRPr lang="en-US" dirty="0"/>
+          </a:p>
+        </p:txBody>
+      </p:sp>
+      <p:sp>
+        <p:nvSpPr>
+          <p:cNvPr id="19" name="Rectangle 18">
+            <a:extLst>
+              <a:ext uri="{FF2B5EF4-FFF2-40B4-BE49-F238E27FC236}">
+                <a16:creationId xmlns:a16="http://schemas.microsoft.com/office/drawing/2014/main" id="{C629DAA0-ADF6-43FD-9C99-483F722B56E2}"/>
+              </a:ext>
+              <a:ext uri="{C183D7F6-B498-43B3-948B-1728B52AA6E4}">
+                <adec:decorative xmlns:adec="http://schemas.microsoft.com/office/drawing/2017/decorative" val="1"/>
+              </a:ext>
+            </a:extLst>
+          </p:cNvPr>
+          <p:cNvSpPr>
+            <a:spLocks noGrp="1" noRot="1" noChangeAspect="1" noMove="1" noResize="1" noEditPoints="1" noAdjustHandles="1" noChangeArrowheads="1" noChangeShapeType="1" noTextEdit="1"/>
+          </p:cNvSpPr>
+          <p:nvPr>
+            <p:extLst>
+              <p:ext uri="{386F3935-93C4-4BCD-93E2-E3B085C9AB24}">
+                <p16:designElem xmlns:p16="http://schemas.microsoft.com/office/powerpoint/2015/main" val="1"/>
+              </p:ext>
+            </p:extLst>
+          </p:nvPr>
+        </p:nvSpPr>
+        <p:spPr>
+          <a:xfrm>
+            <a:off x="0" y="761999"/>
+            <a:ext cx="6092889" cy="5334001"/>
+          </a:xfrm>
+          <a:prstGeom prst="rect">
+            <a:avLst/>
+          </a:prstGeom>
+          <a:solidFill>
+            <a:schemeClr val="accent1"/>
+          </a:solidFill>
+          <a:ln>
+            <a:noFill/>
+          </a:ln>
+        </p:spPr>
+        <p:style>
+          <a:lnRef idx="2">
+            <a:schemeClr val="accent1">
+              <a:shade val="50000"/>
+            </a:schemeClr>
+          </a:lnRef>
+          <a:fillRef idx="1">
+            <a:schemeClr val="accent1"/>
+          </a:fillRef>
+          <a:effectRef idx="0">
+            <a:schemeClr val="accent1"/>
+          </a:effectRef>
+          <a:fontRef idx="minor">
+            <a:schemeClr val="lt1"/>
+          </a:fontRef>
+        </p:style>
+      </p:sp>
+      <p:sp>
+        <p:nvSpPr>
+          <p:cNvPr id="2" name="Title 1">
+            <a:extLst>
+              <a:ext uri="{FF2B5EF4-FFF2-40B4-BE49-F238E27FC236}">
+                <a16:creationId xmlns:a16="http://schemas.microsoft.com/office/drawing/2014/main" id="{DCBAE2E5-53F6-1C40-B4CA-A81C838A98FB}"/>
+              </a:ext>
+            </a:extLst>
+          </p:cNvPr>
+          <p:cNvSpPr>
+            <a:spLocks noGrp="1"/>
+          </p:cNvSpPr>
+          <p:nvPr>
+            <p:ph type="ctrTitle"/>
+          </p:nvPr>
+        </p:nvSpPr>
+        <p:spPr>
+          <a:xfrm>
+            <a:off x="950022" y="1898039"/>
+            <a:ext cx="5476723" cy="3255264"/>
+          </a:xfrm>
+        </p:spPr>
+        <p:txBody>
+          <a:bodyPr>
+            <a:normAutofit fontScale="90000"/>
+          </a:bodyPr>
+          <a:lstStyle/>
+          <a:p>
+            <a:r>
+              <a:rPr lang="en-US" dirty="0"/>
+              <a:t>Brazilian</a:t>
+            </a:r>
+            <a:br>
+              <a:rPr lang="en-US" dirty="0"/>
+            </a:br>
+            <a:r>
+              <a:rPr lang="en-US" dirty="0"/>
+              <a:t>E-Commerce Purchase Trend</a:t>
+            </a:r>
+            <a:br>
+              <a:rPr lang="en-US" dirty="0"/>
+            </a:br>
+            <a:endParaRPr lang="en-US" dirty="0"/>
+          </a:p>
+        </p:txBody>
+      </p:sp>
+      <p:sp>
+        <p:nvSpPr>
+          <p:cNvPr id="3" name="Subtitle 2">
+            <a:extLst>
+              <a:ext uri="{FF2B5EF4-FFF2-40B4-BE49-F238E27FC236}">
+                <a16:creationId xmlns:a16="http://schemas.microsoft.com/office/drawing/2014/main" id="{E0E4D395-CD96-3A47-B364-DA32E719A1D2}"/>
+              </a:ext>
+            </a:extLst>
+          </p:cNvPr>
+          <p:cNvSpPr>
+            <a:spLocks noGrp="1"/>
+          </p:cNvSpPr>
+          <p:nvPr>
+            <p:ph type="subTitle" idx="1"/>
+          </p:nvPr>
+        </p:nvSpPr>
+        <p:spPr>
+          <a:xfrm>
+            <a:off x="950022" y="1321776"/>
+            <a:ext cx="4675634" cy="914400"/>
+          </a:xfrm>
+        </p:spPr>
+        <p:txBody>
+          <a:bodyPr>
+            <a:normAutofit/>
+          </a:bodyPr>
+          <a:lstStyle/>
+          <a:p>
+            <a:r>
+              <a:rPr lang="en-US" dirty="0"/>
+              <a:t>Capstone Three</a:t>
+            </a:r>
+          </a:p>
+        </p:txBody>
+      </p:sp>
+      <p:pic>
+        <p:nvPicPr>
+          <p:cNvPr id="5" name="Picture 4" descr="A close up of a logo&#10;&#10;Description automatically generated">
+            <a:extLst>
+              <a:ext uri="{FF2B5EF4-FFF2-40B4-BE49-F238E27FC236}">
+                <a16:creationId xmlns:a16="http://schemas.microsoft.com/office/drawing/2014/main" id="{833219D2-820C-1E47-BE03-C109BBBE7FFE}"/>
+              </a:ext>
+            </a:extLst>
+          </p:cNvPr>
+          <p:cNvPicPr>
+            <a:picLocks noChangeAspect="1"/>
+          </p:cNvPicPr>
+          <p:nvPr/>
+        </p:nvPicPr>
+        <p:blipFill rotWithShape="1">
+          <a:blip r:embed="rId2"/>
+          <a:srcRect l="4878" t="20279" r="4759" b="21742"/>
+          <a:stretch/>
+        </p:blipFill>
+        <p:spPr>
+          <a:xfrm>
+            <a:off x="6963139" y="1002857"/>
+            <a:ext cx="3976255" cy="1995054"/>
+          </a:xfrm>
+          <a:prstGeom prst="rect">
+            <a:avLst/>
+          </a:prstGeom>
+        </p:spPr>
+      </p:pic>
+      <p:sp>
+        <p:nvSpPr>
+          <p:cNvPr id="21" name="Rectangle 20">
+            <a:extLst>
+              <a:ext uri="{FF2B5EF4-FFF2-40B4-BE49-F238E27FC236}">
+                <a16:creationId xmlns:a16="http://schemas.microsoft.com/office/drawing/2014/main" id="{F32C8C35-BF44-4CFB-9754-81F07C9812A7}"/>
+              </a:ext>
+              <a:ext uri="{C183D7F6-B498-43B3-948B-1728B52AA6E4}">
+                <adec:decorative xmlns:adec="http://schemas.microsoft.com/office/drawing/2017/decorative" val="1"/>
+              </a:ext>
+            </a:extLst>
+          </p:cNvPr>
+          <p:cNvSpPr>
+            <a:spLocks noGrp="1" noRot="1" noChangeAspect="1" noMove="1" noResize="1" noEditPoints="1" noAdjustHandles="1" noChangeArrowheads="1" noChangeShapeType="1" noTextEdit="1"/>
+          </p:cNvSpPr>
+          <p:nvPr>
+            <p:extLst>
+              <p:ext uri="{386F3935-93C4-4BCD-93E2-E3B085C9AB24}">
+                <p16:designElem xmlns:p16="http://schemas.microsoft.com/office/powerpoint/2015/main" val="1"/>
+              </p:ext>
+            </p:extLst>
+          </p:nvPr>
+        </p:nvSpPr>
+        <p:spPr>
+          <a:xfrm>
+            <a:off x="11815864" y="758952"/>
+            <a:ext cx="384048" cy="5330952"/>
+          </a:xfrm>
+          <a:prstGeom prst="rect">
+            <a:avLst/>
+          </a:prstGeom>
+          <a:solidFill>
+            <a:srgbClr val="C8C8C8">
+              <a:alpha val="49804"/>
+            </a:srgbClr>
+          </a:solidFill>
+          <a:ln>
+            <a:noFill/>
+          </a:ln>
+        </p:spPr>
+        <p:style>
+          <a:lnRef idx="2">
+            <a:schemeClr val="accent1">
+              <a:shade val="50000"/>
+            </a:schemeClr>
+          </a:lnRef>
+          <a:fillRef idx="1">
+            <a:schemeClr val="accent1"/>
+          </a:fillRef>
+          <a:effectRef idx="0">
+            <a:schemeClr val="accent1"/>
+          </a:effectRef>
+          <a:fontRef idx="minor">
+            <a:schemeClr val="lt1"/>
+          </a:fontRef>
+        </p:style>
+      </p:sp>
+      <p:pic>
+        <p:nvPicPr>
+          <p:cNvPr id="11" name="Picture 10" descr="A picture containing indoor, toy, sitting, table&#10;&#10;Description automatically generated">
+            <a:extLst>
+              <a:ext uri="{FF2B5EF4-FFF2-40B4-BE49-F238E27FC236}">
+                <a16:creationId xmlns:a16="http://schemas.microsoft.com/office/drawing/2014/main" id="{D56043C1-12B0-ED4B-B259-B3EBE4CC35D9}"/>
+              </a:ext>
+            </a:extLst>
+          </p:cNvPr>
+          <p:cNvPicPr>
+            <a:picLocks noChangeAspect="1"/>
+          </p:cNvPicPr>
+          <p:nvPr/>
+        </p:nvPicPr>
+        <p:blipFill rotWithShape="1">
+          <a:blip r:embed="rId3"/>
+          <a:srcRect l="9664" t="35000" r="9077"/>
+          <a:stretch/>
+        </p:blipFill>
+        <p:spPr>
+          <a:xfrm>
+            <a:off x="6092889" y="3316566"/>
+            <a:ext cx="5602803" cy="2485688"/>
+          </a:xfrm>
+          <a:prstGeom prst="rect">
+            <a:avLst/>
+          </a:prstGeom>
+        </p:spPr>
+      </p:pic>
+      <p:sp>
+        <p:nvSpPr>
+          <p:cNvPr id="22" name="Subtitle 2">
+            <a:extLst>
+              <a:ext uri="{FF2B5EF4-FFF2-40B4-BE49-F238E27FC236}">
+                <a16:creationId xmlns:a16="http://schemas.microsoft.com/office/drawing/2014/main" id="{605D9564-4631-594E-80E7-52E3C0EF3AAE}"/>
+              </a:ext>
+            </a:extLst>
+          </p:cNvPr>
+          <p:cNvSpPr txBox="1">
+            <a:spLocks/>
+          </p:cNvSpPr>
+          <p:nvPr/>
+        </p:nvSpPr>
+        <p:spPr>
+          <a:xfrm>
+            <a:off x="950022" y="5048876"/>
+            <a:ext cx="4675634" cy="914400"/>
+          </a:xfrm>
+          <a:prstGeom prst="rect">
+            <a:avLst/>
+          </a:prstGeom>
+        </p:spPr>
+        <p:txBody>
+          <a:bodyPr vert="horz" lIns="91440" tIns="45720" rIns="91440" bIns="45720" rtlCol="0" anchor="t">
+            <a:normAutofit/>
+          </a:bodyPr>
+          <a:lstStyle>
+            <a:lvl1pPr marL="0" indent="0" algn="l" defTabSz="914400" rtl="0" eaLnBrk="1" latinLnBrk="0" hangingPunct="1">
+              <a:lnSpc>
+                <a:spcPct val="90000"/>
+              </a:lnSpc>
+              <a:spcBef>
+                <a:spcPts val="1200"/>
+              </a:spcBef>
+              <a:buClr>
+                <a:schemeClr val="accent1"/>
+              </a:buClr>
+              <a:buFont typeface="Wingdings 2" pitchFamily="18" charset="2"/>
+              <a:buNone/>
+              <a:defRPr sz="2200" kern="1200" cap="none" spc="0" baseline="0">
+                <a:solidFill>
+                  <a:schemeClr val="accent1">
+                    <a:lumMod val="20000"/>
+                    <a:lumOff val="80000"/>
+                  </a:schemeClr>
+                </a:solidFill>
+                <a:latin typeface="+mn-lt"/>
+                <a:ea typeface="+mn-ea"/>
+                <a:cs typeface="+mn-cs"/>
+              </a:defRPr>
+            </a:lvl1pPr>
+            <a:lvl2pPr marL="457200" indent="0" algn="ctr" defTabSz="914400" rtl="0" eaLnBrk="1" latinLnBrk="0" hangingPunct="1">
+              <a:lnSpc>
+                <a:spcPct val="90000"/>
+              </a:lnSpc>
+              <a:spcBef>
+                <a:spcPts val="250"/>
+              </a:spcBef>
+              <a:spcAft>
+                <a:spcPts val="250"/>
+              </a:spcAft>
+              <a:buClr>
+                <a:schemeClr val="accent1"/>
+              </a:buClr>
+              <a:buFont typeface="Wingdings 2" pitchFamily="18" charset="2"/>
+              <a:buNone/>
+              <a:defRPr sz="2200" kern="1200">
+                <a:solidFill>
+                  <a:schemeClr val="tx1">
+                    <a:lumMod val="65000"/>
+                    <a:lumOff val="35000"/>
+                  </a:schemeClr>
+                </a:solidFill>
+                <a:latin typeface="+mn-lt"/>
+                <a:ea typeface="+mn-ea"/>
+                <a:cs typeface="+mn-cs"/>
+              </a:defRPr>
+            </a:lvl2pPr>
+            <a:lvl3pPr marL="914400" indent="0" algn="ctr" defTabSz="914400" rtl="0" eaLnBrk="1" latinLnBrk="0" hangingPunct="1">
+              <a:lnSpc>
+                <a:spcPct val="90000"/>
+              </a:lnSpc>
+              <a:spcBef>
+                <a:spcPts val="250"/>
+              </a:spcBef>
+              <a:spcAft>
+                <a:spcPts val="250"/>
+              </a:spcAft>
+              <a:buClr>
+                <a:schemeClr val="accent1"/>
+              </a:buClr>
+              <a:buFont typeface="Wingdings 2" pitchFamily="18" charset="2"/>
+              <a:buNone/>
+              <a:defRPr sz="2200" kern="1200">
+                <a:solidFill>
+                  <a:schemeClr val="tx1">
+                    <a:lumMod val="65000"/>
+                    <a:lumOff val="35000"/>
+                  </a:schemeClr>
+                </a:solidFill>
+                <a:latin typeface="+mn-lt"/>
+                <a:ea typeface="+mn-ea"/>
+                <a:cs typeface="+mn-cs"/>
+              </a:defRPr>
+            </a:lvl3pPr>
+            <a:lvl4pPr marL="1371600" indent="0" algn="ctr" defTabSz="914400" rtl="0" eaLnBrk="1" latinLnBrk="0" hangingPunct="1">
+              <a:lnSpc>
+                <a:spcPct val="90000"/>
+              </a:lnSpc>
+              <a:spcBef>
+                <a:spcPts val="250"/>
+              </a:spcBef>
+              <a:spcAft>
+                <a:spcPts val="250"/>
+              </a:spcAft>
+              <a:buClr>
+                <a:schemeClr val="accent1"/>
+              </a:buClr>
+              <a:buFont typeface="Wingdings 2" pitchFamily="18" charset="2"/>
+              <a:buNone/>
+              <a:defRPr sz="2000" kern="1200">
+                <a:solidFill>
+                  <a:schemeClr val="tx1">
+                    <a:lumMod val="65000"/>
+                    <a:lumOff val="35000"/>
+                  </a:schemeClr>
+                </a:solidFill>
+                <a:latin typeface="+mn-lt"/>
+                <a:ea typeface="+mn-ea"/>
+                <a:cs typeface="+mn-cs"/>
+              </a:defRPr>
+            </a:lvl4pPr>
+            <a:lvl5pPr marL="1828800" indent="0" algn="ctr" defTabSz="914400" rtl="0" eaLnBrk="1" latinLnBrk="0" hangingPunct="1">
+              <a:lnSpc>
+                <a:spcPct val="90000"/>
+              </a:lnSpc>
+              <a:spcBef>
+                <a:spcPts val="250"/>
+              </a:spcBef>
+              <a:spcAft>
+                <a:spcPts val="250"/>
+              </a:spcAft>
+              <a:buClr>
+                <a:schemeClr val="accent1"/>
+              </a:buClr>
+              <a:buFont typeface="Wingdings 2" pitchFamily="18" charset="2"/>
+              <a:buNone/>
+              <a:defRPr sz="2000" kern="1200">
+                <a:solidFill>
+                  <a:schemeClr val="tx1">
+                    <a:lumMod val="65000"/>
+                    <a:lumOff val="35000"/>
+                  </a:schemeClr>
+                </a:solidFill>
+                <a:latin typeface="+mn-lt"/>
+                <a:ea typeface="+mn-ea"/>
+                <a:cs typeface="+mn-cs"/>
+              </a:defRPr>
+            </a:lvl5pPr>
+            <a:lvl6pPr marL="2286000" indent="0" algn="ctr" defTabSz="914400" rtl="0" eaLnBrk="1" latinLnBrk="0" hangingPunct="1">
+              <a:lnSpc>
+                <a:spcPct val="90000"/>
+              </a:lnSpc>
+              <a:spcBef>
+                <a:spcPts val="250"/>
+              </a:spcBef>
+              <a:spcAft>
+                <a:spcPts val="250"/>
+              </a:spcAft>
+              <a:buClr>
+                <a:schemeClr val="accent1"/>
+              </a:buClr>
+              <a:buFont typeface="Wingdings 2" pitchFamily="18" charset="2"/>
+              <a:buNone/>
+              <a:defRPr sz="2000" kern="1200">
+                <a:solidFill>
+                  <a:schemeClr val="tx1">
+                    <a:lumMod val="65000"/>
+                    <a:lumOff val="35000"/>
+                  </a:schemeClr>
+                </a:solidFill>
+                <a:latin typeface="+mn-lt"/>
+                <a:ea typeface="+mn-ea"/>
+                <a:cs typeface="+mn-cs"/>
+              </a:defRPr>
+            </a:lvl6pPr>
+            <a:lvl7pPr marL="2743200" indent="0" algn="ctr" defTabSz="914400" rtl="0" eaLnBrk="1" latinLnBrk="0" hangingPunct="1">
+              <a:lnSpc>
+                <a:spcPct val="90000"/>
+              </a:lnSpc>
+              <a:spcBef>
+                <a:spcPts val="250"/>
+              </a:spcBef>
+              <a:spcAft>
+                <a:spcPts val="250"/>
+              </a:spcAft>
+              <a:buClr>
+                <a:schemeClr val="accent1"/>
+              </a:buClr>
+              <a:buFont typeface="Wingdings 2" pitchFamily="18" charset="2"/>
+              <a:buNone/>
+              <a:defRPr sz="2000" kern="1200">
+                <a:solidFill>
+                  <a:schemeClr val="tx1">
+                    <a:lumMod val="65000"/>
+                    <a:lumOff val="35000"/>
+                  </a:schemeClr>
+                </a:solidFill>
+                <a:latin typeface="+mn-lt"/>
+                <a:ea typeface="+mn-ea"/>
+                <a:cs typeface="+mn-cs"/>
+              </a:defRPr>
+            </a:lvl7pPr>
+            <a:lvl8pPr marL="3200400" indent="0" algn="ctr" defTabSz="914400" rtl="0" eaLnBrk="1" latinLnBrk="0" hangingPunct="1">
+              <a:lnSpc>
+                <a:spcPct val="90000"/>
+              </a:lnSpc>
+              <a:spcBef>
+                <a:spcPts val="250"/>
+              </a:spcBef>
+              <a:spcAft>
+                <a:spcPts val="250"/>
+              </a:spcAft>
+              <a:buClr>
+                <a:schemeClr val="accent1"/>
+              </a:buClr>
+              <a:buFont typeface="Wingdings 2" pitchFamily="18" charset="2"/>
+              <a:buNone/>
+              <a:defRPr sz="2000" kern="1200">
+                <a:solidFill>
+                  <a:schemeClr val="tx1">
+                    <a:lumMod val="65000"/>
+                    <a:lumOff val="35000"/>
+                  </a:schemeClr>
+                </a:solidFill>
+                <a:latin typeface="+mn-lt"/>
+                <a:ea typeface="+mn-ea"/>
+                <a:cs typeface="+mn-cs"/>
+              </a:defRPr>
+            </a:lvl8pPr>
+            <a:lvl9pPr marL="3657600" indent="0" algn="ctr" defTabSz="914400" rtl="0" eaLnBrk="1" latinLnBrk="0" hangingPunct="1">
+              <a:lnSpc>
+                <a:spcPct val="90000"/>
+              </a:lnSpc>
+              <a:spcBef>
+                <a:spcPts val="250"/>
+              </a:spcBef>
+              <a:spcAft>
+                <a:spcPts val="250"/>
+              </a:spcAft>
+              <a:buClr>
+                <a:schemeClr val="accent1"/>
+              </a:buClr>
+              <a:buFont typeface="Wingdings 2" pitchFamily="18" charset="2"/>
+              <a:buNone/>
+              <a:defRPr sz="2000" kern="1200">
+                <a:solidFill>
+                  <a:schemeClr val="tx1">
+                    <a:lumMod val="65000"/>
+                    <a:lumOff val="35000"/>
+                  </a:schemeClr>
+                </a:solidFill>
+                <a:latin typeface="+mn-lt"/>
+                <a:ea typeface="+mn-ea"/>
+                <a:cs typeface="+mn-cs"/>
+              </a:defRPr>
+            </a:lvl9pPr>
+          </a:lstStyle>
+          <a:p>
+            <a:r>
+              <a:rPr lang="en-US" dirty="0"/>
+              <a:t>Rose Mary Perez</a:t>
+            </a:r>
+          </a:p>
+        </p:txBody>
+      </p:sp>
+    </p:spTree>
+    <p:extLst>
+      <p:ext uri="{BB962C8B-B14F-4D97-AF65-F5344CB8AC3E}">
+        <p14:creationId xmlns:p14="http://schemas.microsoft.com/office/powerpoint/2010/main" val="4278117266"/>
+      </p:ext>
+    </p:extLst>
+  </p:cSld>
+  <p:clrMapOvr>
+    <a:masterClrMapping/>
+  </p:clrMapOvr>
+  <mc:AlternateContent xmlns:mc="http://schemas.openxmlformats.org/markup-compatibility/2006">
+    <mc:Choice xmlns:p15="http://schemas.microsoft.com/office/powerpoint/2012/main" Requires="p15">
+      <p:transition xmlns:p14="http://schemas.microsoft.com/office/powerpoint/2010/main" spd="slow" p14:dur="1250">
+        <p15:prstTrans prst="pageCurlDouble"/>
+      </p:transition>
+    </mc:Choice>
+    <mc:Fallback>
+      <p:transition spd="slow">
+        <p:fade/>
+      </p:transition>
+    </mc:Fallback>
+  </mc:AlternateContent>
+</p:sld>
+</file>
+
+<file path=ppt/slides/slide3.xml><?xml version="1.0" encoding="utf-8"?>
+<p:sld xmlns:a="http://schemas.openxmlformats.org/drawingml/2006/main" xmlns:r="http://schemas.openxmlformats.org/officeDocument/2006/relationships" xmlns:p="http://schemas.openxmlformats.org/presentationml/2006/main">
+  <p:cSld>
+    <p:spTree>
+      <p:nvGrpSpPr>
+        <p:cNvPr id="1" name=""/>
+        <p:cNvGrpSpPr/>
+        <p:nvPr/>
+      </p:nvGrpSpPr>
+      <p:grpSpPr>
+        <a:xfrm>
+          <a:off x="0" y="0"/>
+          <a:ext cx="0" cy="0"/>
+          <a:chOff x="0" y="0"/>
+          <a:chExt cx="0" cy="0"/>
+        </a:xfrm>
+      </p:grpSpPr>
+      <p:sp>
+        <p:nvSpPr>
+          <p:cNvPr id="2" name="Title 1">
+            <a:extLst>
+              <a:ext uri="{FF2B5EF4-FFF2-40B4-BE49-F238E27FC236}">
+                <a16:creationId xmlns:a16="http://schemas.microsoft.com/office/drawing/2014/main" id="{FF3F2891-89B6-DA42-A91C-342498B167A2}"/>
+              </a:ext>
+            </a:extLst>
+          </p:cNvPr>
+          <p:cNvSpPr>
+            <a:spLocks noGrp="1"/>
+          </p:cNvSpPr>
+          <p:nvPr>
+            <p:ph type="title"/>
+          </p:nvPr>
+        </p:nvSpPr>
+        <p:spPr/>
+        <p:txBody>
+          <a:bodyPr/>
+          <a:lstStyle/>
+          <a:p>
+            <a:r>
+              <a:rPr lang="en-US" dirty="0"/>
+              <a:t>Overview</a:t>
+            </a:r>
+          </a:p>
+        </p:txBody>
+      </p:sp>
+      <p:sp>
+        <p:nvSpPr>
+          <p:cNvPr id="3" name="Content Placeholder 2">
+            <a:extLst>
+              <a:ext uri="{FF2B5EF4-FFF2-40B4-BE49-F238E27FC236}">
+                <a16:creationId xmlns:a16="http://schemas.microsoft.com/office/drawing/2014/main" id="{52AB0B0D-057B-BD4C-93D4-033F1A9AC34B}"/>
+              </a:ext>
+            </a:extLst>
+          </p:cNvPr>
+          <p:cNvSpPr>
+            <a:spLocks noGrp="1"/>
+          </p:cNvSpPr>
+          <p:nvPr>
+            <p:ph idx="1"/>
+          </p:nvPr>
+        </p:nvSpPr>
+        <p:spPr>
+          <a:xfrm>
+            <a:off x="3869268" y="864108"/>
+            <a:ext cx="7924626" cy="5120640"/>
+          </a:xfrm>
+        </p:spPr>
+        <p:txBody>
+          <a:bodyPr/>
+          <a:lstStyle/>
+          <a:p>
+            <a:pPr marL="0" indent="0">
+              <a:buNone/>
+            </a:pPr>
+            <a:r>
+              <a:rPr lang="en-US" sz="2400" dirty="0"/>
+              <a:t>Olist is an online marketplace that enables small brick-and-mortar retailers to sell their products. The startup was founded in 2015. </a:t>
+            </a:r>
+          </a:p>
+          <a:p>
+            <a:pPr marL="0" indent="0">
+              <a:buNone/>
+            </a:pPr>
+            <a:r>
+              <a:rPr lang="en-US" sz="2400" dirty="0"/>
+              <a:t>Olist has an estimated annual revenue of $1.8m in US dollars.</a:t>
+            </a:r>
+          </a:p>
+          <a:p>
+            <a:pPr marL="0" indent="0">
+              <a:buNone/>
+            </a:pPr>
+            <a:r>
+              <a:rPr lang="en-US" sz="2400" dirty="0"/>
+              <a:t>They currently have an entire area dedicated to customer onboarding. It focus on teaching their customers to thoroughly understand what Olist is and what it does. In order to grow, it’s essential that the user has the necessary knowledge of the platform and their business.</a:t>
+            </a:r>
+          </a:p>
+        </p:txBody>
+      </p:sp>
+    </p:spTree>
+    <p:extLst>
+      <p:ext uri="{BB962C8B-B14F-4D97-AF65-F5344CB8AC3E}">
+        <p14:creationId xmlns:p14="http://schemas.microsoft.com/office/powerpoint/2010/main" val="587982828"/>
+      </p:ext>
+    </p:extLst>
+  </p:cSld>
+  <p:clrMapOvr>
+    <a:masterClrMapping/>
+  </p:clrMapOvr>
+  <p:transition spd="slow">
+    <p:push dir="u"/>
+  </p:transition>
+</p:sld>
+</file>
+
+<file path=ppt/slides/slide4.xml><?xml version="1.0" encoding="utf-8"?>
+<p:sld xmlns:a="http://schemas.openxmlformats.org/drawingml/2006/main" xmlns:r="http://schemas.openxmlformats.org/officeDocument/2006/relationships" xmlns:p="http://schemas.openxmlformats.org/presentationml/2006/main">
+  <p:cSld>
+    <p:spTree>
+      <p:nvGrpSpPr>
+        <p:cNvPr id="1" name=""/>
+        <p:cNvGrpSpPr/>
+        <p:nvPr/>
+      </p:nvGrpSpPr>
+      <p:grpSpPr>
+        <a:xfrm>
+          <a:off x="0" y="0"/>
+          <a:ext cx="0" cy="0"/>
+          <a:chOff x="0" y="0"/>
+          <a:chExt cx="0" cy="0"/>
+        </a:xfrm>
+      </p:grpSpPr>
+      <p:sp>
+        <p:nvSpPr>
+          <p:cNvPr id="2" name="Title 1">
+            <a:extLst>
+              <a:ext uri="{FF2B5EF4-FFF2-40B4-BE49-F238E27FC236}">
+                <a16:creationId xmlns:a16="http://schemas.microsoft.com/office/drawing/2014/main" id="{FF3F2891-89B6-DA42-A91C-342498B167A2}"/>
+              </a:ext>
+            </a:extLst>
+          </p:cNvPr>
+          <p:cNvSpPr>
+            <a:spLocks noGrp="1"/>
+          </p:cNvSpPr>
+          <p:nvPr>
+            <p:ph type="title"/>
+          </p:nvPr>
+        </p:nvSpPr>
+        <p:spPr/>
+        <p:txBody>
+          <a:bodyPr/>
+          <a:lstStyle/>
+          <a:p>
+            <a:r>
+              <a:rPr lang="en-US" dirty="0"/>
+              <a:t>Project Goal</a:t>
+            </a:r>
+          </a:p>
+        </p:txBody>
+      </p:sp>
+      <p:sp>
+        <p:nvSpPr>
+          <p:cNvPr id="3" name="Content Placeholder 2">
+            <a:extLst>
+              <a:ext uri="{FF2B5EF4-FFF2-40B4-BE49-F238E27FC236}">
+                <a16:creationId xmlns:a16="http://schemas.microsoft.com/office/drawing/2014/main" id="{52AB0B0D-057B-BD4C-93D4-033F1A9AC34B}"/>
+              </a:ext>
+            </a:extLst>
+          </p:cNvPr>
+          <p:cNvSpPr>
+            <a:spLocks noGrp="1"/>
+          </p:cNvSpPr>
+          <p:nvPr>
+            <p:ph idx="1"/>
+          </p:nvPr>
+        </p:nvSpPr>
+        <p:spPr>
+          <a:xfrm>
+            <a:off x="3869267" y="864108"/>
+            <a:ext cx="7537485" cy="5120640"/>
+          </a:xfrm>
+        </p:spPr>
+        <p:txBody>
+          <a:bodyPr/>
+          <a:lstStyle/>
+          <a:p>
+            <a:pPr marL="0" indent="0">
+              <a:buNone/>
+            </a:pPr>
+            <a:r>
+              <a:rPr lang="en-US" sz="2400" dirty="0"/>
+              <a:t>The goals of the project is to build a regression model to predict how much a new customer will spend in their first six months. </a:t>
+            </a:r>
+          </a:p>
+          <a:p>
+            <a:pPr marL="0" indent="0">
+              <a:buNone/>
+            </a:pPr>
+            <a:r>
+              <a:rPr lang="en-US" sz="2400" dirty="0"/>
+              <a:t>Tasks:</a:t>
+            </a:r>
+          </a:p>
+          <a:p>
+            <a:pPr lvl="0"/>
+            <a:r>
+              <a:rPr lang="en-US" sz="2400" dirty="0"/>
+              <a:t>Distinguish active customers from inactive customers.</a:t>
+            </a:r>
+          </a:p>
+          <a:p>
+            <a:pPr lvl="0"/>
+            <a:r>
+              <a:rPr lang="en-US" sz="2400" dirty="0"/>
+              <a:t>Generate transaction forecasts for individual customers.</a:t>
+            </a:r>
+          </a:p>
+          <a:p>
+            <a:pPr lvl="0"/>
+            <a:r>
+              <a:rPr lang="en-US" sz="2400" dirty="0"/>
+              <a:t>Predict the purchase volume of the entire customer base.</a:t>
+            </a:r>
+          </a:p>
+          <a:p>
+            <a:pPr marL="0" indent="0">
+              <a:buNone/>
+            </a:pPr>
+            <a:endParaRPr lang="en-US" dirty="0"/>
+          </a:p>
+        </p:txBody>
+      </p:sp>
+    </p:spTree>
+    <p:extLst>
+      <p:ext uri="{BB962C8B-B14F-4D97-AF65-F5344CB8AC3E}">
+        <p14:creationId xmlns:p14="http://schemas.microsoft.com/office/powerpoint/2010/main" val="1019605462"/>
+      </p:ext>
+    </p:extLst>
+  </p:cSld>
+  <p:clrMapOvr>
+    <a:masterClrMapping/>
+  </p:clrMapOvr>
+  <p:transition spd="slow">
+    <p:push dir="u"/>
+  </p:transition>
+</p:sld>
+</file>
+
+<file path=ppt/slides/slide5.xml><?xml version="1.0" encoding="utf-8"?>
+<p:sld xmlns:a="http://schemas.openxmlformats.org/drawingml/2006/main" xmlns:r="http://schemas.openxmlformats.org/officeDocument/2006/relationships" xmlns:p="http://schemas.openxmlformats.org/presentationml/2006/main">
+  <p:cSld>
+    <p:spTree>
+      <p:nvGrpSpPr>
+        <p:cNvPr id="1" name=""/>
+        <p:cNvGrpSpPr/>
+        <p:nvPr/>
+      </p:nvGrpSpPr>
+      <p:grpSpPr>
+        <a:xfrm>
+          <a:off x="0" y="0"/>
+          <a:ext cx="0" cy="0"/>
+          <a:chOff x="0" y="0"/>
+          <a:chExt cx="0" cy="0"/>
+        </a:xfrm>
+      </p:grpSpPr>
+      <p:sp>
+        <p:nvSpPr>
+          <p:cNvPr id="2" name="Title 1">
+            <a:extLst>
+              <a:ext uri="{FF2B5EF4-FFF2-40B4-BE49-F238E27FC236}">
+                <a16:creationId xmlns:a16="http://schemas.microsoft.com/office/drawing/2014/main" id="{B8C8704F-D9DD-0940-8675-4866834479BC}"/>
+              </a:ext>
+            </a:extLst>
+          </p:cNvPr>
+          <p:cNvSpPr>
+            <a:spLocks noGrp="1"/>
+          </p:cNvSpPr>
+          <p:nvPr>
+            <p:ph type="title"/>
+          </p:nvPr>
+        </p:nvSpPr>
+        <p:spPr/>
+        <p:txBody>
+          <a:bodyPr/>
+          <a:lstStyle/>
+          <a:p>
+            <a:r>
+              <a:rPr lang="en-US" dirty="0"/>
+              <a:t>The Data</a:t>
+            </a:r>
+          </a:p>
+        </p:txBody>
+      </p:sp>
+      <p:pic>
+        <p:nvPicPr>
+          <p:cNvPr id="5" name="Content Placeholder 4" descr="A screenshot of a cell phone&#10;&#10;Description automatically generated">
+            <a:extLst>
+              <a:ext uri="{FF2B5EF4-FFF2-40B4-BE49-F238E27FC236}">
+                <a16:creationId xmlns:a16="http://schemas.microsoft.com/office/drawing/2014/main" id="{575C783A-E8C7-1A4C-B9F9-6B3648993B2D}"/>
+              </a:ext>
+            </a:extLst>
+          </p:cNvPr>
+          <p:cNvPicPr>
+            <a:picLocks noGrp="1" noChangeAspect="1"/>
+          </p:cNvPicPr>
+          <p:nvPr>
+            <p:ph idx="1"/>
+          </p:nvPr>
+        </p:nvPicPr>
+        <p:blipFill>
+          <a:blip r:embed="rId2"/>
+          <a:stretch>
+            <a:fillRect/>
+          </a:stretch>
+        </p:blipFill>
+        <p:spPr>
+          <a:xfrm>
+            <a:off x="4382145" y="2018796"/>
+            <a:ext cx="6249391" cy="3836122"/>
+          </a:xfrm>
+          <a:ln>
+            <a:solidFill>
+              <a:schemeClr val="tx1"/>
+            </a:solidFill>
+          </a:ln>
+        </p:spPr>
+      </p:pic>
+      <p:sp>
+        <p:nvSpPr>
+          <p:cNvPr id="6" name="Oval 5">
+            <a:extLst>
+              <a:ext uri="{FF2B5EF4-FFF2-40B4-BE49-F238E27FC236}">
+                <a16:creationId xmlns:a16="http://schemas.microsoft.com/office/drawing/2014/main" id="{60DB6FE2-3AC8-F444-950F-E9E48C7E9B1A}"/>
+              </a:ext>
+            </a:extLst>
+          </p:cNvPr>
+          <p:cNvSpPr/>
+          <p:nvPr/>
+        </p:nvSpPr>
+        <p:spPr>
+          <a:xfrm>
+            <a:off x="5685771" y="5023642"/>
+            <a:ext cx="152400" cy="152400"/>
+          </a:xfrm>
+          <a:prstGeom prst="ellipse">
+            <a:avLst/>
+          </a:prstGeom>
+          <a:solidFill>
+            <a:srgbClr val="00B050"/>
+          </a:solidFill>
+        </p:spPr>
+        <p:style>
+          <a:lnRef idx="2">
+            <a:schemeClr val="accent1">
+              <a:shade val="50000"/>
+            </a:schemeClr>
+          </a:lnRef>
+          <a:fillRef idx="1">
+            <a:schemeClr val="accent1"/>
+          </a:fillRef>
+          <a:effectRef idx="0">
+            <a:schemeClr val="accent1"/>
+          </a:effectRef>
+          <a:fontRef idx="minor">
+            <a:schemeClr val="lt1"/>
+          </a:fontRef>
+        </p:style>
+        <p:txBody>
+          <a:bodyPr rtlCol="0" anchor="ctr"/>
+          <a:lstStyle/>
+          <a:p>
+            <a:pPr algn="ctr"/>
+            <a:endParaRPr lang="en-US" dirty="0"/>
+          </a:p>
+        </p:txBody>
+      </p:sp>
+      <p:sp>
+        <p:nvSpPr>
+          <p:cNvPr id="7" name="Oval 6">
+            <a:extLst>
+              <a:ext uri="{FF2B5EF4-FFF2-40B4-BE49-F238E27FC236}">
+                <a16:creationId xmlns:a16="http://schemas.microsoft.com/office/drawing/2014/main" id="{34181741-32DF-7A4B-B01C-7DC821B5B0EA}"/>
+              </a:ext>
+            </a:extLst>
+          </p:cNvPr>
+          <p:cNvSpPr/>
+          <p:nvPr/>
+        </p:nvSpPr>
+        <p:spPr>
+          <a:xfrm>
+            <a:off x="6724864" y="4178509"/>
+            <a:ext cx="152400" cy="152400"/>
+          </a:xfrm>
+          <a:prstGeom prst="ellipse">
+            <a:avLst/>
+          </a:prstGeom>
+          <a:solidFill>
+            <a:srgbClr val="00B050"/>
+          </a:solidFill>
+        </p:spPr>
+        <p:style>
+          <a:lnRef idx="2">
+            <a:schemeClr val="accent1">
+              <a:shade val="50000"/>
+            </a:schemeClr>
+          </a:lnRef>
+          <a:fillRef idx="1">
+            <a:schemeClr val="accent1"/>
+          </a:fillRef>
+          <a:effectRef idx="0">
+            <a:schemeClr val="accent1"/>
+          </a:effectRef>
+          <a:fontRef idx="minor">
+            <a:schemeClr val="lt1"/>
+          </a:fontRef>
+        </p:style>
+        <p:txBody>
+          <a:bodyPr rtlCol="0" anchor="ctr"/>
+          <a:lstStyle/>
+          <a:p>
+            <a:pPr algn="ctr"/>
+            <a:endParaRPr lang="en-US" dirty="0"/>
+          </a:p>
+        </p:txBody>
+      </p:sp>
+      <p:sp>
+        <p:nvSpPr>
+          <p:cNvPr id="8" name="Oval 7">
+            <a:extLst>
+              <a:ext uri="{FF2B5EF4-FFF2-40B4-BE49-F238E27FC236}">
+                <a16:creationId xmlns:a16="http://schemas.microsoft.com/office/drawing/2014/main" id="{E0E3B5B3-3BEF-5F43-87BB-42EF6AD87E86}"/>
+              </a:ext>
+            </a:extLst>
+          </p:cNvPr>
+          <p:cNvSpPr/>
+          <p:nvPr/>
+        </p:nvSpPr>
+        <p:spPr>
+          <a:xfrm>
+            <a:off x="7777239" y="3000882"/>
+            <a:ext cx="152400" cy="152400"/>
+          </a:xfrm>
+          <a:prstGeom prst="ellipse">
+            <a:avLst/>
+          </a:prstGeom>
+          <a:solidFill>
+            <a:srgbClr val="00B050"/>
+          </a:solidFill>
+        </p:spPr>
+        <p:style>
+          <a:lnRef idx="2">
+            <a:schemeClr val="accent1">
+              <a:shade val="50000"/>
+            </a:schemeClr>
+          </a:lnRef>
+          <a:fillRef idx="1">
+            <a:schemeClr val="accent1"/>
+          </a:fillRef>
+          <a:effectRef idx="0">
+            <a:schemeClr val="accent1"/>
+          </a:effectRef>
+          <a:fontRef idx="minor">
+            <a:schemeClr val="lt1"/>
+          </a:fontRef>
+        </p:style>
+        <p:txBody>
+          <a:bodyPr rtlCol="0" anchor="ctr"/>
+          <a:lstStyle/>
+          <a:p>
+            <a:pPr algn="ctr"/>
+            <a:endParaRPr lang="en-US" dirty="0"/>
+          </a:p>
+        </p:txBody>
+      </p:sp>
+      <p:sp>
+        <p:nvSpPr>
+          <p:cNvPr id="9" name="Oval 8">
+            <a:extLst>
+              <a:ext uri="{FF2B5EF4-FFF2-40B4-BE49-F238E27FC236}">
+                <a16:creationId xmlns:a16="http://schemas.microsoft.com/office/drawing/2014/main" id="{2A7D9C74-C630-A24C-BB01-7AC976818288}"/>
+              </a:ext>
+            </a:extLst>
+          </p:cNvPr>
+          <p:cNvSpPr/>
+          <p:nvPr/>
+        </p:nvSpPr>
+        <p:spPr>
+          <a:xfrm>
+            <a:off x="9869852" y="4178520"/>
+            <a:ext cx="152400" cy="152400"/>
+          </a:xfrm>
+          <a:prstGeom prst="ellipse">
+            <a:avLst/>
+          </a:prstGeom>
+          <a:solidFill>
+            <a:srgbClr val="00B050"/>
+          </a:solidFill>
+        </p:spPr>
+        <p:style>
+          <a:lnRef idx="2">
+            <a:schemeClr val="accent1">
+              <a:shade val="50000"/>
+            </a:schemeClr>
+          </a:lnRef>
+          <a:fillRef idx="1">
+            <a:schemeClr val="accent1"/>
+          </a:fillRef>
+          <a:effectRef idx="0">
+            <a:schemeClr val="accent1"/>
+          </a:effectRef>
+          <a:fontRef idx="minor">
+            <a:schemeClr val="lt1"/>
+          </a:fontRef>
+        </p:style>
+        <p:txBody>
+          <a:bodyPr rtlCol="0" anchor="ctr"/>
+          <a:lstStyle/>
+          <a:p>
+            <a:pPr algn="ctr"/>
+            <a:endParaRPr lang="en-US" dirty="0"/>
+          </a:p>
+        </p:txBody>
+      </p:sp>
+      <p:sp>
+        <p:nvSpPr>
+          <p:cNvPr id="10" name="Oval 9">
+            <a:extLst>
+              <a:ext uri="{FF2B5EF4-FFF2-40B4-BE49-F238E27FC236}">
+                <a16:creationId xmlns:a16="http://schemas.microsoft.com/office/drawing/2014/main" id="{87169995-3295-8046-A2D2-CAA2B8807DB1}"/>
+              </a:ext>
+            </a:extLst>
+          </p:cNvPr>
+          <p:cNvSpPr/>
+          <p:nvPr/>
+        </p:nvSpPr>
+        <p:spPr>
+          <a:xfrm>
+            <a:off x="8817482" y="2322001"/>
+            <a:ext cx="152400" cy="152400"/>
+          </a:xfrm>
+          <a:prstGeom prst="ellipse">
+            <a:avLst/>
+          </a:prstGeom>
+          <a:solidFill>
+            <a:srgbClr val="00B050"/>
+          </a:solidFill>
+        </p:spPr>
+        <p:style>
+          <a:lnRef idx="2">
+            <a:schemeClr val="accent1">
+              <a:shade val="50000"/>
+            </a:schemeClr>
+          </a:lnRef>
+          <a:fillRef idx="1">
+            <a:schemeClr val="accent1"/>
+          </a:fillRef>
+          <a:effectRef idx="0">
+            <a:schemeClr val="accent1"/>
+          </a:effectRef>
+          <a:fontRef idx="minor">
+            <a:schemeClr val="lt1"/>
+          </a:fontRef>
+        </p:style>
+        <p:txBody>
+          <a:bodyPr rtlCol="0" anchor="ctr"/>
+          <a:lstStyle/>
+          <a:p>
+            <a:pPr algn="ctr"/>
+            <a:endParaRPr lang="en-US" dirty="0"/>
+          </a:p>
+        </p:txBody>
+      </p:sp>
+      <p:sp>
+        <p:nvSpPr>
+          <p:cNvPr id="11" name="Title 1">
+            <a:extLst>
+              <a:ext uri="{FF2B5EF4-FFF2-40B4-BE49-F238E27FC236}">
+                <a16:creationId xmlns:a16="http://schemas.microsoft.com/office/drawing/2014/main" id="{BD037A27-581C-9F48-8B83-44CC8AA54256}"/>
+              </a:ext>
+            </a:extLst>
+          </p:cNvPr>
+          <p:cNvSpPr txBox="1">
+            <a:spLocks/>
+          </p:cNvSpPr>
+          <p:nvPr/>
+        </p:nvSpPr>
+        <p:spPr>
+          <a:xfrm>
+            <a:off x="3663398" y="775534"/>
+            <a:ext cx="7836172" cy="1024006"/>
+          </a:xfrm>
+          <a:prstGeom prst="rect">
+            <a:avLst/>
+          </a:prstGeom>
+        </p:spPr>
+        <p:txBody>
+          <a:bodyPr vert="horz" lIns="91440" tIns="45720" rIns="91440" bIns="45720" rtlCol="0" anchor="ctr">
+            <a:normAutofit lnSpcReduction="10000"/>
+          </a:bodyPr>
+          <a:lstStyle>
+            <a:lvl1pPr algn="l" defTabSz="914400" rtl="0" eaLnBrk="1" latinLnBrk="0" hangingPunct="1">
+              <a:lnSpc>
+                <a:spcPct val="90000"/>
+              </a:lnSpc>
+              <a:spcBef>
+                <a:spcPct val="0"/>
+              </a:spcBef>
+              <a:buNone/>
+              <a:defRPr sz="3600" kern="1200" spc="-60" baseline="0">
+                <a:solidFill>
+                  <a:srgbClr val="FFFFFF"/>
+                </a:solidFill>
+                <a:latin typeface="+mj-lt"/>
+                <a:ea typeface="+mj-ea"/>
+                <a:cs typeface="+mj-cs"/>
+              </a:defRPr>
+            </a:lvl1pPr>
+          </a:lstStyle>
+          <a:p>
+            <a:r>
+              <a:rPr lang="en-US" dirty="0">
+                <a:solidFill>
+                  <a:srgbClr val="4DBBD3"/>
+                </a:solidFill>
+              </a:rPr>
+              <a:t>There is only two years worth of data and not a true place to start the calculation</a:t>
+            </a:r>
+          </a:p>
+        </p:txBody>
+      </p:sp>
+      <p:sp>
+        <p:nvSpPr>
+          <p:cNvPr id="14" name="TextBox 13">
+            <a:extLst>
+              <a:ext uri="{FF2B5EF4-FFF2-40B4-BE49-F238E27FC236}">
+                <a16:creationId xmlns:a16="http://schemas.microsoft.com/office/drawing/2014/main" id="{3FE4CF8F-38E1-AF43-A7FF-BCEC0E5B3947}"/>
+              </a:ext>
+            </a:extLst>
+          </p:cNvPr>
+          <p:cNvSpPr txBox="1"/>
+          <p:nvPr/>
+        </p:nvSpPr>
+        <p:spPr>
+          <a:xfrm>
+            <a:off x="4301413" y="5936017"/>
+            <a:ext cx="7660432" cy="261610"/>
+          </a:xfrm>
+          <a:prstGeom prst="rect">
+            <a:avLst/>
+          </a:prstGeom>
+          <a:noFill/>
+        </p:spPr>
+        <p:txBody>
+          <a:bodyPr wrap="square" rtlCol="0">
+            <a:spAutoFit/>
+          </a:bodyPr>
+          <a:lstStyle/>
+          <a:p>
+            <a:r>
+              <a:rPr lang="en-US" sz="1100" dirty="0"/>
+              <a:t>Source: https://www.Kaggle.com/olistbr/Brazilian-ecommerce</a:t>
+            </a:r>
+          </a:p>
+        </p:txBody>
+      </p:sp>
+    </p:spTree>
+    <p:extLst>
+      <p:ext uri="{BB962C8B-B14F-4D97-AF65-F5344CB8AC3E}">
+        <p14:creationId xmlns:p14="http://schemas.microsoft.com/office/powerpoint/2010/main" val="3408455883"/>
+      </p:ext>
+    </p:extLst>
+  </p:cSld>
+  <p:clrMapOvr>
+    <a:masterClrMapping/>
+  </p:clrMapOvr>
+  <p:transition spd="med">
+    <p:pull/>
+  </p:transition>
+  <p:timing>
+    <p:tnLst>
+      <p:par>
+        <p:cTn id="1" dur="indefinite" restart="never" nodeType="tmRoot">
+          <p:childTnLst>
+            <p:seq concurrent="1" nextAc="seek">
+              <p:cTn id="2" dur="indefinite" nodeType="mainSeq">
+                <p:childTnLst>
+                  <p:par>
+                    <p:cTn id="3" fill="hold">
+                      <p:stCondLst>
+                        <p:cond delay="indefinite"/>
+                      </p:stCondLst>
+                      <p:childTnLst>
+                        <p:par>
+                          <p:cTn id="4" fill="hold">
+                            <p:stCondLst>
+                              <p:cond delay="0"/>
+                            </p:stCondLst>
+                            <p:childTnLst>
+                              <p:par>
+                                <p:cTn id="5" presetID="10" presetClass="entr" presetSubtype="0" fill="hold" grpId="0" nodeType="clickEffect">
+                                  <p:stCondLst>
+                                    <p:cond delay="0"/>
+                                  </p:stCondLst>
+                                  <p:childTnLst>
+                                    <p:set>
+                                      <p:cBhvr>
+                                        <p:cTn id="6" dur="1" fill="hold">
+                                          <p:stCondLst>
+                                            <p:cond delay="0"/>
+                                          </p:stCondLst>
+                                        </p:cTn>
+                                        <p:tgtEl>
+                                          <p:spTgt spid="6"/>
+                                        </p:tgtEl>
+                                        <p:attrNameLst>
+                                          <p:attrName>style.visibility</p:attrName>
+                                        </p:attrNameLst>
+                                      </p:cBhvr>
+                                      <p:to>
+                                        <p:strVal val="visible"/>
+                                      </p:to>
+                                    </p:set>
+                                    <p:animEffect transition="in" filter="fade">
+                                      <p:cBhvr>
+                                        <p:cTn id="7" dur="500"/>
+                                        <p:tgtEl>
+                                          <p:spTgt spid="6"/>
+                                        </p:tgtEl>
+                                      </p:cBhvr>
+                                    </p:animEffect>
+                                  </p:childTnLst>
+                                </p:cTn>
+                              </p:par>
+                              <p:par>
+                                <p:cTn id="8" presetID="10" presetClass="entr" presetSubtype="0" fill="hold" grpId="0" nodeType="withEffect">
+                                  <p:stCondLst>
+                                    <p:cond delay="0"/>
+                                  </p:stCondLst>
+                                  <p:childTnLst>
+                                    <p:set>
+                                      <p:cBhvr>
+                                        <p:cTn id="9" dur="1" fill="hold">
+                                          <p:stCondLst>
+                                            <p:cond delay="0"/>
+                                          </p:stCondLst>
+                                        </p:cTn>
+                                        <p:tgtEl>
+                                          <p:spTgt spid="7"/>
+                                        </p:tgtEl>
+                                        <p:attrNameLst>
+                                          <p:attrName>style.visibility</p:attrName>
+                                        </p:attrNameLst>
+                                      </p:cBhvr>
+                                      <p:to>
+                                        <p:strVal val="visible"/>
+                                      </p:to>
+                                    </p:set>
+                                    <p:animEffect transition="in" filter="fade">
+                                      <p:cBhvr>
+                                        <p:cTn id="10" dur="500"/>
+                                        <p:tgtEl>
+                                          <p:spTgt spid="7"/>
+                                        </p:tgtEl>
+                                      </p:cBhvr>
+                                    </p:animEffect>
+                                  </p:childTnLst>
+                                </p:cTn>
+                              </p:par>
+                              <p:par>
+                                <p:cTn id="11" presetID="10" presetClass="entr" presetSubtype="0" fill="hold" grpId="0" nodeType="withEffect">
+                                  <p:stCondLst>
+                                    <p:cond delay="0"/>
+                                  </p:stCondLst>
+                                  <p:childTnLst>
+                                    <p:set>
+                                      <p:cBhvr>
+                                        <p:cTn id="12" dur="1" fill="hold">
+                                          <p:stCondLst>
+                                            <p:cond delay="0"/>
+                                          </p:stCondLst>
+                                        </p:cTn>
+                                        <p:tgtEl>
+                                          <p:spTgt spid="8"/>
+                                        </p:tgtEl>
+                                        <p:attrNameLst>
+                                          <p:attrName>style.visibility</p:attrName>
+                                        </p:attrNameLst>
+                                      </p:cBhvr>
+                                      <p:to>
+                                        <p:strVal val="visible"/>
+                                      </p:to>
+                                    </p:set>
+                                    <p:animEffect transition="in" filter="fade">
+                                      <p:cBhvr>
+                                        <p:cTn id="13" dur="500"/>
+                                        <p:tgtEl>
+                                          <p:spTgt spid="8"/>
+                                        </p:tgtEl>
+                                      </p:cBhvr>
+                                    </p:animEffect>
+                                  </p:childTnLst>
+                                </p:cTn>
+                              </p:par>
+                              <p:par>
+                                <p:cTn id="14" presetID="10" presetClass="entr" presetSubtype="0" fill="hold" grpId="0" nodeType="withEffect">
+                                  <p:stCondLst>
+                                    <p:cond delay="0"/>
+                                  </p:stCondLst>
+                                  <p:childTnLst>
+                                    <p:set>
+                                      <p:cBhvr>
+                                        <p:cTn id="15" dur="1" fill="hold">
+                                          <p:stCondLst>
+                                            <p:cond delay="0"/>
+                                          </p:stCondLst>
+                                        </p:cTn>
+                                        <p:tgtEl>
+                                          <p:spTgt spid="9"/>
+                                        </p:tgtEl>
+                                        <p:attrNameLst>
+                                          <p:attrName>style.visibility</p:attrName>
+                                        </p:attrNameLst>
+                                      </p:cBhvr>
+                                      <p:to>
+                                        <p:strVal val="visible"/>
+                                      </p:to>
+                                    </p:set>
+                                    <p:animEffect transition="in" filter="fade">
+                                      <p:cBhvr>
+                                        <p:cTn id="16" dur="500"/>
+                                        <p:tgtEl>
+                                          <p:spTgt spid="9"/>
+                                        </p:tgtEl>
+                                      </p:cBhvr>
+                                    </p:animEffect>
+                                  </p:childTnLst>
+                                </p:cTn>
+                              </p:par>
+                              <p:par>
+                                <p:cTn id="17" presetID="10" presetClass="entr" presetSubtype="0" fill="hold" grpId="0" nodeType="withEffect">
+                                  <p:stCondLst>
+                                    <p:cond delay="0"/>
+                                  </p:stCondLst>
+                                  <p:childTnLst>
+                                    <p:set>
+                                      <p:cBhvr>
+                                        <p:cTn id="18" dur="1" fill="hold">
+                                          <p:stCondLst>
+                                            <p:cond delay="0"/>
+                                          </p:stCondLst>
+                                        </p:cTn>
+                                        <p:tgtEl>
+                                          <p:spTgt spid="10"/>
+                                        </p:tgtEl>
+                                        <p:attrNameLst>
+                                          <p:attrName>style.visibility</p:attrName>
+                                        </p:attrNameLst>
+                                      </p:cBhvr>
+                                      <p:to>
+                                        <p:strVal val="visible"/>
+                                      </p:to>
+                                    </p:set>
+                                    <p:animEffect transition="in" filter="fade">
+                                      <p:cBhvr>
+                                        <p:cTn id="19" dur="500"/>
+                                        <p:tgtEl>
+                                          <p:spTgt spid="10"/>
+                                        </p:tgtEl>
+                                      </p:cBhvr>
+                                    </p:animEffect>
+                                  </p:childTnLst>
+                                </p:cTn>
+                              </p:par>
+                              <p:par>
+                                <p:cTn id="20" presetID="10" presetClass="entr" presetSubtype="0" fill="hold" grpId="0" nodeType="withEffect">
+                                  <p:stCondLst>
+                                    <p:cond delay="0"/>
+                                  </p:stCondLst>
+                                  <p:childTnLst>
+                                    <p:set>
+                                      <p:cBhvr>
+                                        <p:cTn id="21" dur="1" fill="hold">
+                                          <p:stCondLst>
+                                            <p:cond delay="0"/>
+                                          </p:stCondLst>
+                                        </p:cTn>
+                                        <p:tgtEl>
+                                          <p:spTgt spid="14"/>
+                                        </p:tgtEl>
+                                        <p:attrNameLst>
+                                          <p:attrName>style.visibility</p:attrName>
+                                        </p:attrNameLst>
+                                      </p:cBhvr>
+                                      <p:to>
+                                        <p:strVal val="visible"/>
+                                      </p:to>
+                                    </p:set>
+                                    <p:animEffect transition="in" filter="fade">
+                                      <p:cBhvr>
+                                        <p:cTn id="22" dur="500"/>
+                                        <p:tgtEl>
+                                          <p:spTgt spid="14"/>
+                                        </p:tgtEl>
+                                      </p:cBhvr>
+                                    </p:animEffect>
+                                  </p:childTnLst>
+                                </p:cTn>
+                              </p:par>
+                              <p:par>
+                                <p:cTn id="23" presetID="10" presetClass="entr" presetSubtype="0" fill="hold" nodeType="withEffect">
+                                  <p:stCondLst>
+                                    <p:cond delay="0"/>
+                                  </p:stCondLst>
+                                  <p:childTnLst>
+                                    <p:set>
+                                      <p:cBhvr>
+                                        <p:cTn id="24" dur="1" fill="hold">
+                                          <p:stCondLst>
+                                            <p:cond delay="0"/>
+                                          </p:stCondLst>
+                                        </p:cTn>
+                                        <p:tgtEl>
+                                          <p:spTgt spid="5"/>
+                                        </p:tgtEl>
+                                        <p:attrNameLst>
+                                          <p:attrName>style.visibility</p:attrName>
+                                        </p:attrNameLst>
+                                      </p:cBhvr>
+                                      <p:to>
+                                        <p:strVal val="visible"/>
+                                      </p:to>
+                                    </p:set>
+                                    <p:animEffect transition="in" filter="fade">
+                                      <p:cBhvr>
+                                        <p:cTn id="25" dur="500"/>
+                                        <p:tgtEl>
+                                          <p:spTgt spid="5"/>
+                                        </p:tgtEl>
+                                      </p:cBhvr>
+                                    </p:animEffect>
+                                  </p:childTnLst>
+                                </p:cTn>
+                              </p:par>
+                            </p:childTnLst>
+                          </p:cTn>
+                        </p:par>
+                      </p:childTnLst>
+                    </p:cTn>
+                  </p:par>
+                </p:childTnLst>
+              </p:cTn>
+              <p:prevCondLst>
+                <p:cond evt="onPrev" delay="0">
+                  <p:tgtEl>
+                    <p:sldTgt/>
+                  </p:tgtEl>
+                </p:cond>
+              </p:prevCondLst>
+              <p:nextCondLst>
+                <p:cond evt="onNext" delay="0">
+                  <p:tgtEl>
+                    <p:sldTgt/>
+                  </p:tgtEl>
+                </p:cond>
+              </p:nextCondLst>
+            </p:seq>
+          </p:childTnLst>
+        </p:cTn>
+      </p:par>
+    </p:tnLst>
+    <p:bldLst>
+      <p:bldP spid="6" grpId="0" animBg="1"/>
+      <p:bldP spid="7" grpId="0" animBg="1"/>
+      <p:bldP spid="8" grpId="0" animBg="1"/>
+      <p:bldP spid="9" grpId="0" animBg="1"/>
+      <p:bldP spid="10" grpId="0" animBg="1"/>
+      <p:bldP spid="14" grpId="0"/>
+    </p:bldLst>
+  </p:timing>
+</p:sld>
+</file>
+
+<file path=ppt/slides/slide6.xml><?xml version="1.0" encoding="utf-8"?>
+<p:sld xmlns:a="http://schemas.openxmlformats.org/drawingml/2006/main" xmlns:r="http://schemas.openxmlformats.org/officeDocument/2006/relationships" xmlns:p="http://schemas.openxmlformats.org/presentationml/2006/main">
+  <p:cSld>
+    <p:spTree>
+      <p:nvGrpSpPr>
+        <p:cNvPr id="1" name=""/>
+        <p:cNvGrpSpPr/>
+        <p:nvPr/>
+      </p:nvGrpSpPr>
+      <p:grpSpPr>
+        <a:xfrm>
+          <a:off x="0" y="0"/>
+          <a:ext cx="0" cy="0"/>
+          <a:chOff x="0" y="0"/>
+          <a:chExt cx="0" cy="0"/>
+        </a:xfrm>
+      </p:grpSpPr>
+      <p:sp>
+        <p:nvSpPr>
+          <p:cNvPr id="2" name="Title 1">
+            <a:extLst>
+              <a:ext uri="{FF2B5EF4-FFF2-40B4-BE49-F238E27FC236}">
+                <a16:creationId xmlns:a16="http://schemas.microsoft.com/office/drawing/2014/main" id="{B8C8704F-D9DD-0940-8675-4866834479BC}"/>
+              </a:ext>
+            </a:extLst>
+          </p:cNvPr>
+          <p:cNvSpPr>
+            <a:spLocks noGrp="1"/>
+          </p:cNvSpPr>
+          <p:nvPr>
+            <p:ph type="title"/>
+          </p:nvPr>
+        </p:nvSpPr>
+        <p:spPr>
+          <a:xfrm>
+            <a:off x="252918" y="1123837"/>
+            <a:ext cx="3133749" cy="4601183"/>
+          </a:xfrm>
+        </p:spPr>
+        <p:txBody>
+          <a:bodyPr>
+            <a:normAutofit/>
+          </a:bodyPr>
+          <a:lstStyle/>
+          <a:p>
+            <a:r>
+              <a:rPr lang="en-US" sz="2500" dirty="0"/>
+              <a:t>60% of traffic was concentrated in </a:t>
+            </a:r>
+            <a:br>
+              <a:rPr lang="en-US" sz="2500" dirty="0"/>
+            </a:br>
+            <a:r>
+              <a:rPr lang="en-US" sz="2500" dirty="0"/>
+              <a:t>San Paulo</a:t>
+            </a:r>
+            <a:br>
+              <a:rPr lang="en-US" sz="2500" dirty="0"/>
+            </a:br>
+            <a:br>
+              <a:rPr lang="en-US" sz="2500" dirty="0"/>
+            </a:br>
+            <a:r>
+              <a:rPr lang="en-US" sz="2500" dirty="0"/>
+              <a:t>8% in Rio de Janeiro</a:t>
+            </a:r>
+            <a:br>
+              <a:rPr lang="en-US" sz="2500" dirty="0"/>
+            </a:br>
+            <a:br>
+              <a:rPr lang="en-US" sz="2500" dirty="0"/>
+            </a:br>
+            <a:r>
+              <a:rPr lang="en-US" sz="2500" dirty="0"/>
+              <a:t>32% among the states of Minas Gerais, Santa Catarina, Goias, and Rio Grande do Sul</a:t>
+            </a:r>
+            <a:br>
+              <a:rPr lang="en-US" sz="1800" dirty="0"/>
+            </a:br>
+            <a:br>
+              <a:rPr lang="en-US" sz="1800" dirty="0"/>
+            </a:br>
+            <a:endParaRPr lang="en-US" sz="1800" dirty="0"/>
+          </a:p>
+        </p:txBody>
+      </p:sp>
+      <p:sp>
+        <p:nvSpPr>
+          <p:cNvPr id="11" name="Title 1">
+            <a:extLst>
+              <a:ext uri="{FF2B5EF4-FFF2-40B4-BE49-F238E27FC236}">
+                <a16:creationId xmlns:a16="http://schemas.microsoft.com/office/drawing/2014/main" id="{BD037A27-581C-9F48-8B83-44CC8AA54256}"/>
+              </a:ext>
+            </a:extLst>
+          </p:cNvPr>
+          <p:cNvSpPr txBox="1">
+            <a:spLocks/>
+          </p:cNvSpPr>
+          <p:nvPr/>
+        </p:nvSpPr>
+        <p:spPr>
+          <a:xfrm>
+            <a:off x="3663398" y="532941"/>
+            <a:ext cx="7836172" cy="1024006"/>
+          </a:xfrm>
+          <a:prstGeom prst="rect">
+            <a:avLst/>
+          </a:prstGeom>
+        </p:spPr>
+        <p:txBody>
+          <a:bodyPr vert="horz" lIns="91440" tIns="45720" rIns="91440" bIns="45720" rtlCol="0" anchor="ctr">
+            <a:normAutofit/>
+          </a:bodyPr>
+          <a:lstStyle>
+            <a:lvl1pPr algn="l" defTabSz="914400" rtl="0" eaLnBrk="1" latinLnBrk="0" hangingPunct="1">
+              <a:lnSpc>
+                <a:spcPct val="90000"/>
+              </a:lnSpc>
+              <a:spcBef>
+                <a:spcPct val="0"/>
+              </a:spcBef>
+              <a:buNone/>
+              <a:defRPr sz="3600" kern="1200" spc="-60" baseline="0">
+                <a:solidFill>
+                  <a:srgbClr val="FFFFFF"/>
+                </a:solidFill>
+                <a:latin typeface="+mj-lt"/>
+                <a:ea typeface="+mj-ea"/>
+                <a:cs typeface="+mj-cs"/>
+              </a:defRPr>
+            </a:lvl1pPr>
+          </a:lstStyle>
+          <a:p>
+            <a:r>
+              <a:rPr lang="en-US" sz="3200" dirty="0">
+                <a:solidFill>
+                  <a:srgbClr val="4DBBD3"/>
+                </a:solidFill>
+              </a:rPr>
+              <a:t>Testing</a:t>
+            </a:r>
+            <a:r>
+              <a:rPr lang="en-US" dirty="0">
+                <a:solidFill>
+                  <a:srgbClr val="4DBBD3"/>
+                </a:solidFill>
+              </a:rPr>
+              <a:t> top sales by state.</a:t>
+            </a:r>
+          </a:p>
+        </p:txBody>
+      </p:sp>
+      <p:pic>
+        <p:nvPicPr>
+          <p:cNvPr id="17" name="Content Placeholder 16" descr="A close up of a logo&#10;&#10;Description automatically generated">
+            <a:extLst>
+              <a:ext uri="{FF2B5EF4-FFF2-40B4-BE49-F238E27FC236}">
+                <a16:creationId xmlns:a16="http://schemas.microsoft.com/office/drawing/2014/main" id="{8C87F323-6F2E-B343-B88E-38F6530EE024}"/>
+              </a:ext>
+            </a:extLst>
+          </p:cNvPr>
+          <p:cNvPicPr>
+            <a:picLocks noGrp="1" noChangeAspect="1"/>
+          </p:cNvPicPr>
+          <p:nvPr>
+            <p:ph idx="1"/>
+          </p:nvPr>
+        </p:nvPicPr>
+        <p:blipFill>
+          <a:blip r:embed="rId2"/>
+          <a:stretch>
+            <a:fillRect/>
+          </a:stretch>
+        </p:blipFill>
+        <p:spPr>
+          <a:xfrm>
+            <a:off x="3802880" y="1799540"/>
+            <a:ext cx="7315200" cy="4175291"/>
+          </a:xfrm>
+        </p:spPr>
+      </p:pic>
+      <p:sp>
+        <p:nvSpPr>
+          <p:cNvPr id="18" name="TextBox 17">
+            <a:extLst>
+              <a:ext uri="{FF2B5EF4-FFF2-40B4-BE49-F238E27FC236}">
+                <a16:creationId xmlns:a16="http://schemas.microsoft.com/office/drawing/2014/main" id="{8563DC5A-4893-594D-86AF-B800C62F8238}"/>
+              </a:ext>
+            </a:extLst>
+          </p:cNvPr>
+          <p:cNvSpPr txBox="1"/>
+          <p:nvPr/>
+        </p:nvSpPr>
+        <p:spPr>
+          <a:xfrm>
+            <a:off x="4562667" y="5917356"/>
+            <a:ext cx="7660432" cy="261610"/>
+          </a:xfrm>
+          <a:prstGeom prst="rect">
+            <a:avLst/>
+          </a:prstGeom>
+          <a:noFill/>
+        </p:spPr>
+        <p:txBody>
+          <a:bodyPr wrap="square" rtlCol="0">
+            <a:spAutoFit/>
+          </a:bodyPr>
+          <a:lstStyle/>
+          <a:p>
+            <a:r>
+              <a:rPr lang="en-US" sz="1100" dirty="0"/>
+              <a:t>Source: https://www.Kaggle.com/olistbr/Brazilian-ecommerce</a:t>
+            </a:r>
+          </a:p>
+        </p:txBody>
+      </p:sp>
+    </p:spTree>
+    <p:extLst>
+      <p:ext uri="{BB962C8B-B14F-4D97-AF65-F5344CB8AC3E}">
+        <p14:creationId xmlns:p14="http://schemas.microsoft.com/office/powerpoint/2010/main" val="1294379657"/>
+      </p:ext>
+    </p:extLst>
+  </p:cSld>
+  <p:clrMapOvr>
+    <a:masterClrMapping/>
+  </p:clrMapOvr>
+  <p:transition spd="slow">
+    <p:cover/>
+  </p:transition>
+  <p:timing>
+    <p:tnLst>
+      <p:par>
+        <p:cTn id="1" dur="indefinite" restart="never" nodeType="tmRoot">
+          <p:childTnLst>
+            <p:seq concurrent="1" nextAc="seek">
+              <p:cTn id="2" dur="indefinite" nodeType="mainSeq">
+                <p:childTnLst>
+                  <p:par>
+                    <p:cTn id="3" fill="hold">
+                      <p:stCondLst>
+                        <p:cond delay="indefinite"/>
+                      </p:stCondLst>
+                      <p:childTnLst>
+                        <p:par>
+                          <p:cTn id="4" fill="hold">
+                            <p:stCondLst>
+                              <p:cond delay="0"/>
+                            </p:stCondLst>
+                            <p:childTnLst>
+                              <p:par>
+                                <p:cTn id="5" presetID="10" presetClass="entr" presetSubtype="0" fill="hold" grpId="0" nodeType="clickEffect">
+                                  <p:stCondLst>
+                                    <p:cond delay="0"/>
+                                  </p:stCondLst>
+                                  <p:childTnLst>
+                                    <p:set>
+                                      <p:cBhvr>
+                                        <p:cTn id="6" dur="1" fill="hold">
+                                          <p:stCondLst>
+                                            <p:cond delay="0"/>
+                                          </p:stCondLst>
+                                        </p:cTn>
+                                        <p:tgtEl>
+                                          <p:spTgt spid="2"/>
+                                        </p:tgtEl>
+                                        <p:attrNameLst>
+                                          <p:attrName>style.visibility</p:attrName>
+                                        </p:attrNameLst>
+                                      </p:cBhvr>
+                                      <p:to>
+                                        <p:strVal val="visible"/>
+                                      </p:to>
+                                    </p:set>
+                                    <p:animEffect transition="in" filter="fade">
+                                      <p:cBhvr>
+                                        <p:cTn id="7" dur="500"/>
+                                        <p:tgtEl>
+                                          <p:spTgt spid="2"/>
+                                        </p:tgtEl>
+                                      </p:cBhvr>
+                                    </p:animEffect>
+                                  </p:childTnLst>
+                                </p:cTn>
+                              </p:par>
+                              <p:par>
+                                <p:cTn id="8" presetID="10" presetClass="entr" presetSubtype="0" fill="hold" grpId="0" nodeType="withEffect">
+                                  <p:stCondLst>
+                                    <p:cond delay="0"/>
+                                  </p:stCondLst>
+                                  <p:childTnLst>
+                                    <p:set>
+                                      <p:cBhvr>
+                                        <p:cTn id="9" dur="1" fill="hold">
+                                          <p:stCondLst>
+                                            <p:cond delay="0"/>
+                                          </p:stCondLst>
+                                        </p:cTn>
+                                        <p:tgtEl>
+                                          <p:spTgt spid="18"/>
+                                        </p:tgtEl>
+                                        <p:attrNameLst>
+                                          <p:attrName>style.visibility</p:attrName>
+                                        </p:attrNameLst>
+                                      </p:cBhvr>
+                                      <p:to>
+                                        <p:strVal val="visible"/>
+                                      </p:to>
+                                    </p:set>
+                                    <p:animEffect transition="in" filter="fade">
+                                      <p:cBhvr>
+                                        <p:cTn id="10" dur="500"/>
+                                        <p:tgtEl>
+                                          <p:spTgt spid="18"/>
+                                        </p:tgtEl>
+                                      </p:cBhvr>
+                                    </p:animEffect>
+                                  </p:childTnLst>
+                                </p:cTn>
+                              </p:par>
+                              <p:par>
+                                <p:cTn id="11" presetID="10" presetClass="entr" presetSubtype="0" fill="hold" nodeType="withEffect">
+                                  <p:stCondLst>
+                                    <p:cond delay="0"/>
+                                  </p:stCondLst>
+                                  <p:childTnLst>
+                                    <p:set>
+                                      <p:cBhvr>
+                                        <p:cTn id="12" dur="1" fill="hold">
+                                          <p:stCondLst>
+                                            <p:cond delay="0"/>
+                                          </p:stCondLst>
+                                        </p:cTn>
+                                        <p:tgtEl>
+                                          <p:spTgt spid="17"/>
+                                        </p:tgtEl>
+                                        <p:attrNameLst>
+                                          <p:attrName>style.visibility</p:attrName>
+                                        </p:attrNameLst>
+                                      </p:cBhvr>
+                                      <p:to>
+                                        <p:strVal val="visible"/>
+                                      </p:to>
+                                    </p:set>
+                                    <p:animEffect transition="in" filter="fade">
+                                      <p:cBhvr>
+                                        <p:cTn id="13" dur="500"/>
+                                        <p:tgtEl>
+                                          <p:spTgt spid="17"/>
+                                        </p:tgtEl>
+                                      </p:cBhvr>
+                                    </p:animEffect>
+                                  </p:childTnLst>
+                                </p:cTn>
+                              </p:par>
+                            </p:childTnLst>
+                          </p:cTn>
+                        </p:par>
+                      </p:childTnLst>
+                    </p:cTn>
+                  </p:par>
+                </p:childTnLst>
+              </p:cTn>
+              <p:prevCondLst>
+                <p:cond evt="onPrev" delay="0">
+                  <p:tgtEl>
+                    <p:sldTgt/>
+                  </p:tgtEl>
+                </p:cond>
+              </p:prevCondLst>
+              <p:nextCondLst>
+                <p:cond evt="onNext" delay="0">
+                  <p:tgtEl>
+                    <p:sldTgt/>
+                  </p:tgtEl>
+                </p:cond>
+              </p:nextCondLst>
+            </p:seq>
+          </p:childTnLst>
+        </p:cTn>
+      </p:par>
+    </p:tnLst>
+    <p:bldLst>
+      <p:bldP spid="2" grpId="0"/>
+      <p:bldP spid="18" grpId="0"/>
+    </p:bldLst>
+  </p:timing>
+</p:sld>
+</file>
+
+<file path=ppt/slides/slide7.xml><?xml version="1.0" encoding="utf-8"?>
+<p:sld xmlns:a="http://schemas.openxmlformats.org/drawingml/2006/main" xmlns:r="http://schemas.openxmlformats.org/officeDocument/2006/relationships" xmlns:p="http://schemas.openxmlformats.org/presentationml/2006/main">
+  <p:cSld>
+    <p:spTree>
+      <p:nvGrpSpPr>
+        <p:cNvPr id="1" name=""/>
+        <p:cNvGrpSpPr/>
+        <p:nvPr/>
+      </p:nvGrpSpPr>
+      <p:grpSpPr>
+        <a:xfrm>
+          <a:off x="0" y="0"/>
+          <a:ext cx="0" cy="0"/>
+          <a:chOff x="0" y="0"/>
+          <a:chExt cx="0" cy="0"/>
+        </a:xfrm>
+      </p:grpSpPr>
+      <p:sp>
+        <p:nvSpPr>
+          <p:cNvPr id="2" name="Title 1">
+            <a:extLst>
+              <a:ext uri="{FF2B5EF4-FFF2-40B4-BE49-F238E27FC236}">
+                <a16:creationId xmlns:a16="http://schemas.microsoft.com/office/drawing/2014/main" id="{B8C8704F-D9DD-0940-8675-4866834479BC}"/>
+              </a:ext>
+            </a:extLst>
+          </p:cNvPr>
+          <p:cNvSpPr>
+            <a:spLocks noGrp="1"/>
+          </p:cNvSpPr>
+          <p:nvPr>
+            <p:ph type="title"/>
+          </p:nvPr>
+        </p:nvSpPr>
+        <p:spPr>
+          <a:xfrm>
+            <a:off x="252918" y="1123837"/>
+            <a:ext cx="3133749" cy="4601183"/>
+          </a:xfrm>
+        </p:spPr>
+        <p:txBody>
+          <a:bodyPr>
+            <a:normAutofit/>
+          </a:bodyPr>
+          <a:lstStyle/>
+          <a:p>
+            <a:r>
+              <a:rPr lang="en-US" sz="2500" dirty="0"/>
+              <a:t>2016 short on data</a:t>
+            </a:r>
+            <a:br>
+              <a:rPr lang="en-US" sz="2500" dirty="0"/>
+            </a:br>
+            <a:br>
+              <a:rPr lang="en-US" sz="2500" dirty="0"/>
+            </a:br>
+            <a:r>
+              <a:rPr lang="en-US" sz="2500" dirty="0"/>
+              <a:t>2017 shows a steady increase of customers</a:t>
+            </a:r>
+            <a:br>
+              <a:rPr lang="en-US" sz="2500" dirty="0"/>
+            </a:br>
+            <a:br>
+              <a:rPr lang="en-US" sz="2500" dirty="0"/>
+            </a:br>
+            <a:r>
+              <a:rPr lang="en-US" sz="2500" dirty="0"/>
+              <a:t>2018 the year start strong and drops off</a:t>
+            </a:r>
+            <a:br>
+              <a:rPr lang="en-US" sz="1800" dirty="0"/>
+            </a:br>
+            <a:endParaRPr lang="en-US" sz="1800" dirty="0"/>
+          </a:p>
+        </p:txBody>
+      </p:sp>
+      <p:sp>
+        <p:nvSpPr>
+          <p:cNvPr id="11" name="Title 1">
+            <a:extLst>
+              <a:ext uri="{FF2B5EF4-FFF2-40B4-BE49-F238E27FC236}">
+                <a16:creationId xmlns:a16="http://schemas.microsoft.com/office/drawing/2014/main" id="{BD037A27-581C-9F48-8B83-44CC8AA54256}"/>
+              </a:ext>
+            </a:extLst>
+          </p:cNvPr>
+          <p:cNvSpPr txBox="1">
+            <a:spLocks/>
+          </p:cNvSpPr>
+          <p:nvPr/>
+        </p:nvSpPr>
+        <p:spPr>
+          <a:xfrm>
+            <a:off x="3663398" y="532941"/>
+            <a:ext cx="7836172" cy="1024006"/>
+          </a:xfrm>
+          <a:prstGeom prst="rect">
+            <a:avLst/>
+          </a:prstGeom>
+        </p:spPr>
+        <p:txBody>
+          <a:bodyPr vert="horz" lIns="91440" tIns="45720" rIns="91440" bIns="45720" rtlCol="0" anchor="ctr">
+            <a:normAutofit/>
+          </a:bodyPr>
+          <a:lstStyle>
+            <a:lvl1pPr algn="l" defTabSz="914400" rtl="0" eaLnBrk="1" latinLnBrk="0" hangingPunct="1">
+              <a:lnSpc>
+                <a:spcPct val="90000"/>
+              </a:lnSpc>
+              <a:spcBef>
+                <a:spcPct val="0"/>
+              </a:spcBef>
+              <a:buNone/>
+              <a:defRPr sz="3600" kern="1200" spc="-60" baseline="0">
+                <a:solidFill>
+                  <a:srgbClr val="FFFFFF"/>
+                </a:solidFill>
+                <a:latin typeface="+mj-lt"/>
+                <a:ea typeface="+mj-ea"/>
+                <a:cs typeface="+mj-cs"/>
+              </a:defRPr>
+            </a:lvl1pPr>
+          </a:lstStyle>
+          <a:p>
+            <a:r>
+              <a:rPr lang="en-US" sz="3200" dirty="0">
+                <a:solidFill>
+                  <a:srgbClr val="4DBBD3"/>
+                </a:solidFill>
+              </a:rPr>
+              <a:t>New customers by month and year</a:t>
+            </a:r>
+            <a:endParaRPr lang="en-US" dirty="0">
+              <a:solidFill>
+                <a:srgbClr val="4DBBD3"/>
+              </a:solidFill>
+            </a:endParaRPr>
+          </a:p>
+        </p:txBody>
+      </p:sp>
+      <p:sp>
+        <p:nvSpPr>
+          <p:cNvPr id="18" name="TextBox 17">
+            <a:extLst>
+              <a:ext uri="{FF2B5EF4-FFF2-40B4-BE49-F238E27FC236}">
+                <a16:creationId xmlns:a16="http://schemas.microsoft.com/office/drawing/2014/main" id="{8563DC5A-4893-594D-86AF-B800C62F8238}"/>
+              </a:ext>
+            </a:extLst>
+          </p:cNvPr>
+          <p:cNvSpPr txBox="1"/>
+          <p:nvPr/>
+        </p:nvSpPr>
+        <p:spPr>
+          <a:xfrm>
+            <a:off x="4506684" y="5880034"/>
+            <a:ext cx="7088100" cy="261610"/>
+          </a:xfrm>
+          <a:prstGeom prst="rect">
+            <a:avLst/>
+          </a:prstGeom>
+          <a:noFill/>
+        </p:spPr>
+        <p:txBody>
+          <a:bodyPr wrap="square" rtlCol="0">
+            <a:spAutoFit/>
+          </a:bodyPr>
+          <a:lstStyle/>
+          <a:p>
+            <a:r>
+              <a:rPr lang="en-US" sz="1100" dirty="0"/>
+              <a:t>Source: https://www.Kaggle.com/olistbr/Brazilian-ecommerce</a:t>
+            </a:r>
+          </a:p>
+        </p:txBody>
+      </p:sp>
+      <p:pic>
+        <p:nvPicPr>
+          <p:cNvPr id="6" name="Content Placeholder 5" descr="A screenshot of a cell phone&#10;&#10;Description automatically generated">
+            <a:extLst>
+              <a:ext uri="{FF2B5EF4-FFF2-40B4-BE49-F238E27FC236}">
+                <a16:creationId xmlns:a16="http://schemas.microsoft.com/office/drawing/2014/main" id="{F347ECEB-49E4-7A4E-B7B3-EB05B3441E6F}"/>
+              </a:ext>
+            </a:extLst>
+          </p:cNvPr>
+          <p:cNvPicPr>
+            <a:picLocks noGrp="1" noChangeAspect="1"/>
+          </p:cNvPicPr>
+          <p:nvPr>
+            <p:ph idx="1"/>
+          </p:nvPr>
+        </p:nvPicPr>
+        <p:blipFill>
+          <a:blip r:embed="rId2"/>
+          <a:stretch>
+            <a:fillRect/>
+          </a:stretch>
+        </p:blipFill>
+        <p:spPr>
+          <a:xfrm>
+            <a:off x="4178205" y="1754155"/>
+            <a:ext cx="7416579" cy="4160520"/>
+          </a:xfrm>
+        </p:spPr>
+      </p:pic>
+    </p:spTree>
+    <p:extLst>
+      <p:ext uri="{BB962C8B-B14F-4D97-AF65-F5344CB8AC3E}">
+        <p14:creationId xmlns:p14="http://schemas.microsoft.com/office/powerpoint/2010/main" val="1155422051"/>
+      </p:ext>
+    </p:extLst>
+  </p:cSld>
+  <p:clrMapOvr>
+    <a:masterClrMapping/>
+  </p:clrMapOvr>
+  <p:transition spd="slow">
+    <p:cover/>
+  </p:transition>
+  <p:timing>
+    <p:tnLst>
+      <p:par>
+        <p:cTn id="1" dur="indefinite" restart="never" nodeType="tmRoot">
+          <p:childTnLst>
+            <p:seq concurrent="1" nextAc="seek">
+              <p:cTn id="2" dur="indefinite" nodeType="mainSeq">
+                <p:childTnLst>
+                  <p:par>
+                    <p:cTn id="3" fill="hold">
+                      <p:stCondLst>
+                        <p:cond delay="indefinite"/>
+                      </p:stCondLst>
+                      <p:childTnLst>
+                        <p:par>
+                          <p:cTn id="4" fill="hold">
+                            <p:stCondLst>
+                              <p:cond delay="0"/>
+                            </p:stCondLst>
+                            <p:childTnLst>
+                              <p:par>
+                                <p:cTn id="5" presetID="10" presetClass="entr" presetSubtype="0" fill="hold" grpId="0" nodeType="clickEffect">
+                                  <p:stCondLst>
+                                    <p:cond delay="0"/>
+                                  </p:stCondLst>
+                                  <p:childTnLst>
+                                    <p:set>
+                                      <p:cBhvr>
+                                        <p:cTn id="6" dur="1" fill="hold">
+                                          <p:stCondLst>
+                                            <p:cond delay="0"/>
+                                          </p:stCondLst>
+                                        </p:cTn>
+                                        <p:tgtEl>
+                                          <p:spTgt spid="2"/>
+                                        </p:tgtEl>
+                                        <p:attrNameLst>
+                                          <p:attrName>style.visibility</p:attrName>
+                                        </p:attrNameLst>
+                                      </p:cBhvr>
+                                      <p:to>
+                                        <p:strVal val="visible"/>
+                                      </p:to>
+                                    </p:set>
+                                    <p:animEffect transition="in" filter="fade">
+                                      <p:cBhvr>
+                                        <p:cTn id="7" dur="500"/>
+                                        <p:tgtEl>
+                                          <p:spTgt spid="2"/>
+                                        </p:tgtEl>
+                                      </p:cBhvr>
+                                    </p:animEffect>
+                                  </p:childTnLst>
+                                </p:cTn>
+                              </p:par>
+                              <p:par>
+                                <p:cTn id="8" presetID="10" presetClass="entr" presetSubtype="0" fill="hold" nodeType="withEffect">
+                                  <p:stCondLst>
+                                    <p:cond delay="0"/>
+                                  </p:stCondLst>
+                                  <p:childTnLst>
+                                    <p:set>
+                                      <p:cBhvr>
+                                        <p:cTn id="9" dur="1" fill="hold">
+                                          <p:stCondLst>
+                                            <p:cond delay="0"/>
+                                          </p:stCondLst>
+                                        </p:cTn>
+                                        <p:tgtEl>
+                                          <p:spTgt spid="6"/>
+                                        </p:tgtEl>
+                                        <p:attrNameLst>
+                                          <p:attrName>style.visibility</p:attrName>
+                                        </p:attrNameLst>
+                                      </p:cBhvr>
+                                      <p:to>
+                                        <p:strVal val="visible"/>
+                                      </p:to>
+                                    </p:set>
+                                    <p:animEffect transition="in" filter="fade">
+                                      <p:cBhvr>
+                                        <p:cTn id="10" dur="500"/>
+                                        <p:tgtEl>
+                                          <p:spTgt spid="6"/>
+                                        </p:tgtEl>
+                                      </p:cBhvr>
+                                    </p:animEffect>
+                                  </p:childTnLst>
+                                </p:cTn>
+                              </p:par>
+                              <p:par>
+                                <p:cTn id="11" presetID="10" presetClass="entr" presetSubtype="0" fill="hold" grpId="0" nodeType="withEffect">
+                                  <p:stCondLst>
+                                    <p:cond delay="0"/>
+                                  </p:stCondLst>
+                                  <p:childTnLst>
+                                    <p:set>
+                                      <p:cBhvr>
+                                        <p:cTn id="12" dur="1" fill="hold">
+                                          <p:stCondLst>
+                                            <p:cond delay="0"/>
+                                          </p:stCondLst>
+                                        </p:cTn>
+                                        <p:tgtEl>
+                                          <p:spTgt spid="18"/>
+                                        </p:tgtEl>
+                                        <p:attrNameLst>
+                                          <p:attrName>style.visibility</p:attrName>
+                                        </p:attrNameLst>
+                                      </p:cBhvr>
+                                      <p:to>
+                                        <p:strVal val="visible"/>
+                                      </p:to>
+                                    </p:set>
+                                    <p:animEffect transition="in" filter="fade">
+                                      <p:cBhvr>
+                                        <p:cTn id="13" dur="500"/>
+                                        <p:tgtEl>
+                                          <p:spTgt spid="18"/>
+                                        </p:tgtEl>
+                                      </p:cBhvr>
+                                    </p:animEffect>
+                                  </p:childTnLst>
+                                </p:cTn>
+                              </p:par>
+                            </p:childTnLst>
+                          </p:cTn>
+                        </p:par>
+                      </p:childTnLst>
+                    </p:cTn>
+                  </p:par>
+                </p:childTnLst>
+              </p:cTn>
+              <p:prevCondLst>
+                <p:cond evt="onPrev" delay="0">
+                  <p:tgtEl>
+                    <p:sldTgt/>
+                  </p:tgtEl>
+                </p:cond>
+              </p:prevCondLst>
+              <p:nextCondLst>
+                <p:cond evt="onNext" delay="0">
+                  <p:tgtEl>
+                    <p:sldTgt/>
+                  </p:tgtEl>
+                </p:cond>
+              </p:nextCondLst>
+            </p:seq>
+          </p:childTnLst>
+        </p:cTn>
+      </p:par>
+    </p:tnLst>
+    <p:bldLst>
+      <p:bldP spid="2" grpId="0"/>
+      <p:bldP spid="18" grpId="0"/>
+    </p:bldLst>
+  </p:timing>
+</p:sld>
+</file>
+
+<file path=ppt/slides/slide8.xml><?xml version="1.0" encoding="utf-8"?>
+<p:sld xmlns:a="http://schemas.openxmlformats.org/drawingml/2006/main" xmlns:r="http://schemas.openxmlformats.org/officeDocument/2006/relationships" xmlns:p="http://schemas.openxmlformats.org/presentationml/2006/main">
+  <p:cSld>
+    <p:spTree>
+      <p:nvGrpSpPr>
+        <p:cNvPr id="1" name=""/>
+        <p:cNvGrpSpPr/>
+        <p:nvPr/>
+      </p:nvGrpSpPr>
+      <p:grpSpPr>
+        <a:xfrm>
+          <a:off x="0" y="0"/>
+          <a:ext cx="0" cy="0"/>
+          <a:chOff x="0" y="0"/>
+          <a:chExt cx="0" cy="0"/>
+        </a:xfrm>
+      </p:grpSpPr>
+      <p:sp>
+        <p:nvSpPr>
+          <p:cNvPr id="2" name="Title 1">
+            <a:extLst>
+              <a:ext uri="{FF2B5EF4-FFF2-40B4-BE49-F238E27FC236}">
+                <a16:creationId xmlns:a16="http://schemas.microsoft.com/office/drawing/2014/main" id="{7D8DAA9F-0E41-3447-A703-0E0EDDA38927}"/>
+              </a:ext>
+            </a:extLst>
+          </p:cNvPr>
+          <p:cNvSpPr>
+            <a:spLocks noGrp="1"/>
+          </p:cNvSpPr>
+          <p:nvPr>
+            <p:ph type="title"/>
+          </p:nvPr>
+        </p:nvSpPr>
+        <p:spPr>
+          <a:xfrm>
+            <a:off x="252919" y="1123837"/>
+            <a:ext cx="2947482" cy="4601183"/>
+          </a:xfrm>
+        </p:spPr>
+        <p:txBody>
+          <a:bodyPr/>
+          <a:lstStyle/>
+          <a:p>
+            <a:r>
+              <a:rPr lang="en-US" b="1" dirty="0"/>
+              <a:t>Regression Models</a:t>
+            </a:r>
+            <a:endParaRPr lang="en-US" dirty="0"/>
+          </a:p>
+        </p:txBody>
+      </p:sp>
+      <p:sp>
+        <p:nvSpPr>
+          <p:cNvPr id="3" name="Title 1">
+            <a:extLst>
+              <a:ext uri="{FF2B5EF4-FFF2-40B4-BE49-F238E27FC236}">
+                <a16:creationId xmlns:a16="http://schemas.microsoft.com/office/drawing/2014/main" id="{7174218C-78CD-D741-B2D3-C0D23B91E6F7}"/>
+              </a:ext>
+            </a:extLst>
+          </p:cNvPr>
+          <p:cNvSpPr txBox="1">
+            <a:spLocks/>
+          </p:cNvSpPr>
+          <p:nvPr/>
+        </p:nvSpPr>
+        <p:spPr>
+          <a:xfrm>
+            <a:off x="3663398" y="700890"/>
+            <a:ext cx="7836172" cy="1024006"/>
+          </a:xfrm>
+          <a:prstGeom prst="rect">
+            <a:avLst/>
+          </a:prstGeom>
+        </p:spPr>
+        <p:txBody>
+          <a:bodyPr vert="horz" lIns="91440" tIns="45720" rIns="91440" bIns="45720" rtlCol="0" anchor="ctr">
+            <a:normAutofit fontScale="92500"/>
+          </a:bodyPr>
+          <a:lstStyle>
+            <a:lvl1pPr algn="l" defTabSz="914400" rtl="0" eaLnBrk="1" latinLnBrk="0" hangingPunct="1">
+              <a:lnSpc>
+                <a:spcPct val="90000"/>
+              </a:lnSpc>
+              <a:spcBef>
+                <a:spcPct val="0"/>
+              </a:spcBef>
+              <a:buNone/>
+              <a:defRPr sz="3600" kern="1200" spc="-60" baseline="0">
+                <a:solidFill>
+                  <a:srgbClr val="FFFFFF"/>
+                </a:solidFill>
+                <a:latin typeface="+mj-lt"/>
+                <a:ea typeface="+mj-ea"/>
+                <a:cs typeface="+mj-cs"/>
+              </a:defRPr>
+            </a:lvl1pPr>
+          </a:lstStyle>
+          <a:p>
+            <a:r>
+              <a:rPr lang="en-US" sz="3200" dirty="0">
+                <a:solidFill>
+                  <a:srgbClr val="4DBBD3"/>
+                </a:solidFill>
+              </a:rPr>
+              <a:t>The observations of the relationship between new customers and future spending within six month</a:t>
+            </a:r>
+          </a:p>
+        </p:txBody>
+      </p:sp>
+      <p:pic>
+        <p:nvPicPr>
+          <p:cNvPr id="12" name="Picture 11" descr="A screenshot of a cell phone&#10;&#10;Description automatically generated">
+            <a:extLst>
+              <a:ext uri="{FF2B5EF4-FFF2-40B4-BE49-F238E27FC236}">
+                <a16:creationId xmlns:a16="http://schemas.microsoft.com/office/drawing/2014/main" id="{A04493EC-2BDA-0E45-BE83-DDEC7CE965F2}"/>
+              </a:ext>
+            </a:extLst>
+          </p:cNvPr>
+          <p:cNvPicPr>
+            <a:picLocks noChangeAspect="1"/>
+          </p:cNvPicPr>
+          <p:nvPr/>
+        </p:nvPicPr>
+        <p:blipFill>
+          <a:blip r:embed="rId2"/>
+          <a:stretch>
+            <a:fillRect/>
+          </a:stretch>
+        </p:blipFill>
+        <p:spPr>
+          <a:xfrm>
+            <a:off x="5014746" y="1717821"/>
+            <a:ext cx="4478256" cy="4420631"/>
+          </a:xfrm>
+          <a:prstGeom prst="rect">
+            <a:avLst/>
+          </a:prstGeom>
+        </p:spPr>
+      </p:pic>
+      <p:sp>
+        <p:nvSpPr>
+          <p:cNvPr id="20" name="TextBox 19">
+            <a:extLst>
+              <a:ext uri="{FF2B5EF4-FFF2-40B4-BE49-F238E27FC236}">
+                <a16:creationId xmlns:a16="http://schemas.microsoft.com/office/drawing/2014/main" id="{938DC167-924F-3147-8B69-720B79CB31B7}"/>
+              </a:ext>
+            </a:extLst>
+          </p:cNvPr>
+          <p:cNvSpPr txBox="1"/>
+          <p:nvPr/>
+        </p:nvSpPr>
+        <p:spPr>
+          <a:xfrm>
+            <a:off x="5010539" y="5973339"/>
+            <a:ext cx="6988628" cy="246221"/>
+          </a:xfrm>
+          <a:prstGeom prst="rect">
+            <a:avLst/>
+          </a:prstGeom>
+          <a:noFill/>
+        </p:spPr>
+        <p:txBody>
+          <a:bodyPr wrap="square" rtlCol="0">
+            <a:spAutoFit/>
+          </a:bodyPr>
+          <a:lstStyle/>
+          <a:p>
+            <a:r>
+              <a:rPr lang="en-US" sz="1000" dirty="0"/>
+              <a:t>Source: https://www.Kaggle.com/olistbr/Brazilian-ecommerce</a:t>
+            </a:r>
+          </a:p>
+        </p:txBody>
+      </p:sp>
+    </p:spTree>
+    <p:extLst>
+      <p:ext uri="{BB962C8B-B14F-4D97-AF65-F5344CB8AC3E}">
+        <p14:creationId xmlns:p14="http://schemas.microsoft.com/office/powerpoint/2010/main" val="2095895906"/>
+      </p:ext>
+    </p:extLst>
+  </p:cSld>
+  <p:clrMapOvr>
+    <a:masterClrMapping/>
+  </p:clrMapOvr>
+  <p:transition spd="slow">
+    <p:cover/>
+  </p:transition>
+  <p:timing>
+    <p:tnLst>
+      <p:par>
+        <p:cTn id="1" dur="indefinite" restart="never" nodeType="tmRoot">
+          <p:childTnLst>
+            <p:seq concurrent="1" nextAc="seek">
+              <p:cTn id="2" dur="indefinite" nodeType="mainSeq">
+                <p:childTnLst>
+                  <p:par>
+                    <p:cTn id="3" fill="hold">
+                      <p:stCondLst>
+                        <p:cond delay="indefinite"/>
+                      </p:stCondLst>
+                      <p:childTnLst>
+                        <p:par>
+                          <p:cTn id="4" fill="hold">
+                            <p:stCondLst>
+                              <p:cond delay="0"/>
+                            </p:stCondLst>
+                            <p:childTnLst>
+                              <p:par>
+                                <p:cTn id="5" presetID="10" presetClass="entr" presetSubtype="0" fill="hold" nodeType="clickEffect">
+                                  <p:stCondLst>
+                                    <p:cond delay="0"/>
+                                  </p:stCondLst>
+                                  <p:childTnLst>
+                                    <p:set>
+                                      <p:cBhvr>
+                                        <p:cTn id="6" dur="1" fill="hold">
+                                          <p:stCondLst>
+                                            <p:cond delay="0"/>
+                                          </p:stCondLst>
+                                        </p:cTn>
+                                        <p:tgtEl>
+                                          <p:spTgt spid="12"/>
+                                        </p:tgtEl>
+                                        <p:attrNameLst>
+                                          <p:attrName>style.visibility</p:attrName>
+                                        </p:attrNameLst>
+                                      </p:cBhvr>
+                                      <p:to>
+                                        <p:strVal val="visible"/>
+                                      </p:to>
+                                    </p:set>
+                                    <p:animEffect transition="in" filter="fade">
+                                      <p:cBhvr>
+                                        <p:cTn id="7" dur="500"/>
+                                        <p:tgtEl>
+                                          <p:spTgt spid="12"/>
+                                        </p:tgtEl>
+                                      </p:cBhvr>
+                                    </p:animEffect>
+                                  </p:childTnLst>
+                                </p:cTn>
+                              </p:par>
+                              <p:par>
+                                <p:cTn id="8" presetID="10" presetClass="entr" presetSubtype="0" fill="hold" grpId="0" nodeType="withEffect">
+                                  <p:stCondLst>
+                                    <p:cond delay="0"/>
+                                  </p:stCondLst>
+                                  <p:childTnLst>
+                                    <p:set>
+                                      <p:cBhvr>
+                                        <p:cTn id="9" dur="1" fill="hold">
+                                          <p:stCondLst>
+                                            <p:cond delay="0"/>
+                                          </p:stCondLst>
+                                        </p:cTn>
+                                        <p:tgtEl>
+                                          <p:spTgt spid="20"/>
+                                        </p:tgtEl>
+                                        <p:attrNameLst>
+                                          <p:attrName>style.visibility</p:attrName>
+                                        </p:attrNameLst>
+                                      </p:cBhvr>
+                                      <p:to>
+                                        <p:strVal val="visible"/>
+                                      </p:to>
+                                    </p:set>
+                                    <p:animEffect transition="in" filter="fade">
+                                      <p:cBhvr>
+                                        <p:cTn id="10" dur="500"/>
+                                        <p:tgtEl>
+                                          <p:spTgt spid="20"/>
+                                        </p:tgtEl>
+                                      </p:cBhvr>
+                                    </p:animEffect>
+                                  </p:childTnLst>
+                                </p:cTn>
+                              </p:par>
+                            </p:childTnLst>
+                          </p:cTn>
+                        </p:par>
+                      </p:childTnLst>
+                    </p:cTn>
+                  </p:par>
+                </p:childTnLst>
+              </p:cTn>
+              <p:prevCondLst>
+                <p:cond evt="onPrev" delay="0">
+                  <p:tgtEl>
+                    <p:sldTgt/>
+                  </p:tgtEl>
+                </p:cond>
+              </p:prevCondLst>
+              <p:nextCondLst>
+                <p:cond evt="onNext" delay="0">
+                  <p:tgtEl>
+                    <p:sldTgt/>
+                  </p:tgtEl>
+                </p:cond>
+              </p:nextCondLst>
+            </p:seq>
+          </p:childTnLst>
+        </p:cTn>
+      </p:par>
+    </p:tnLst>
+    <p:bldLst>
+      <p:bldP spid="20" grpId="0"/>
+    </p:bldLst>
+  </p:timing>
+</p:sld>
+</file>
+
+<file path=ppt/slides/slide9.xml><?xml version="1.0" encoding="utf-8"?>
+<p:sld xmlns:a="http://schemas.openxmlformats.org/drawingml/2006/main" xmlns:r="http://schemas.openxmlformats.org/officeDocument/2006/relationships" xmlns:p="http://schemas.openxmlformats.org/presentationml/2006/main">
+  <p:cSld>
+    <p:spTree>
+      <p:nvGrpSpPr>
+        <p:cNvPr id="1" name=""/>
+        <p:cNvGrpSpPr/>
+        <p:nvPr/>
+      </p:nvGrpSpPr>
+      <p:grpSpPr>
+        <a:xfrm>
+          <a:off x="0" y="0"/>
+          <a:ext cx="0" cy="0"/>
+          <a:chOff x="0" y="0"/>
+          <a:chExt cx="0" cy="0"/>
+        </a:xfrm>
+      </p:grpSpPr>
+      <p:sp>
+        <p:nvSpPr>
+          <p:cNvPr id="2" name="Title 1">
+            <a:extLst>
+              <a:ext uri="{FF2B5EF4-FFF2-40B4-BE49-F238E27FC236}">
+                <a16:creationId xmlns:a16="http://schemas.microsoft.com/office/drawing/2014/main" id="{7D8DAA9F-0E41-3447-A703-0E0EDDA38927}"/>
+              </a:ext>
+            </a:extLst>
+          </p:cNvPr>
+          <p:cNvSpPr>
+            <a:spLocks noGrp="1"/>
+          </p:cNvSpPr>
+          <p:nvPr>
+            <p:ph type="title"/>
+          </p:nvPr>
+        </p:nvSpPr>
+        <p:spPr>
+          <a:xfrm>
+            <a:off x="252919" y="1123837"/>
+            <a:ext cx="2947482" cy="4601183"/>
+          </a:xfrm>
+        </p:spPr>
+        <p:txBody>
+          <a:bodyPr/>
+          <a:lstStyle/>
+          <a:p>
+            <a:r>
+              <a:rPr lang="en-US" b="1" dirty="0"/>
+              <a:t>Conclusion</a:t>
+            </a:r>
+            <a:endParaRPr lang="en-US" dirty="0"/>
+          </a:p>
+        </p:txBody>
+      </p:sp>
+      <p:sp>
+        <p:nvSpPr>
+          <p:cNvPr id="3" name="Title 1">
+            <a:extLst>
+              <a:ext uri="{FF2B5EF4-FFF2-40B4-BE49-F238E27FC236}">
+                <a16:creationId xmlns:a16="http://schemas.microsoft.com/office/drawing/2014/main" id="{7174218C-78CD-D741-B2D3-C0D23B91E6F7}"/>
+              </a:ext>
+            </a:extLst>
+          </p:cNvPr>
+          <p:cNvSpPr txBox="1">
+            <a:spLocks/>
+          </p:cNvSpPr>
+          <p:nvPr/>
+        </p:nvSpPr>
+        <p:spPr>
+          <a:xfrm>
+            <a:off x="3663398" y="778933"/>
+            <a:ext cx="8146310" cy="5164668"/>
+          </a:xfrm>
+          <a:prstGeom prst="rect">
+            <a:avLst/>
+          </a:prstGeom>
+        </p:spPr>
+        <p:txBody>
+          <a:bodyPr vert="horz" lIns="91440" tIns="45720" rIns="91440" bIns="45720" rtlCol="0" anchor="ctr">
+            <a:normAutofit/>
+          </a:bodyPr>
+          <a:lstStyle>
+            <a:lvl1pPr algn="l" defTabSz="914400" rtl="0" eaLnBrk="1" latinLnBrk="0" hangingPunct="1">
+              <a:lnSpc>
+                <a:spcPct val="90000"/>
+              </a:lnSpc>
+              <a:spcBef>
+                <a:spcPct val="0"/>
+              </a:spcBef>
+              <a:buNone/>
+              <a:defRPr sz="3600" kern="1200" spc="-60" baseline="0">
+                <a:solidFill>
+                  <a:srgbClr val="FFFFFF"/>
+                </a:solidFill>
+                <a:latin typeface="+mj-lt"/>
+                <a:ea typeface="+mj-ea"/>
+                <a:cs typeface="+mj-cs"/>
+              </a:defRPr>
+            </a:lvl1pPr>
+          </a:lstStyle>
+          <a:p>
+            <a:pPr marL="458788" indent="-458788">
+              <a:buFont typeface="+mj-lt"/>
+              <a:buAutoNum type="arabicPeriod"/>
+            </a:pPr>
+            <a:r>
+              <a:rPr lang="en-US" sz="2400" dirty="0">
+                <a:solidFill>
+                  <a:schemeClr val="tx1"/>
+                </a:solidFill>
+              </a:rPr>
+              <a:t>We explored the database made public by Olist and found that the techniques to predicting is endless.</a:t>
+            </a:r>
+          </a:p>
+          <a:p>
+            <a:pPr marL="574675" indent="-574675">
+              <a:buFont typeface="+mj-lt"/>
+              <a:buAutoNum type="arabicPeriod"/>
+            </a:pPr>
+            <a:endParaRPr lang="en-US" sz="2400" dirty="0">
+              <a:solidFill>
+                <a:schemeClr val="tx1"/>
+              </a:solidFill>
+            </a:endParaRPr>
+          </a:p>
+          <a:p>
+            <a:pPr marL="404813" indent="-404813">
+              <a:buFont typeface="+mj-lt"/>
+              <a:buAutoNum type="arabicPeriod"/>
+            </a:pPr>
+            <a:r>
+              <a:rPr lang="en-US" sz="2400" dirty="0">
+                <a:solidFill>
+                  <a:schemeClr val="tx1"/>
+                </a:solidFill>
+              </a:rPr>
+              <a:t>The project give us the opportunity to learn how to merge tables, clean data and use other tools for visualization. </a:t>
+            </a:r>
+          </a:p>
+          <a:p>
+            <a:pPr marL="574675" indent="-574675">
+              <a:buFont typeface="+mj-lt"/>
+              <a:buAutoNum type="arabicPeriod"/>
+            </a:pPr>
+            <a:endParaRPr lang="en-US" sz="2400" dirty="0">
+              <a:solidFill>
+                <a:schemeClr val="tx1"/>
+              </a:solidFill>
+            </a:endParaRPr>
+          </a:p>
+          <a:p>
+            <a:pPr marL="404813" indent="-404813">
+              <a:buFont typeface="+mj-lt"/>
+              <a:buAutoNum type="arabicPeriod"/>
+            </a:pPr>
+            <a:r>
+              <a:rPr lang="en-US" sz="2400" dirty="0">
+                <a:solidFill>
+                  <a:schemeClr val="tx1"/>
+                </a:solidFill>
+              </a:rPr>
+              <a:t>Working with 9 tables to figure out what to select  as dependent and independent takes practice. Selecting  the right regression model is a matter of how deep you want to investigate a dataset and how to relate the data.</a:t>
+            </a:r>
+          </a:p>
+        </p:txBody>
+      </p:sp>
+    </p:spTree>
+    <p:extLst>
+      <p:ext uri="{BB962C8B-B14F-4D97-AF65-F5344CB8AC3E}">
+        <p14:creationId xmlns:p14="http://schemas.microsoft.com/office/powerpoint/2010/main" val="335875077"/>
+      </p:ext>
+    </p:extLst>
+  </p:cSld>
+  <p:clrMapOvr>
+    <a:masterClrMapping/>
+  </p:clrMapOvr>
+  <p:transition spd="slow">
+    <p:push dir="u"/>
+  </p:transition>
+  <p:timing>
+    <p:tnLst>
+      <p:par>
+        <p:cTn id="1" dur="indefinite" restart="never" nodeType="tmRoot">
+          <p:childTnLst>
+            <p:seq concurrent="1" nextAc="seek">
+              <p:cTn id="2" dur="indefinite" nodeType="mainSeq">
+                <p:childTnLst>
+                  <p:par>
+                    <p:cTn id="3" fill="hold">
+                      <p:stCondLst>
+                        <p:cond delay="indefinite"/>
+                      </p:stCondLst>
+                      <p:childTnLst>
+                        <p:par>
+                          <p:cTn id="4" fill="hold">
+                            <p:stCondLst>
+                              <p:cond delay="0"/>
+                            </p:stCondLst>
+                            <p:childTnLst>
+                              <p:par>
+                                <p:cTn id="5" presetID="12" presetClass="entr" presetSubtype="4" fill="hold" nodeType="clickEffect">
+                                  <p:stCondLst>
+                                    <p:cond delay="0"/>
+                                  </p:stCondLst>
+                                  <p:childTnLst>
+                                    <p:set>
+                                      <p:cBhvr>
+                                        <p:cTn id="6" dur="1" fill="hold">
+                                          <p:stCondLst>
+                                            <p:cond delay="0"/>
+                                          </p:stCondLst>
+                                        </p:cTn>
+                                        <p:tgtEl>
+                                          <p:spTgt spid="3">
+                                            <p:txEl>
+                                              <p:pRg st="0" end="0"/>
+                                            </p:txEl>
+                                          </p:spTgt>
+                                        </p:tgtEl>
+                                        <p:attrNameLst>
+                                          <p:attrName>style.visibility</p:attrName>
+                                        </p:attrNameLst>
+                                      </p:cBhvr>
+                                      <p:to>
+                                        <p:strVal val="visible"/>
+                                      </p:to>
+                                    </p:set>
+                                    <p:anim calcmode="lin" valueType="num">
+                                      <p:cBhvr additive="base">
+                                        <p:cTn id="7" dur="500"/>
+                                        <p:tgtEl>
+                                          <p:spTgt spid="3">
+                                            <p:txEl>
+                                              <p:pRg st="0" end="0"/>
+                                            </p:txEl>
+                                          </p:spTgt>
+                                        </p:tgtEl>
+                                        <p:attrNameLst>
+                                          <p:attrName>ppt_y</p:attrName>
+                                        </p:attrNameLst>
+                                      </p:cBhvr>
+                                      <p:tavLst>
+                                        <p:tav tm="0">
+                                          <p:val>
+                                            <p:strVal val="#ppt_y+#ppt_h*1.125000"/>
+                                          </p:val>
+                                        </p:tav>
+                                        <p:tav tm="100000">
+                                          <p:val>
+                                            <p:strVal val="#ppt_y"/>
+                                          </p:val>
+                                        </p:tav>
+                                      </p:tavLst>
+                                    </p:anim>
+                                    <p:animEffect transition="in" filter="wipe(up)">
+                                      <p:cBhvr>
+                                        <p:cTn id="8" dur="500"/>
+                                        <p:tgtEl>
+                                          <p:spTgt spid="3">
+                                            <p:txEl>
+                                              <p:pRg st="0" end="0"/>
+                                            </p:txEl>
+                                          </p:spTgt>
+                                        </p:tgtEl>
+                                      </p:cBhvr>
+                                    </p:animEffect>
+                                  </p:childTnLst>
+                                </p:cTn>
+                              </p:par>
+                            </p:childTnLst>
+                          </p:cTn>
+                        </p:par>
+                      </p:childTnLst>
+                    </p:cTn>
+                  </p:par>
+                  <p:par>
+                    <p:cTn id="9" fill="hold">
+                      <p:stCondLst>
+                        <p:cond delay="indefinite"/>
+                      </p:stCondLst>
+                      <p:childTnLst>
+                        <p:par>
+                          <p:cTn id="10" fill="hold">
+                            <p:stCondLst>
+                              <p:cond delay="0"/>
+                            </p:stCondLst>
+                            <p:childTnLst>
+                              <p:par>
+                                <p:cTn id="11" presetID="12" presetClass="entr" presetSubtype="4" fill="hold" nodeType="clickEffect">
+                                  <p:stCondLst>
+                                    <p:cond delay="0"/>
+                                  </p:stCondLst>
+                                  <p:childTnLst>
+                                    <p:set>
+                                      <p:cBhvr>
+                                        <p:cTn id="12" dur="1" fill="hold">
+                                          <p:stCondLst>
+                                            <p:cond delay="0"/>
+                                          </p:stCondLst>
+                                        </p:cTn>
+                                        <p:tgtEl>
+                                          <p:spTgt spid="3">
+                                            <p:txEl>
+                                              <p:pRg st="2" end="2"/>
+                                            </p:txEl>
+                                          </p:spTgt>
+                                        </p:tgtEl>
+                                        <p:attrNameLst>
+                                          <p:attrName>style.visibility</p:attrName>
+                                        </p:attrNameLst>
+                                      </p:cBhvr>
+                                      <p:to>
+                                        <p:strVal val="visible"/>
+                                      </p:to>
+                                    </p:set>
+                                    <p:anim calcmode="lin" valueType="num">
+                                      <p:cBhvr additive="base">
+                                        <p:cTn id="13" dur="500"/>
+                                        <p:tgtEl>
+                                          <p:spTgt spid="3">
+                                            <p:txEl>
+                                              <p:pRg st="2" end="2"/>
+                                            </p:txEl>
+                                          </p:spTgt>
+                                        </p:tgtEl>
+                                        <p:attrNameLst>
+                                          <p:attrName>ppt_y</p:attrName>
+                                        </p:attrNameLst>
+                                      </p:cBhvr>
+                                      <p:tavLst>
+                                        <p:tav tm="0">
+                                          <p:val>
+                                            <p:strVal val="#ppt_y+#ppt_h*1.125000"/>
+                                          </p:val>
+                                        </p:tav>
+                                        <p:tav tm="100000">
+                                          <p:val>
+                                            <p:strVal val="#ppt_y"/>
+                                          </p:val>
+                                        </p:tav>
+                                      </p:tavLst>
+                                    </p:anim>
+                                    <p:animEffect transition="in" filter="wipe(up)">
+                                      <p:cBhvr>
+                                        <p:cTn id="14" dur="500"/>
+                                        <p:tgtEl>
+                                          <p:spTgt spid="3">
+                                            <p:txEl>
+                                              <p:pRg st="2" end="2"/>
+                                            </p:txEl>
+                                          </p:spTgt>
+                                        </p:tgtEl>
+                                      </p:cBhvr>
+                                    </p:animEffect>
+                                  </p:childTnLst>
+                                </p:cTn>
+                              </p:par>
+                            </p:childTnLst>
+                          </p:cTn>
+                        </p:par>
+                      </p:childTnLst>
+                    </p:cTn>
+                  </p:par>
+                  <p:par>
+                    <p:cTn id="15" fill="hold">
+                      <p:stCondLst>
+                        <p:cond delay="indefinite"/>
+                      </p:stCondLst>
+                      <p:childTnLst>
+                        <p:par>
+                          <p:cTn id="16" fill="hold">
+                            <p:stCondLst>
+                              <p:cond delay="0"/>
+                            </p:stCondLst>
+                            <p:childTnLst>
+                              <p:par>
+                                <p:cTn id="17" presetID="12" presetClass="entr" presetSubtype="4" fill="hold" nodeType="clickEffect">
+                                  <p:stCondLst>
+                                    <p:cond delay="0"/>
+                                  </p:stCondLst>
+                                  <p:childTnLst>
+                                    <p:set>
+                                      <p:cBhvr>
+                                        <p:cTn id="18" dur="1" fill="hold">
+                                          <p:stCondLst>
+                                            <p:cond delay="0"/>
+                                          </p:stCondLst>
+                                        </p:cTn>
+                                        <p:tgtEl>
+                                          <p:spTgt spid="3">
+                                            <p:txEl>
+                                              <p:pRg st="4" end="4"/>
+                                            </p:txEl>
+                                          </p:spTgt>
+                                        </p:tgtEl>
+                                        <p:attrNameLst>
+                                          <p:attrName>style.visibility</p:attrName>
+                                        </p:attrNameLst>
+                                      </p:cBhvr>
+                                      <p:to>
+                                        <p:strVal val="visible"/>
+                                      </p:to>
+                                    </p:set>
+                                    <p:anim calcmode="lin" valueType="num">
+                                      <p:cBhvr additive="base">
+                                        <p:cTn id="19" dur="500"/>
+                                        <p:tgtEl>
+                                          <p:spTgt spid="3">
+                                            <p:txEl>
+                                              <p:pRg st="4" end="4"/>
+                                            </p:txEl>
+                                          </p:spTgt>
+                                        </p:tgtEl>
+                                        <p:attrNameLst>
+                                          <p:attrName>ppt_y</p:attrName>
+                                        </p:attrNameLst>
+                                      </p:cBhvr>
+                                      <p:tavLst>
+                                        <p:tav tm="0">
+                                          <p:val>
+                                            <p:strVal val="#ppt_y+#ppt_h*1.125000"/>
+                                          </p:val>
+                                        </p:tav>
+                                        <p:tav tm="100000">
+                                          <p:val>
+                                            <p:strVal val="#ppt_y"/>
+                                          </p:val>
+                                        </p:tav>
+                                      </p:tavLst>
+                                    </p:anim>
+                                    <p:animEffect transition="in" filter="wipe(up)">
+                                      <p:cBhvr>
+                                        <p:cTn id="20" dur="500"/>
+                                        <p:tgtEl>
+                                          <p:spTgt spid="3">
+                                            <p:txEl>
+                                              <p:pRg st="4" end="4"/>
+                                            </p:txEl>
+                                          </p:spTgt>
+                                        </p:tgtEl>
+                                      </p:cBhvr>
+                                    </p:animEffect>
+                                  </p:childTnLst>
+                                </p:cTn>
+                              </p:par>
+                            </p:childTnLst>
+                          </p:cTn>
+                        </p:par>
+                      </p:childTnLst>
+                    </p:cTn>
+                  </p:par>
+                </p:childTnLst>
+              </p:cTn>
+              <p:prevCondLst>
+                <p:cond evt="onPrev" delay="0">
+                  <p:tgtEl>
+                    <p:sldTgt/>
+                  </p:tgtEl>
+                </p:cond>
+              </p:prevCondLst>
+              <p:nextCondLst>
+                <p:cond evt="onNext" delay="0">
+                  <p:tgtEl>
+                    <p:sldTgt/>
+                  </p:tgtEl>
+                </p:cond>
+              </p:nextCondLst>
+            </p:seq>
+          </p:childTnLst>
+        </p:cTn>
+      </p:par>
+    </p:tnLst>
+  </p:timing>
 </p:sld>
 </file>
 
